--- a/presentation/GSR Presentation.pptx
+++ b/presentation/GSR Presentation.pptx
@@ -5,42 +5,45 @@
     <p:sldMasterId id="2147483648" r:id="rId1"/>
   </p:sldMasterIdLst>
   <p:notesMasterIdLst>
-    <p:notesMasterId r:id="rId35"/>
+    <p:notesMasterId r:id="rId38"/>
   </p:notesMasterIdLst>
   <p:sldIdLst>
     <p:sldId id="256" r:id="rId2"/>
-    <p:sldId id="257" r:id="rId3"/>
-    <p:sldId id="258" r:id="rId4"/>
-    <p:sldId id="264" r:id="rId5"/>
-    <p:sldId id="290" r:id="rId6"/>
-    <p:sldId id="291" r:id="rId7"/>
-    <p:sldId id="275" r:id="rId8"/>
-    <p:sldId id="265" r:id="rId9"/>
-    <p:sldId id="266" r:id="rId10"/>
-    <p:sldId id="267" r:id="rId11"/>
-    <p:sldId id="276" r:id="rId12"/>
-    <p:sldId id="277" r:id="rId13"/>
-    <p:sldId id="278" r:id="rId14"/>
-    <p:sldId id="279" r:id="rId15"/>
-    <p:sldId id="281" r:id="rId16"/>
-    <p:sldId id="280" r:id="rId17"/>
-    <p:sldId id="282" r:id="rId18"/>
-    <p:sldId id="273" r:id="rId19"/>
-    <p:sldId id="268" r:id="rId20"/>
-    <p:sldId id="274" r:id="rId21"/>
-    <p:sldId id="269" r:id="rId22"/>
-    <p:sldId id="270" r:id="rId23"/>
-    <p:sldId id="271" r:id="rId24"/>
-    <p:sldId id="272" r:id="rId25"/>
-    <p:sldId id="283" r:id="rId26"/>
-    <p:sldId id="292" r:id="rId27"/>
-    <p:sldId id="284" r:id="rId28"/>
-    <p:sldId id="293" r:id="rId29"/>
-    <p:sldId id="294" r:id="rId30"/>
-    <p:sldId id="285" r:id="rId31"/>
-    <p:sldId id="286" r:id="rId32"/>
-    <p:sldId id="288" r:id="rId33"/>
-    <p:sldId id="289" r:id="rId34"/>
+    <p:sldId id="295" r:id="rId3"/>
+    <p:sldId id="265" r:id="rId4"/>
+    <p:sldId id="257" r:id="rId5"/>
+    <p:sldId id="258" r:id="rId6"/>
+    <p:sldId id="264" r:id="rId7"/>
+    <p:sldId id="290" r:id="rId8"/>
+    <p:sldId id="291" r:id="rId9"/>
+    <p:sldId id="275" r:id="rId10"/>
+    <p:sldId id="266" r:id="rId11"/>
+    <p:sldId id="267" r:id="rId12"/>
+    <p:sldId id="276" r:id="rId13"/>
+    <p:sldId id="277" r:id="rId14"/>
+    <p:sldId id="278" r:id="rId15"/>
+    <p:sldId id="279" r:id="rId16"/>
+    <p:sldId id="281" r:id="rId17"/>
+    <p:sldId id="280" r:id="rId18"/>
+    <p:sldId id="282" r:id="rId19"/>
+    <p:sldId id="273" r:id="rId20"/>
+    <p:sldId id="296" r:id="rId21"/>
+    <p:sldId id="268" r:id="rId22"/>
+    <p:sldId id="274" r:id="rId23"/>
+    <p:sldId id="269" r:id="rId24"/>
+    <p:sldId id="270" r:id="rId25"/>
+    <p:sldId id="271" r:id="rId26"/>
+    <p:sldId id="272" r:id="rId27"/>
+    <p:sldId id="292" r:id="rId28"/>
+    <p:sldId id="284" r:id="rId29"/>
+    <p:sldId id="293" r:id="rId30"/>
+    <p:sldId id="294" r:id="rId31"/>
+    <p:sldId id="283" r:id="rId32"/>
+    <p:sldId id="297" r:id="rId33"/>
+    <p:sldId id="285" r:id="rId34"/>
+    <p:sldId id="286" r:id="rId35"/>
+    <p:sldId id="288" r:id="rId36"/>
+    <p:sldId id="289" r:id="rId37"/>
   </p:sldIdLst>
   <p:sldSz cx="12192000" cy="6858000"/>
   <p:notesSz cx="6858000" cy="9144000"/>
@@ -552,7 +555,7 @@
           <a:bodyPr/>
           <a:lstStyle/>
           <a:p>
-            <a:endParaRPr lang="nl-NL" dirty="0"/>
+            <a:endParaRPr lang="nl-NL"/>
           </a:p>
         </p:txBody>
       </p:sp>
@@ -573,7 +576,7 @@
           <a:p>
             <a:fld id="{54B359D9-548E-4D60-8745-C70A5F330213}" type="slidenum">
               <a:rPr lang="nl-NL" smtClean="0"/>
-              <a:t>4</a:t>
+              <a:t>1</a:t>
             </a:fld>
             <a:endParaRPr lang="nl-NL"/>
           </a:p>
@@ -582,7 +585,7 @@
     </p:spTree>
     <p:extLst>
       <p:ext uri="{BB962C8B-B14F-4D97-AF65-F5344CB8AC3E}">
-        <p14:creationId xmlns:p14="http://schemas.microsoft.com/office/powerpoint/2010/main" val="3415107850"/>
+        <p14:creationId xmlns:p14="http://schemas.microsoft.com/office/powerpoint/2010/main" val="3462988167"/>
       </p:ext>
     </p:extLst>
   </p:cSld>
@@ -636,6 +639,10 @@
           <a:bodyPr/>
           <a:lstStyle/>
           <a:p>
+            <a:r>
+              <a:rPr lang="nl-NL" dirty="0" smtClean="0"/>
+              <a:t>Low Pass Filter didn´t cut it</a:t>
+            </a:r>
             <a:endParaRPr lang="nl-NL" dirty="0"/>
           </a:p>
         </p:txBody>
@@ -657,7 +664,7 @@
           <a:p>
             <a:fld id="{54B359D9-548E-4D60-8745-C70A5F330213}" type="slidenum">
               <a:rPr lang="nl-NL" smtClean="0"/>
-              <a:t>27</a:t>
+              <a:t>23</a:t>
             </a:fld>
             <a:endParaRPr lang="nl-NL"/>
           </a:p>
@@ -666,7 +673,7 @@
     </p:spTree>
     <p:extLst>
       <p:ext uri="{BB962C8B-B14F-4D97-AF65-F5344CB8AC3E}">
-        <p14:creationId xmlns:p14="http://schemas.microsoft.com/office/powerpoint/2010/main" val="3467685236"/>
+        <p14:creationId xmlns:p14="http://schemas.microsoft.com/office/powerpoint/2010/main" val="2765478392"/>
       </p:ext>
     </p:extLst>
   </p:cSld>
@@ -741,7 +748,7 @@
           <a:p>
             <a:fld id="{54B359D9-548E-4D60-8745-C70A5F330213}" type="slidenum">
               <a:rPr lang="nl-NL" smtClean="0"/>
-              <a:t>29</a:t>
+              <a:t>24</a:t>
             </a:fld>
             <a:endParaRPr lang="nl-NL"/>
           </a:p>
@@ -750,7 +757,7 @@
     </p:spTree>
     <p:extLst>
       <p:ext uri="{BB962C8B-B14F-4D97-AF65-F5344CB8AC3E}">
-        <p14:creationId xmlns:p14="http://schemas.microsoft.com/office/powerpoint/2010/main" val="1495616684"/>
+        <p14:creationId xmlns:p14="http://schemas.microsoft.com/office/powerpoint/2010/main" val="797531468"/>
       </p:ext>
     </p:extLst>
   </p:cSld>
@@ -804,20 +811,6 @@
           <a:bodyPr/>
           <a:lstStyle/>
           <a:p>
-            <a:r>
-              <a:rPr lang="nl-NL" dirty="0" smtClean="0"/>
-              <a:t>Note that 25% is expected from chance</a:t>
-            </a:r>
-          </a:p>
-          <a:p>
-            <a:r>
-              <a:rPr lang="nl-NL" dirty="0" smtClean="0"/>
-              <a:t>Not</a:t>
-            </a:r>
-            <a:r>
-              <a:rPr lang="nl-NL" baseline="0" dirty="0" smtClean="0"/>
-              <a:t> great.</a:t>
-            </a:r>
             <a:endParaRPr lang="nl-NL" dirty="0"/>
           </a:p>
         </p:txBody>
@@ -839,7 +832,7 @@
           <a:p>
             <a:fld id="{54B359D9-548E-4D60-8745-C70A5F330213}" type="slidenum">
               <a:rPr lang="nl-NL" smtClean="0"/>
-              <a:t>30</a:t>
+              <a:t>26</a:t>
             </a:fld>
             <a:endParaRPr lang="nl-NL"/>
           </a:p>
@@ -848,7 +841,7 @@
     </p:spTree>
     <p:extLst>
       <p:ext uri="{BB962C8B-B14F-4D97-AF65-F5344CB8AC3E}">
-        <p14:creationId xmlns:p14="http://schemas.microsoft.com/office/powerpoint/2010/main" val="1271970032"/>
+        <p14:creationId xmlns:p14="http://schemas.microsoft.com/office/powerpoint/2010/main" val="35893575"/>
       </p:ext>
     </p:extLst>
   </p:cSld>
@@ -902,34 +895,6 @@
           <a:bodyPr/>
           <a:lstStyle/>
           <a:p>
-            <a:r>
-              <a:rPr lang="nl-NL" dirty="0" smtClean="0"/>
-              <a:t>Classifying between task</a:t>
-            </a:r>
-            <a:r>
-              <a:rPr lang="nl-NL" baseline="0" dirty="0" smtClean="0"/>
-              <a:t> 1,2   and task 3,4 combined</a:t>
-            </a:r>
-            <a:endParaRPr lang="nl-NL" dirty="0" smtClean="0"/>
-          </a:p>
-          <a:p>
-            <a:r>
-              <a:rPr lang="nl-NL" dirty="0" smtClean="0"/>
-              <a:t>50% expected</a:t>
-            </a:r>
-            <a:r>
-              <a:rPr lang="nl-NL" baseline="0" dirty="0" smtClean="0"/>
-              <a:t> from chance.</a:t>
-            </a:r>
-          </a:p>
-          <a:p>
-            <a:endParaRPr lang="nl-NL" baseline="0" dirty="0" smtClean="0"/>
-          </a:p>
-          <a:p>
-            <a:r>
-              <a:rPr lang="nl-NL" baseline="0" dirty="0" smtClean="0"/>
-              <a:t>Still not great / good enough</a:t>
-            </a:r>
             <a:endParaRPr lang="nl-NL" dirty="0"/>
           </a:p>
         </p:txBody>
@@ -951,7 +916,7 @@
           <a:p>
             <a:fld id="{54B359D9-548E-4D60-8745-C70A5F330213}" type="slidenum">
               <a:rPr lang="nl-NL" smtClean="0"/>
-              <a:t>31</a:t>
+              <a:t>27</a:t>
             </a:fld>
             <a:endParaRPr lang="nl-NL"/>
           </a:p>
@@ -960,7 +925,7 @@
     </p:spTree>
     <p:extLst>
       <p:ext uri="{BB962C8B-B14F-4D97-AF65-F5344CB8AC3E}">
-        <p14:creationId xmlns:p14="http://schemas.microsoft.com/office/powerpoint/2010/main" val="899788245"/>
+        <p14:creationId xmlns:p14="http://schemas.microsoft.com/office/powerpoint/2010/main" val="2596935786"/>
       </p:ext>
     </p:extLst>
   </p:cSld>
@@ -1035,7 +1000,385 @@
           <a:p>
             <a:fld id="{54B359D9-548E-4D60-8745-C70A5F330213}" type="slidenum">
               <a:rPr lang="nl-NL" smtClean="0"/>
+              <a:t>28</a:t>
+            </a:fld>
+            <a:endParaRPr lang="nl-NL"/>
+          </a:p>
+        </p:txBody>
+      </p:sp>
+    </p:spTree>
+    <p:extLst>
+      <p:ext uri="{BB962C8B-B14F-4D97-AF65-F5344CB8AC3E}">
+        <p14:creationId xmlns:p14="http://schemas.microsoft.com/office/powerpoint/2010/main" val="3467685236"/>
+      </p:ext>
+    </p:extLst>
+  </p:cSld>
+  <p:clrMapOvr>
+    <a:masterClrMapping/>
+  </p:clrMapOvr>
+</p:notes>
+</file>
+
+<file path=ppt/notesSlides/notesSlide15.xml><?xml version="1.0" encoding="utf-8"?>
+<p:notes xmlns:a="http://schemas.openxmlformats.org/drawingml/2006/main" xmlns:r="http://schemas.openxmlformats.org/officeDocument/2006/relationships" xmlns:p="http://schemas.openxmlformats.org/presentationml/2006/main">
+  <p:cSld>
+    <p:spTree>
+      <p:nvGrpSpPr>
+        <p:cNvPr id="1" name=""/>
+        <p:cNvGrpSpPr/>
+        <p:nvPr/>
+      </p:nvGrpSpPr>
+      <p:grpSpPr>
+        <a:xfrm>
+          <a:off x="0" y="0"/>
+          <a:ext cx="0" cy="0"/>
+          <a:chOff x="0" y="0"/>
+          <a:chExt cx="0" cy="0"/>
+        </a:xfrm>
+      </p:grpSpPr>
+      <p:sp>
+        <p:nvSpPr>
+          <p:cNvPr id="2" name="Slide Image Placeholder 1"/>
+          <p:cNvSpPr>
+            <a:spLocks noGrp="1" noRot="1" noChangeAspect="1"/>
+          </p:cNvSpPr>
+          <p:nvPr>
+            <p:ph type="sldImg"/>
+          </p:nvPr>
+        </p:nvSpPr>
+        <p:spPr/>
+      </p:sp>
+      <p:sp>
+        <p:nvSpPr>
+          <p:cNvPr id="3" name="Notes Placeholder 2"/>
+          <p:cNvSpPr>
+            <a:spLocks noGrp="1"/>
+          </p:cNvSpPr>
+          <p:nvPr>
+            <p:ph type="body" idx="1"/>
+          </p:nvPr>
+        </p:nvSpPr>
+        <p:spPr/>
+        <p:txBody>
+          <a:bodyPr/>
+          <a:lstStyle/>
+          <a:p>
+            <a:endParaRPr lang="nl-NL" dirty="0"/>
+          </a:p>
+        </p:txBody>
+      </p:sp>
+      <p:sp>
+        <p:nvSpPr>
+          <p:cNvPr id="4" name="Slide Number Placeholder 3"/>
+          <p:cNvSpPr>
+            <a:spLocks noGrp="1"/>
+          </p:cNvSpPr>
+          <p:nvPr>
+            <p:ph type="sldNum" sz="quarter" idx="10"/>
+          </p:nvPr>
+        </p:nvSpPr>
+        <p:spPr/>
+        <p:txBody>
+          <a:bodyPr/>
+          <a:lstStyle/>
+          <a:p>
+            <a:fld id="{54B359D9-548E-4D60-8745-C70A5F330213}" type="slidenum">
+              <a:rPr lang="nl-NL" smtClean="0"/>
+              <a:t>30</a:t>
+            </a:fld>
+            <a:endParaRPr lang="nl-NL"/>
+          </a:p>
+        </p:txBody>
+      </p:sp>
+    </p:spTree>
+    <p:extLst>
+      <p:ext uri="{BB962C8B-B14F-4D97-AF65-F5344CB8AC3E}">
+        <p14:creationId xmlns:p14="http://schemas.microsoft.com/office/powerpoint/2010/main" val="1495616684"/>
+      </p:ext>
+    </p:extLst>
+  </p:cSld>
+  <p:clrMapOvr>
+    <a:masterClrMapping/>
+  </p:clrMapOvr>
+</p:notes>
+</file>
+
+<file path=ppt/notesSlides/notesSlide16.xml><?xml version="1.0" encoding="utf-8"?>
+<p:notes xmlns:a="http://schemas.openxmlformats.org/drawingml/2006/main" xmlns:r="http://schemas.openxmlformats.org/officeDocument/2006/relationships" xmlns:p="http://schemas.openxmlformats.org/presentationml/2006/main">
+  <p:cSld>
+    <p:spTree>
+      <p:nvGrpSpPr>
+        <p:cNvPr id="1" name=""/>
+        <p:cNvGrpSpPr/>
+        <p:nvPr/>
+      </p:nvGrpSpPr>
+      <p:grpSpPr>
+        <a:xfrm>
+          <a:off x="0" y="0"/>
+          <a:ext cx="0" cy="0"/>
+          <a:chOff x="0" y="0"/>
+          <a:chExt cx="0" cy="0"/>
+        </a:xfrm>
+      </p:grpSpPr>
+      <p:sp>
+        <p:nvSpPr>
+          <p:cNvPr id="2" name="Slide Image Placeholder 1"/>
+          <p:cNvSpPr>
+            <a:spLocks noGrp="1" noRot="1" noChangeAspect="1"/>
+          </p:cNvSpPr>
+          <p:nvPr>
+            <p:ph type="sldImg"/>
+          </p:nvPr>
+        </p:nvSpPr>
+        <p:spPr/>
+      </p:sp>
+      <p:sp>
+        <p:nvSpPr>
+          <p:cNvPr id="3" name="Notes Placeholder 2"/>
+          <p:cNvSpPr>
+            <a:spLocks noGrp="1"/>
+          </p:cNvSpPr>
+          <p:nvPr>
+            <p:ph type="body" idx="1"/>
+          </p:nvPr>
+        </p:nvSpPr>
+        <p:spPr/>
+        <p:txBody>
+          <a:bodyPr/>
+          <a:lstStyle/>
+          <a:p>
+            <a:r>
+              <a:rPr lang="nl-NL" dirty="0" smtClean="0"/>
+              <a:t>Note that 25% is expected from chance</a:t>
+            </a:r>
+          </a:p>
+          <a:p>
+            <a:r>
+              <a:rPr lang="nl-NL" dirty="0" smtClean="0"/>
+              <a:t>Not</a:t>
+            </a:r>
+            <a:r>
+              <a:rPr lang="nl-NL" baseline="0" dirty="0" smtClean="0"/>
+              <a:t> great.</a:t>
+            </a:r>
+            <a:endParaRPr lang="nl-NL" dirty="0"/>
+          </a:p>
+        </p:txBody>
+      </p:sp>
+      <p:sp>
+        <p:nvSpPr>
+          <p:cNvPr id="4" name="Slide Number Placeholder 3"/>
+          <p:cNvSpPr>
+            <a:spLocks noGrp="1"/>
+          </p:cNvSpPr>
+          <p:nvPr>
+            <p:ph type="sldNum" sz="quarter" idx="10"/>
+          </p:nvPr>
+        </p:nvSpPr>
+        <p:spPr/>
+        <p:txBody>
+          <a:bodyPr/>
+          <a:lstStyle/>
+          <a:p>
+            <a:fld id="{54B359D9-548E-4D60-8745-C70A5F330213}" type="slidenum">
+              <a:rPr lang="nl-NL" smtClean="0"/>
               <a:t>33</a:t>
+            </a:fld>
+            <a:endParaRPr lang="nl-NL"/>
+          </a:p>
+        </p:txBody>
+      </p:sp>
+    </p:spTree>
+    <p:extLst>
+      <p:ext uri="{BB962C8B-B14F-4D97-AF65-F5344CB8AC3E}">
+        <p14:creationId xmlns:p14="http://schemas.microsoft.com/office/powerpoint/2010/main" val="1271970032"/>
+      </p:ext>
+    </p:extLst>
+  </p:cSld>
+  <p:clrMapOvr>
+    <a:masterClrMapping/>
+  </p:clrMapOvr>
+</p:notes>
+</file>
+
+<file path=ppt/notesSlides/notesSlide17.xml><?xml version="1.0" encoding="utf-8"?>
+<p:notes xmlns:a="http://schemas.openxmlformats.org/drawingml/2006/main" xmlns:r="http://schemas.openxmlformats.org/officeDocument/2006/relationships" xmlns:p="http://schemas.openxmlformats.org/presentationml/2006/main">
+  <p:cSld>
+    <p:spTree>
+      <p:nvGrpSpPr>
+        <p:cNvPr id="1" name=""/>
+        <p:cNvGrpSpPr/>
+        <p:nvPr/>
+      </p:nvGrpSpPr>
+      <p:grpSpPr>
+        <a:xfrm>
+          <a:off x="0" y="0"/>
+          <a:ext cx="0" cy="0"/>
+          <a:chOff x="0" y="0"/>
+          <a:chExt cx="0" cy="0"/>
+        </a:xfrm>
+      </p:grpSpPr>
+      <p:sp>
+        <p:nvSpPr>
+          <p:cNvPr id="2" name="Slide Image Placeholder 1"/>
+          <p:cNvSpPr>
+            <a:spLocks noGrp="1" noRot="1" noChangeAspect="1"/>
+          </p:cNvSpPr>
+          <p:nvPr>
+            <p:ph type="sldImg"/>
+          </p:nvPr>
+        </p:nvSpPr>
+        <p:spPr/>
+      </p:sp>
+      <p:sp>
+        <p:nvSpPr>
+          <p:cNvPr id="3" name="Notes Placeholder 2"/>
+          <p:cNvSpPr>
+            <a:spLocks noGrp="1"/>
+          </p:cNvSpPr>
+          <p:nvPr>
+            <p:ph type="body" idx="1"/>
+          </p:nvPr>
+        </p:nvSpPr>
+        <p:spPr/>
+        <p:txBody>
+          <a:bodyPr/>
+          <a:lstStyle/>
+          <a:p>
+            <a:r>
+              <a:rPr lang="nl-NL" dirty="0" smtClean="0"/>
+              <a:t>Classifying between task</a:t>
+            </a:r>
+            <a:r>
+              <a:rPr lang="nl-NL" baseline="0" dirty="0" smtClean="0"/>
+              <a:t> 1,2   and task 3,4 combined</a:t>
+            </a:r>
+            <a:endParaRPr lang="nl-NL" dirty="0" smtClean="0"/>
+          </a:p>
+          <a:p>
+            <a:r>
+              <a:rPr lang="nl-NL" dirty="0" smtClean="0"/>
+              <a:t>50% expected</a:t>
+            </a:r>
+            <a:r>
+              <a:rPr lang="nl-NL" baseline="0" dirty="0" smtClean="0"/>
+              <a:t> from chance.</a:t>
+            </a:r>
+          </a:p>
+          <a:p>
+            <a:endParaRPr lang="nl-NL" baseline="0" dirty="0" smtClean="0"/>
+          </a:p>
+          <a:p>
+            <a:r>
+              <a:rPr lang="nl-NL" baseline="0" dirty="0" smtClean="0"/>
+              <a:t>Still not great / good enough</a:t>
+            </a:r>
+            <a:endParaRPr lang="nl-NL" dirty="0"/>
+          </a:p>
+        </p:txBody>
+      </p:sp>
+      <p:sp>
+        <p:nvSpPr>
+          <p:cNvPr id="4" name="Slide Number Placeholder 3"/>
+          <p:cNvSpPr>
+            <a:spLocks noGrp="1"/>
+          </p:cNvSpPr>
+          <p:nvPr>
+            <p:ph type="sldNum" sz="quarter" idx="10"/>
+          </p:nvPr>
+        </p:nvSpPr>
+        <p:spPr/>
+        <p:txBody>
+          <a:bodyPr/>
+          <a:lstStyle/>
+          <a:p>
+            <a:fld id="{54B359D9-548E-4D60-8745-C70A5F330213}" type="slidenum">
+              <a:rPr lang="nl-NL" smtClean="0"/>
+              <a:t>34</a:t>
+            </a:fld>
+            <a:endParaRPr lang="nl-NL"/>
+          </a:p>
+        </p:txBody>
+      </p:sp>
+    </p:spTree>
+    <p:extLst>
+      <p:ext uri="{BB962C8B-B14F-4D97-AF65-F5344CB8AC3E}">
+        <p14:creationId xmlns:p14="http://schemas.microsoft.com/office/powerpoint/2010/main" val="899788245"/>
+      </p:ext>
+    </p:extLst>
+  </p:cSld>
+  <p:clrMapOvr>
+    <a:masterClrMapping/>
+  </p:clrMapOvr>
+</p:notes>
+</file>
+
+<file path=ppt/notesSlides/notesSlide18.xml><?xml version="1.0" encoding="utf-8"?>
+<p:notes xmlns:a="http://schemas.openxmlformats.org/drawingml/2006/main" xmlns:r="http://schemas.openxmlformats.org/officeDocument/2006/relationships" xmlns:p="http://schemas.openxmlformats.org/presentationml/2006/main">
+  <p:cSld>
+    <p:spTree>
+      <p:nvGrpSpPr>
+        <p:cNvPr id="1" name=""/>
+        <p:cNvGrpSpPr/>
+        <p:nvPr/>
+      </p:nvGrpSpPr>
+      <p:grpSpPr>
+        <a:xfrm>
+          <a:off x="0" y="0"/>
+          <a:ext cx="0" cy="0"/>
+          <a:chOff x="0" y="0"/>
+          <a:chExt cx="0" cy="0"/>
+        </a:xfrm>
+      </p:grpSpPr>
+      <p:sp>
+        <p:nvSpPr>
+          <p:cNvPr id="2" name="Slide Image Placeholder 1"/>
+          <p:cNvSpPr>
+            <a:spLocks noGrp="1" noRot="1" noChangeAspect="1"/>
+          </p:cNvSpPr>
+          <p:nvPr>
+            <p:ph type="sldImg"/>
+          </p:nvPr>
+        </p:nvSpPr>
+        <p:spPr/>
+      </p:sp>
+      <p:sp>
+        <p:nvSpPr>
+          <p:cNvPr id="3" name="Notes Placeholder 2"/>
+          <p:cNvSpPr>
+            <a:spLocks noGrp="1"/>
+          </p:cNvSpPr>
+          <p:nvPr>
+            <p:ph type="body" idx="1"/>
+          </p:nvPr>
+        </p:nvSpPr>
+        <p:spPr/>
+        <p:txBody>
+          <a:bodyPr/>
+          <a:lstStyle/>
+          <a:p>
+            <a:endParaRPr lang="nl-NL" dirty="0"/>
+          </a:p>
+        </p:txBody>
+      </p:sp>
+      <p:sp>
+        <p:nvSpPr>
+          <p:cNvPr id="4" name="Slide Number Placeholder 3"/>
+          <p:cNvSpPr>
+            <a:spLocks noGrp="1"/>
+          </p:cNvSpPr>
+          <p:nvPr>
+            <p:ph type="sldNum" sz="quarter" idx="10"/>
+          </p:nvPr>
+        </p:nvSpPr>
+        <p:spPr/>
+        <p:txBody>
+          <a:bodyPr/>
+          <a:lstStyle/>
+          <a:p>
+            <a:fld id="{54B359D9-548E-4D60-8745-C70A5F330213}" type="slidenum">
+              <a:rPr lang="nl-NL" smtClean="0"/>
+              <a:t>36</a:t>
             </a:fld>
             <a:endParaRPr lang="nl-NL"/>
           </a:p>
@@ -1098,29 +1441,14 @@
           <a:bodyPr/>
           <a:lstStyle/>
           <a:p>
-            <a:pPr marL="0" marR="0" indent="0" algn="l" defTabSz="914400" rtl="0" eaLnBrk="1" fontAlgn="auto" latinLnBrk="0" hangingPunct="1">
-              <a:lnSpc>
-                <a:spcPct val="100000"/>
-              </a:lnSpc>
-              <a:spcBef>
-                <a:spcPts val="0"/>
-              </a:spcBef>
-              <a:spcAft>
-                <a:spcPts val="0"/>
-              </a:spcAft>
-              <a:buClrTx/>
-              <a:buSzTx/>
-              <a:buFontTx/>
-              <a:buNone/>
-              <a:tabLst/>
-              <a:defRPr/>
-            </a:pPr>
-            <a:r>
-              <a:rPr lang="nl-NL" sz="1200" dirty="0" smtClean="0"/>
-              <a:t>Multiple can be measured simultaneously</a:t>
-            </a:r>
-          </a:p>
-          <a:p>
+            <a:r>
+              <a:rPr lang="nl-NL" dirty="0" smtClean="0"/>
+              <a:t>People</a:t>
+            </a:r>
+            <a:r>
+              <a:rPr lang="nl-NL" baseline="0" dirty="0" smtClean="0"/>
+              <a:t> with autism find it hard to become aware / communicate cognitive load</a:t>
+            </a:r>
             <a:endParaRPr lang="nl-NL" dirty="0"/>
           </a:p>
         </p:txBody>
@@ -1142,7 +1470,7 @@
           <a:p>
             <a:fld id="{54B359D9-548E-4D60-8745-C70A5F330213}" type="slidenum">
               <a:rPr lang="nl-NL" smtClean="0"/>
-              <a:t>5</a:t>
+              <a:t>3</a:t>
             </a:fld>
             <a:endParaRPr lang="nl-NL"/>
           </a:p>
@@ -1151,7 +1479,7 @@
     </p:spTree>
     <p:extLst>
       <p:ext uri="{BB962C8B-B14F-4D97-AF65-F5344CB8AC3E}">
-        <p14:creationId xmlns:p14="http://schemas.microsoft.com/office/powerpoint/2010/main" val="1785312630"/>
+        <p14:creationId xmlns:p14="http://schemas.microsoft.com/office/powerpoint/2010/main" val="3588615544"/>
       </p:ext>
     </p:extLst>
   </p:cSld>
@@ -1205,48 +1533,7 @@
           <a:bodyPr/>
           <a:lstStyle/>
           <a:p>
-            <a:pPr marL="171450" indent="-171450">
-              <a:buFontTx/>
-              <a:buChar char="-"/>
-            </a:pPr>
-            <a:r>
-              <a:rPr lang="nl-NL" dirty="0" smtClean="0"/>
-              <a:t>GSR is measuring</a:t>
-            </a:r>
-            <a:r>
-              <a:rPr lang="nl-NL" baseline="0" dirty="0" smtClean="0"/>
-              <a:t> the electrical skin conductance,</a:t>
-            </a:r>
-          </a:p>
-          <a:p>
-            <a:pPr marL="171450" indent="-171450">
-              <a:buFontTx/>
-              <a:buChar char="-"/>
-            </a:pPr>
-            <a:r>
-              <a:rPr lang="nl-NL" baseline="0" dirty="0" smtClean="0"/>
-              <a:t>Unit of measurement is micro siemens</a:t>
-            </a:r>
-          </a:p>
-          <a:p>
-            <a:pPr marL="171450" indent="-171450">
-              <a:buFontTx/>
-              <a:buChar char="-"/>
-            </a:pPr>
-            <a:r>
-              <a:rPr lang="nl-NL" baseline="0" dirty="0" smtClean="0"/>
-              <a:t>More sweat -&gt; higher conductance, sweating caused by primitive ‘fight or flight’ response, preparing for exertion to deal with threat</a:t>
-            </a:r>
-          </a:p>
-          <a:p>
-            <a:pPr marL="171450" indent="-171450">
-              <a:buFontTx/>
-              <a:buChar char="-"/>
-            </a:pPr>
-            <a:r>
-              <a:rPr lang="nl-NL" baseline="0" dirty="0" smtClean="0"/>
-              <a:t>Delayed response</a:t>
-            </a:r>
+            <a:endParaRPr lang="nl-NL" dirty="0"/>
           </a:p>
         </p:txBody>
       </p:sp>
@@ -1267,7 +1554,7 @@
           <a:p>
             <a:fld id="{54B359D9-548E-4D60-8745-C70A5F330213}" type="slidenum">
               <a:rPr lang="nl-NL" smtClean="0"/>
-              <a:t>7</a:t>
+              <a:t>6</a:t>
             </a:fld>
             <a:endParaRPr lang="nl-NL"/>
           </a:p>
@@ -1276,7 +1563,7 @@
     </p:spTree>
     <p:extLst>
       <p:ext uri="{BB962C8B-B14F-4D97-AF65-F5344CB8AC3E}">
-        <p14:creationId xmlns:p14="http://schemas.microsoft.com/office/powerpoint/2010/main" val="1166388058"/>
+        <p14:creationId xmlns:p14="http://schemas.microsoft.com/office/powerpoint/2010/main" val="3415107850"/>
       </p:ext>
     </p:extLst>
   </p:cSld>
@@ -1330,6 +1617,29 @@
           <a:bodyPr/>
           <a:lstStyle/>
           <a:p>
+            <a:pPr marL="0" marR="0" indent="0" algn="l" defTabSz="914400" rtl="0" eaLnBrk="1" fontAlgn="auto" latinLnBrk="0" hangingPunct="1">
+              <a:lnSpc>
+                <a:spcPct val="100000"/>
+              </a:lnSpc>
+              <a:spcBef>
+                <a:spcPts val="0"/>
+              </a:spcBef>
+              <a:spcAft>
+                <a:spcPts val="0"/>
+              </a:spcAft>
+              <a:buClrTx/>
+              <a:buSzTx/>
+              <a:buFontTx/>
+              <a:buNone/>
+              <a:tabLst/>
+              <a:defRPr/>
+            </a:pPr>
+            <a:r>
+              <a:rPr lang="nl-NL" sz="1200" dirty="0" smtClean="0"/>
+              <a:t>Multiple can be measured simultaneously</a:t>
+            </a:r>
+          </a:p>
+          <a:p>
             <a:endParaRPr lang="nl-NL" dirty="0"/>
           </a:p>
         </p:txBody>
@@ -1351,7 +1661,7 @@
           <a:p>
             <a:fld id="{54B359D9-548E-4D60-8745-C70A5F330213}" type="slidenum">
               <a:rPr lang="nl-NL" smtClean="0"/>
-              <a:t>10</a:t>
+              <a:t>7</a:t>
             </a:fld>
             <a:endParaRPr lang="nl-NL"/>
           </a:p>
@@ -1360,7 +1670,7 @@
     </p:spTree>
     <p:extLst>
       <p:ext uri="{BB962C8B-B14F-4D97-AF65-F5344CB8AC3E}">
-        <p14:creationId xmlns:p14="http://schemas.microsoft.com/office/powerpoint/2010/main" val="1352297047"/>
+        <p14:creationId xmlns:p14="http://schemas.microsoft.com/office/powerpoint/2010/main" val="1785312630"/>
       </p:ext>
     </p:extLst>
   </p:cSld>
@@ -1414,7 +1724,48 @@
           <a:bodyPr/>
           <a:lstStyle/>
           <a:p>
-            <a:endParaRPr lang="nl-NL" dirty="0"/>
+            <a:pPr marL="171450" indent="-171450">
+              <a:buFontTx/>
+              <a:buChar char="-"/>
+            </a:pPr>
+            <a:r>
+              <a:rPr lang="nl-NL" dirty="0" smtClean="0"/>
+              <a:t>GSR is measuring</a:t>
+            </a:r>
+            <a:r>
+              <a:rPr lang="nl-NL" baseline="0" dirty="0" smtClean="0"/>
+              <a:t> the electrical skin conductance,</a:t>
+            </a:r>
+          </a:p>
+          <a:p>
+            <a:pPr marL="171450" indent="-171450">
+              <a:buFontTx/>
+              <a:buChar char="-"/>
+            </a:pPr>
+            <a:r>
+              <a:rPr lang="nl-NL" baseline="0" dirty="0" smtClean="0"/>
+              <a:t>Unit of measurement is micro siemens</a:t>
+            </a:r>
+          </a:p>
+          <a:p>
+            <a:pPr marL="171450" indent="-171450">
+              <a:buFontTx/>
+              <a:buChar char="-"/>
+            </a:pPr>
+            <a:r>
+              <a:rPr lang="nl-NL" baseline="0" dirty="0" smtClean="0"/>
+              <a:t>More sweat -&gt; higher conductance, sweating caused by primitive ‘fight or flight’ response, preparing for exertion to deal with threat</a:t>
+            </a:r>
+          </a:p>
+          <a:p>
+            <a:pPr marL="171450" indent="-171450">
+              <a:buFontTx/>
+              <a:buChar char="-"/>
+            </a:pPr>
+            <a:r>
+              <a:rPr lang="nl-NL" baseline="0" dirty="0" smtClean="0"/>
+              <a:t>Delayed response</a:t>
+            </a:r>
           </a:p>
         </p:txBody>
       </p:sp>
@@ -1435,7 +1786,7 @@
           <a:p>
             <a:fld id="{54B359D9-548E-4D60-8745-C70A5F330213}" type="slidenum">
               <a:rPr lang="nl-NL" smtClean="0"/>
-              <a:t>17</a:t>
+              <a:t>9</a:t>
             </a:fld>
             <a:endParaRPr lang="nl-NL"/>
           </a:p>
@@ -1444,7 +1795,7 @@
     </p:spTree>
     <p:extLst>
       <p:ext uri="{BB962C8B-B14F-4D97-AF65-F5344CB8AC3E}">
-        <p14:creationId xmlns:p14="http://schemas.microsoft.com/office/powerpoint/2010/main" val="3886982832"/>
+        <p14:creationId xmlns:p14="http://schemas.microsoft.com/office/powerpoint/2010/main" val="1166388058"/>
       </p:ext>
     </p:extLst>
   </p:cSld>
@@ -1519,7 +1870,7 @@
           <a:p>
             <a:fld id="{54B359D9-548E-4D60-8745-C70A5F330213}" type="slidenum">
               <a:rPr lang="nl-NL" smtClean="0"/>
-              <a:t>19</a:t>
+              <a:t>11</a:t>
             </a:fld>
             <a:endParaRPr lang="nl-NL"/>
           </a:p>
@@ -1528,7 +1879,7 @@
     </p:spTree>
     <p:extLst>
       <p:ext uri="{BB962C8B-B14F-4D97-AF65-F5344CB8AC3E}">
-        <p14:creationId xmlns:p14="http://schemas.microsoft.com/office/powerpoint/2010/main" val="3555880261"/>
+        <p14:creationId xmlns:p14="http://schemas.microsoft.com/office/powerpoint/2010/main" val="1352297047"/>
       </p:ext>
     </p:extLst>
   </p:cSld>
@@ -1603,7 +1954,7 @@
           <a:p>
             <a:fld id="{54B359D9-548E-4D60-8745-C70A5F330213}" type="slidenum">
               <a:rPr lang="nl-NL" smtClean="0"/>
-              <a:t>20</a:t>
+              <a:t>18</a:t>
             </a:fld>
             <a:endParaRPr lang="nl-NL"/>
           </a:p>
@@ -1612,7 +1963,7 @@
     </p:spTree>
     <p:extLst>
       <p:ext uri="{BB962C8B-B14F-4D97-AF65-F5344CB8AC3E}">
-        <p14:creationId xmlns:p14="http://schemas.microsoft.com/office/powerpoint/2010/main" val="1588117432"/>
+        <p14:creationId xmlns:p14="http://schemas.microsoft.com/office/powerpoint/2010/main" val="3886982832"/>
       </p:ext>
     </p:extLst>
   </p:cSld>
@@ -1666,10 +2017,6 @@
           <a:bodyPr/>
           <a:lstStyle/>
           <a:p>
-            <a:r>
-              <a:rPr lang="nl-NL" dirty="0" smtClean="0"/>
-              <a:t>Low Pass Filter didn´t cut it</a:t>
-            </a:r>
             <a:endParaRPr lang="nl-NL" dirty="0"/>
           </a:p>
         </p:txBody>
@@ -1700,7 +2047,7 @@
     </p:spTree>
     <p:extLst>
       <p:ext uri="{BB962C8B-B14F-4D97-AF65-F5344CB8AC3E}">
-        <p14:creationId xmlns:p14="http://schemas.microsoft.com/office/powerpoint/2010/main" val="2765478392"/>
+        <p14:creationId xmlns:p14="http://schemas.microsoft.com/office/powerpoint/2010/main" val="3555880261"/>
       </p:ext>
     </p:extLst>
   </p:cSld>
@@ -1784,7 +2131,7 @@
     </p:spTree>
     <p:extLst>
       <p:ext uri="{BB962C8B-B14F-4D97-AF65-F5344CB8AC3E}">
-        <p14:creationId xmlns:p14="http://schemas.microsoft.com/office/powerpoint/2010/main" val="797531468"/>
+        <p14:creationId xmlns:p14="http://schemas.microsoft.com/office/powerpoint/2010/main" val="1588117432"/>
       </p:ext>
     </p:extLst>
   </p:cSld>
@@ -2018,8 +2365,8 @@
           <a:bodyPr/>
           <a:lstStyle/>
           <a:p>
-            <a:fld id="{5A069CB8-F204-4D06-B913-C5A26A89888A}" type="datetimeFigureOut">
-              <a:rPr lang="en-US" dirty="0"/>
+            <a:fld id="{5E4C1F45-FA95-431B-BD78-50EA5D211F75}" type="datetime1">
+              <a:rPr lang="en-US" smtClean="0"/>
               <a:t>12/15/2014</a:t>
             </a:fld>
             <a:endParaRPr lang="en-US" dirty="0"/>
@@ -2221,8 +2568,8 @@
           <a:bodyPr/>
           <a:lstStyle/>
           <a:p>
-            <a:fld id="{50B6E300-0A13-4A81-945A-7333C271A069}" type="datetimeFigureOut">
-              <a:rPr lang="en-US" dirty="0"/>
+            <a:fld id="{FA26CB12-78B0-41B2-84BC-05EC2B493698}" type="datetime1">
+              <a:rPr lang="en-US" smtClean="0"/>
               <a:t>12/15/2014</a:t>
             </a:fld>
             <a:endParaRPr lang="en-US" dirty="0"/>
@@ -2472,8 +2819,8 @@
           <a:bodyPr/>
           <a:lstStyle/>
           <a:p>
-            <a:fld id="{34671962-1EA4-46E7-BCB0-F36CE46D1A59}" type="datetimeFigureOut">
-              <a:rPr lang="en-US" dirty="0"/>
+            <a:fld id="{80B0DA23-3B78-4E3E-AF4C-F19C18944F70}" type="datetime1">
+              <a:rPr lang="en-US" smtClean="0"/>
               <a:t>12/15/2014</a:t>
             </a:fld>
             <a:endParaRPr lang="en-US" dirty="0"/>
@@ -2637,8 +2984,8 @@
           <a:bodyPr/>
           <a:lstStyle/>
           <a:p>
-            <a:fld id="{D30BB376-B19C-488D-ABEB-03C7E6E9E3E0}" type="datetimeFigureOut">
-              <a:rPr lang="en-US" dirty="0"/>
+            <a:fld id="{C17CBBC6-71AF-4013-AD29-70C523B95493}" type="datetime1">
+              <a:rPr lang="en-US" smtClean="0"/>
               <a:t>12/15/2014</a:t>
             </a:fld>
             <a:endParaRPr lang="en-US" dirty="0"/>
@@ -2975,8 +3322,8 @@
           <a:bodyPr/>
           <a:lstStyle/>
           <a:p>
-            <a:fld id="{486F077B-A50F-4D64-8574-E2D6A98A5553}" type="datetimeFigureOut">
-              <a:rPr lang="en-US" dirty="0"/>
+            <a:fld id="{897E0034-E8EA-4CFF-8C19-232EC2542570}" type="datetime1">
+              <a:rPr lang="en-US" smtClean="0"/>
               <a:t>12/15/2014</a:t>
             </a:fld>
             <a:endParaRPr lang="en-US" dirty="0"/>
@@ -3245,8 +3592,8 @@
           <a:bodyPr/>
           <a:lstStyle/>
           <a:p>
-            <a:fld id="{7D9E2A62-1983-43A1-A163-D8AA46534C80}" type="datetimeFigureOut">
-              <a:rPr lang="en-US" dirty="0"/>
+            <a:fld id="{E1B3FB0C-E715-451C-8246-E548F6566A01}" type="datetime1">
+              <a:rPr lang="en-US" smtClean="0"/>
               <a:t>12/15/2014</a:t>
             </a:fld>
             <a:endParaRPr lang="en-US" dirty="0"/>
@@ -3619,8 +3966,8 @@
           <a:bodyPr/>
           <a:lstStyle/>
           <a:p>
-            <a:fld id="{898F3E3B-34E3-4345-B2A1-994B83598A9C}" type="datetimeFigureOut">
-              <a:rPr lang="en-US" dirty="0"/>
+            <a:fld id="{10EB30B6-1046-4600-8CA5-1EC6FCBAB8DD}" type="datetime1">
+              <a:rPr lang="en-US" smtClean="0"/>
               <a:t>12/15/2014</a:t>
             </a:fld>
             <a:endParaRPr lang="en-US" dirty="0"/>
@@ -3732,8 +4079,8 @@
           <a:bodyPr/>
           <a:lstStyle/>
           <a:p>
-            <a:fld id="{FD816C96-82A1-4D77-8ADA-627AC6FE3D65}" type="datetimeFigureOut">
-              <a:rPr lang="en-US" dirty="0"/>
+            <a:fld id="{EB0A0797-B77C-40DE-A206-FD3F0B28B9AE}" type="datetime1">
+              <a:rPr lang="en-US" smtClean="0"/>
               <a:t>12/15/2014</a:t>
             </a:fld>
             <a:endParaRPr lang="en-US" dirty="0"/>
@@ -3898,8 +4245,8 @@
           <a:bodyPr/>
           <a:lstStyle/>
           <a:p>
-            <a:fld id="{1D102C1E-28F2-47E9-802D-339E64E2F920}" type="datetimeFigureOut">
-              <a:rPr lang="en-US" dirty="0"/>
+            <a:fld id="{45C6CE1C-7117-495C-ACE6-1AEEFBFFDD55}" type="datetime1">
+              <a:rPr lang="en-US" smtClean="0"/>
               <a:t>12/15/2014</a:t>
             </a:fld>
             <a:endParaRPr lang="en-US" dirty="0"/>
@@ -4248,8 +4595,8 @@
             </a:lvl1pPr>
           </a:lstStyle>
           <a:p>
-            <a:fld id="{24271A48-F18A-45B3-BC05-1E27DA3F88AF}" type="datetimeFigureOut">
-              <a:rPr lang="en-US" dirty="0"/>
+            <a:fld id="{6766F47D-9A0C-49EC-9607-79EBD1819779}" type="datetime1">
+              <a:rPr lang="en-US" smtClean="0"/>
               <a:t>12/15/2014</a:t>
             </a:fld>
             <a:endParaRPr lang="en-US" dirty="0"/>
@@ -4621,8 +4968,8 @@
           <a:bodyPr/>
           <a:lstStyle/>
           <a:p>
-            <a:fld id="{65B747F8-9654-4282-85D2-65F41AAE7A75}" type="datetimeFigureOut">
-              <a:rPr lang="en-US" dirty="0"/>
+            <a:fld id="{8F0A6E37-61B4-42E5-B2B7-59E738724DA4}" type="datetime1">
+              <a:rPr lang="en-US" smtClean="0"/>
               <a:t>12/15/2014</a:t>
             </a:fld>
             <a:endParaRPr lang="en-US" dirty="0"/>
@@ -4903,8 +5250,8 @@
             </a:lvl1pPr>
           </a:lstStyle>
           <a:p>
-            <a:fld id="{5DC5B261-8843-42D1-AAFC-05E20E2D9B97}" type="datetimeFigureOut">
-              <a:rPr lang="en-US" dirty="0"/>
+            <a:fld id="{8B45CCF6-D42D-46A2-9F77-C9EDC8FCCDB7}" type="datetime1">
+              <a:rPr lang="en-US" smtClean="0"/>
               <a:t>12/15/2014</a:t>
             </a:fld>
             <a:endParaRPr lang="en-US" dirty="0"/>
@@ -5040,7 +5387,7 @@
     <p:sldLayoutId id="2147483658" r:id="rId10"/>
     <p:sldLayoutId id="2147483659" r:id="rId11"/>
   </p:sldLayoutIdLst>
-  <p:hf sldNum="0" hdr="0" ftr="0" dt="0"/>
+  <p:hf hdr="0" ftr="0" dt="0"/>
   <p:txStyles>
     <p:titleStyle>
       <a:lvl1pPr algn="l" defTabSz="914400" rtl="0" eaLnBrk="1" latinLnBrk="0" hangingPunct="1">
@@ -5436,7 +5783,12 @@
             <p:ph type="ctrTitle"/>
           </p:nvPr>
         </p:nvSpPr>
-        <p:spPr/>
+        <p:spPr>
+          <a:xfrm>
+            <a:off x="1100051" y="679963"/>
+            <a:ext cx="10058400" cy="3566160"/>
+          </a:xfrm>
+        </p:spPr>
         <p:txBody>
           <a:bodyPr>
             <a:normAutofit/>
@@ -5444,16 +5796,16 @@
           <a:lstStyle/>
           <a:p>
             <a:r>
+              <a:rPr lang="en-US" sz="4000" dirty="0" smtClean="0"/>
+              <a:t>Using </a:t>
+            </a:r>
+            <a:r>
               <a:rPr lang="en-US" sz="4000" dirty="0"/>
-              <a:t>Smart watch and </a:t>
-            </a:r>
-            <a:r>
-              <a:rPr lang="en-US" sz="4000" dirty="0" err="1"/>
-              <a:t>Biopac</a:t>
-            </a:r>
-            <a:r>
-              <a:rPr lang="en-US" sz="4000" dirty="0"/>
-              <a:t>: using GSR data for distinguishing cognitive states</a:t>
+              <a:t>GSR data for </a:t>
+            </a:r>
+            <a:r>
+              <a:rPr lang="en-US" sz="4000" dirty="0" smtClean="0"/>
+              <a:t>determining cognitive load</a:t>
             </a:r>
             <a:endParaRPr lang="nl-NL" sz="4000" dirty="0"/>
           </a:p>
@@ -5484,6 +5836,29 @@
               <a:rPr lang="nl-NL" dirty="0" smtClean="0"/>
               <a:t>December 2014</a:t>
             </a:r>
+          </a:p>
+        </p:txBody>
+      </p:sp>
+      <p:sp>
+        <p:nvSpPr>
+          <p:cNvPr id="4" name="Slide Number Placeholder 3"/>
+          <p:cNvSpPr>
+            <a:spLocks noGrp="1"/>
+          </p:cNvSpPr>
+          <p:nvPr>
+            <p:ph type="sldNum" sz="quarter" idx="12"/>
+          </p:nvPr>
+        </p:nvSpPr>
+        <p:spPr/>
+        <p:txBody>
+          <a:bodyPr/>
+          <a:lstStyle/>
+          <a:p>
+            <a:fld id="{4FAB73BC-B049-4115-A692-8D63A059BFB8}" type="slidenum">
+              <a:rPr lang="en-US" smtClean="0"/>
+              <a:t>1</a:t>
+            </a:fld>
+            <a:endParaRPr lang="en-US" dirty="0"/>
           </a:p>
         </p:txBody>
       </p:sp>
@@ -5497,6 +5872,14 @@
   <p:clrMapOvr>
     <a:masterClrMapping/>
   </p:clrMapOvr>
+  <mc:AlternateContent xmlns:mc="http://schemas.openxmlformats.org/markup-compatibility/2006">
+    <mc:Choice xmlns:p14="http://schemas.microsoft.com/office/powerpoint/2010/main" Requires="p14">
+      <p:transition spd="slow" p14:dur="2000"/>
+    </mc:Choice>
+    <mc:Fallback>
+      <p:transition spd="slow"/>
+    </mc:Fallback>
+  </mc:AlternateContent>
   <p:timing>
     <p:tnLst>
       <p:par>
@@ -5508,6 +5891,160 @@
 </file>
 
 <file path=ppt/slides/slide10.xml><?xml version="1.0" encoding="utf-8"?>
+<p:sld xmlns:a="http://schemas.openxmlformats.org/drawingml/2006/main" xmlns:r="http://schemas.openxmlformats.org/officeDocument/2006/relationships" xmlns:p="http://schemas.openxmlformats.org/presentationml/2006/main">
+  <p:cSld>
+    <p:spTree>
+      <p:nvGrpSpPr>
+        <p:cNvPr id="1" name=""/>
+        <p:cNvGrpSpPr/>
+        <p:nvPr/>
+      </p:nvGrpSpPr>
+      <p:grpSpPr>
+        <a:xfrm>
+          <a:off x="0" y="0"/>
+          <a:ext cx="0" cy="0"/>
+          <a:chOff x="0" y="0"/>
+          <a:chExt cx="0" cy="0"/>
+        </a:xfrm>
+      </p:grpSpPr>
+      <p:sp>
+        <p:nvSpPr>
+          <p:cNvPr id="2" name="Title 1"/>
+          <p:cNvSpPr>
+            <a:spLocks noGrp="1"/>
+          </p:cNvSpPr>
+          <p:nvPr>
+            <p:ph type="title"/>
+          </p:nvPr>
+        </p:nvSpPr>
+        <p:spPr/>
+        <p:txBody>
+          <a:bodyPr/>
+          <a:lstStyle/>
+          <a:p>
+            <a:r>
+              <a:rPr lang="nl-NL" dirty="0" smtClean="0"/>
+              <a:t>Goal</a:t>
+            </a:r>
+            <a:endParaRPr lang="nl-NL" dirty="0"/>
+          </a:p>
+        </p:txBody>
+      </p:sp>
+      <p:sp>
+        <p:nvSpPr>
+          <p:cNvPr id="3" name="Content Placeholder 2"/>
+          <p:cNvSpPr>
+            <a:spLocks noGrp="1"/>
+          </p:cNvSpPr>
+          <p:nvPr>
+            <p:ph idx="1"/>
+          </p:nvPr>
+        </p:nvSpPr>
+        <p:spPr/>
+        <p:txBody>
+          <a:bodyPr/>
+          <a:lstStyle/>
+          <a:p>
+            <a:pPr>
+              <a:buFont typeface="Wingdings" panose="05000000000000000000" pitchFamily="2" charset="2"/>
+              <a:buChar char="§"/>
+            </a:pPr>
+            <a:r>
+              <a:rPr lang="nl-NL" dirty="0" smtClean="0"/>
+              <a:t> Determining cognitive load from GSR data</a:t>
+            </a:r>
+          </a:p>
+          <a:p>
+            <a:pPr>
+              <a:buFont typeface="Wingdings" panose="05000000000000000000" pitchFamily="2" charset="2"/>
+              <a:buChar char="§"/>
+            </a:pPr>
+            <a:endParaRPr lang="nl-NL" dirty="0" smtClean="0"/>
+          </a:p>
+          <a:p>
+            <a:pPr marL="0" indent="0">
+              <a:buNone/>
+            </a:pPr>
+            <a:r>
+              <a:rPr lang="nl-NL" b="1" dirty="0" smtClean="0"/>
+              <a:t>Method</a:t>
+            </a:r>
+            <a:endParaRPr lang="nl-NL" b="1" dirty="0"/>
+          </a:p>
+          <a:p>
+            <a:pPr>
+              <a:buFont typeface="Wingdings" panose="05000000000000000000" pitchFamily="2" charset="2"/>
+              <a:buChar char="§"/>
+            </a:pPr>
+            <a:r>
+              <a:rPr lang="nl-NL" dirty="0" smtClean="0"/>
+              <a:t> Measure GSR data using tasks with varying difficulty</a:t>
+            </a:r>
+          </a:p>
+          <a:p>
+            <a:pPr>
+              <a:buFont typeface="Wingdings" panose="05000000000000000000" pitchFamily="2" charset="2"/>
+              <a:buChar char="§"/>
+            </a:pPr>
+            <a:r>
+              <a:rPr lang="nl-NL" dirty="0" smtClean="0"/>
+              <a:t> Classify task difficulty from features of the GSR data</a:t>
+            </a:r>
+          </a:p>
+        </p:txBody>
+      </p:sp>
+      <p:sp>
+        <p:nvSpPr>
+          <p:cNvPr id="4" name="Slide Number Placeholder 3"/>
+          <p:cNvSpPr>
+            <a:spLocks noGrp="1"/>
+          </p:cNvSpPr>
+          <p:nvPr>
+            <p:ph type="sldNum" sz="quarter" idx="12"/>
+          </p:nvPr>
+        </p:nvSpPr>
+        <p:spPr/>
+        <p:txBody>
+          <a:bodyPr/>
+          <a:lstStyle/>
+          <a:p>
+            <a:fld id="{629637A9-119A-49DA-BD12-AAC58B377D80}" type="slidenum">
+              <a:rPr lang="en-US" smtClean="0"/>
+              <a:t>10</a:t>
+            </a:fld>
+            <a:endParaRPr lang="en-US" dirty="0"/>
+          </a:p>
+        </p:txBody>
+      </p:sp>
+    </p:spTree>
+    <p:extLst>
+      <p:ext uri="{BB962C8B-B14F-4D97-AF65-F5344CB8AC3E}">
+        <p14:creationId xmlns:p14="http://schemas.microsoft.com/office/powerpoint/2010/main" val="880611061"/>
+      </p:ext>
+    </p:extLst>
+  </p:cSld>
+  <p:clrMapOvr>
+    <a:masterClrMapping/>
+  </p:clrMapOvr>
+  <mc:AlternateContent xmlns:mc="http://schemas.openxmlformats.org/markup-compatibility/2006">
+    <mc:Choice xmlns:p14="http://schemas.microsoft.com/office/powerpoint/2010/main" Requires="p14">
+      <p:transition spd="slow" p14:dur="2000"/>
+    </mc:Choice>
+    <mc:Fallback>
+      <p:transition spd="slow"/>
+    </mc:Fallback>
+  </mc:AlternateContent>
+  <p:timing>
+    <p:tnLst>
+      <p:par>
+        <p:cTn id="1" dur="indefinite" restart="never" nodeType="tmRoot"/>
+      </p:par>
+    </p:tnLst>
+  </p:timing>
+</p:sld>
+</file>
+
+<file path=ppt/slides/slide11.xml><?xml version="1.0" encoding="utf-8"?>
 <p:sld xmlns:a="http://schemas.openxmlformats.org/drawingml/2006/main" xmlns:r="http://schemas.openxmlformats.org/officeDocument/2006/relationships" xmlns:p="http://schemas.openxmlformats.org/presentationml/2006/main">
   <p:cSld>
     <p:spTree>
@@ -5808,6 +6345,29 @@
           </a:graphicData>
         </a:graphic>
       </p:graphicFrame>
+      <p:sp>
+        <p:nvSpPr>
+          <p:cNvPr id="5" name="Slide Number Placeholder 4"/>
+          <p:cNvSpPr>
+            <a:spLocks noGrp="1"/>
+          </p:cNvSpPr>
+          <p:nvPr>
+            <p:ph type="sldNum" sz="quarter" idx="12"/>
+          </p:nvPr>
+        </p:nvSpPr>
+        <p:spPr/>
+        <p:txBody>
+          <a:bodyPr/>
+          <a:lstStyle/>
+          <a:p>
+            <a:fld id="{629637A9-119A-49DA-BD12-AAC58B377D80}" type="slidenum">
+              <a:rPr lang="en-US" smtClean="0"/>
+              <a:t>11</a:t>
+            </a:fld>
+            <a:endParaRPr lang="en-US" dirty="0"/>
+          </a:p>
+        </p:txBody>
+      </p:sp>
     </p:spTree>
     <p:extLst>
       <p:ext uri="{BB962C8B-B14F-4D97-AF65-F5344CB8AC3E}">
@@ -5818,93 +6378,14 @@
   <p:clrMapOvr>
     <a:masterClrMapping/>
   </p:clrMapOvr>
-  <p:timing>
-    <p:tnLst>
-      <p:par>
-        <p:cTn id="1" dur="indefinite" restart="never" nodeType="tmRoot"/>
-      </p:par>
-    </p:tnLst>
-  </p:timing>
-</p:sld>
-</file>
-
-<file path=ppt/slides/slide11.xml><?xml version="1.0" encoding="utf-8"?>
-<p:sld xmlns:a="http://schemas.openxmlformats.org/drawingml/2006/main" xmlns:r="http://schemas.openxmlformats.org/officeDocument/2006/relationships" xmlns:p="http://schemas.openxmlformats.org/presentationml/2006/main">
-  <p:cSld>
-    <p:spTree>
-      <p:nvGrpSpPr>
-        <p:cNvPr id="1" name=""/>
-        <p:cNvGrpSpPr/>
-        <p:nvPr/>
-      </p:nvGrpSpPr>
-      <p:grpSpPr>
-        <a:xfrm>
-          <a:off x="0" y="0"/>
-          <a:ext cx="0" cy="0"/>
-          <a:chOff x="0" y="0"/>
-          <a:chExt cx="0" cy="0"/>
-        </a:xfrm>
-      </p:grpSpPr>
-      <p:sp>
-        <p:nvSpPr>
-          <p:cNvPr id="2" name="Title 1"/>
-          <p:cNvSpPr>
-            <a:spLocks noGrp="1"/>
-          </p:cNvSpPr>
-          <p:nvPr>
-            <p:ph type="title"/>
-          </p:nvPr>
-        </p:nvSpPr>
-        <p:spPr/>
-        <p:txBody>
-          <a:bodyPr/>
-          <a:lstStyle/>
-          <a:p>
-            <a:endParaRPr lang="nl-NL" dirty="0"/>
-          </a:p>
-        </p:txBody>
-      </p:sp>
-      <p:sp>
-        <p:nvSpPr>
-          <p:cNvPr id="3" name="Content Placeholder 2"/>
-          <p:cNvSpPr>
-            <a:spLocks noGrp="1"/>
-          </p:cNvSpPr>
-          <p:nvPr>
-            <p:ph idx="1"/>
-          </p:nvPr>
-        </p:nvSpPr>
-        <p:spPr>
-          <a:xfrm>
-            <a:off x="716437" y="3440784"/>
-            <a:ext cx="10439243" cy="2428311"/>
-          </a:xfrm>
-        </p:spPr>
-        <p:txBody>
-          <a:bodyPr>
-            <a:normAutofit/>
-          </a:bodyPr>
-          <a:lstStyle/>
-          <a:p>
-            <a:pPr algn="ctr"/>
-            <a:r>
-              <a:rPr lang="nl-NL" sz="4000" dirty="0" smtClean="0"/>
-              <a:t>***</a:t>
-            </a:r>
-            <a:endParaRPr lang="nl-NL" sz="4000" dirty="0"/>
-          </a:p>
-        </p:txBody>
-      </p:sp>
-    </p:spTree>
-    <p:extLst>
-      <p:ext uri="{BB962C8B-B14F-4D97-AF65-F5344CB8AC3E}">
-        <p14:creationId xmlns:p14="http://schemas.microsoft.com/office/powerpoint/2010/main" val="1237753540"/>
-      </p:ext>
-    </p:extLst>
-  </p:cSld>
-  <p:clrMapOvr>
-    <a:masterClrMapping/>
-  </p:clrMapOvr>
+  <mc:AlternateContent xmlns:mc="http://schemas.openxmlformats.org/markup-compatibility/2006">
+    <mc:Choice xmlns:p14="http://schemas.microsoft.com/office/powerpoint/2010/main" Requires="p14">
+      <p:transition spd="slow" p14:dur="2000"/>
+    </mc:Choice>
+    <mc:Fallback>
+      <p:transition spd="slow"/>
+    </mc:Fallback>
+  </mc:AlternateContent>
   <p:timing>
     <p:tnLst>
       <p:par>
@@ -5963,8 +6444,8 @@
         </p:nvSpPr>
         <p:spPr>
           <a:xfrm>
-            <a:off x="829559" y="3450211"/>
-            <a:ext cx="10326121" cy="2418884"/>
+            <a:off x="716437" y="3440784"/>
+            <a:ext cx="10439243" cy="2428311"/>
           </a:xfrm>
         </p:spPr>
         <p:txBody>
@@ -5976,22 +6457,53 @@
             <a:pPr algn="ctr"/>
             <a:r>
               <a:rPr lang="nl-NL" sz="4000" dirty="0" smtClean="0"/>
-              <a:t>48</a:t>
+              <a:t>***</a:t>
             </a:r>
             <a:endParaRPr lang="nl-NL" sz="4000" dirty="0"/>
+          </a:p>
+        </p:txBody>
+      </p:sp>
+      <p:sp>
+        <p:nvSpPr>
+          <p:cNvPr id="4" name="Slide Number Placeholder 3"/>
+          <p:cNvSpPr>
+            <a:spLocks noGrp="1"/>
+          </p:cNvSpPr>
+          <p:nvPr>
+            <p:ph type="sldNum" sz="quarter" idx="12"/>
+          </p:nvPr>
+        </p:nvSpPr>
+        <p:spPr/>
+        <p:txBody>
+          <a:bodyPr/>
+          <a:lstStyle/>
+          <a:p>
+            <a:fld id="{629637A9-119A-49DA-BD12-AAC58B377D80}" type="slidenum">
+              <a:rPr lang="en-US" smtClean="0"/>
+              <a:t>12</a:t>
+            </a:fld>
+            <a:endParaRPr lang="en-US" dirty="0"/>
           </a:p>
         </p:txBody>
       </p:sp>
     </p:spTree>
     <p:extLst>
       <p:ext uri="{BB962C8B-B14F-4D97-AF65-F5344CB8AC3E}">
-        <p14:creationId xmlns:p14="http://schemas.microsoft.com/office/powerpoint/2010/main" val="2762596797"/>
+        <p14:creationId xmlns:p14="http://schemas.microsoft.com/office/powerpoint/2010/main" val="1237753540"/>
       </p:ext>
     </p:extLst>
   </p:cSld>
   <p:clrMapOvr>
     <a:masterClrMapping/>
   </p:clrMapOvr>
+  <mc:AlternateContent xmlns:mc="http://schemas.openxmlformats.org/markup-compatibility/2006">
+    <mc:Choice xmlns:p14="http://schemas.microsoft.com/office/powerpoint/2010/main" Requires="p14">
+      <p:transition spd="slow" p14:dur="2000"/>
+    </mc:Choice>
+    <mc:Fallback>
+      <p:transition spd="slow"/>
+    </mc:Fallback>
+  </mc:AlternateContent>
   <p:timing>
     <p:tnLst>
       <p:par>
@@ -6063,22 +6575,53 @@
             <a:pPr algn="ctr"/>
             <a:r>
               <a:rPr lang="nl-NL" sz="4000" dirty="0" smtClean="0"/>
-              <a:t>71</a:t>
+              <a:t>48</a:t>
             </a:r>
             <a:endParaRPr lang="nl-NL" sz="4000" dirty="0"/>
+          </a:p>
+        </p:txBody>
+      </p:sp>
+      <p:sp>
+        <p:nvSpPr>
+          <p:cNvPr id="4" name="Slide Number Placeholder 3"/>
+          <p:cNvSpPr>
+            <a:spLocks noGrp="1"/>
+          </p:cNvSpPr>
+          <p:nvPr>
+            <p:ph type="sldNum" sz="quarter" idx="12"/>
+          </p:nvPr>
+        </p:nvSpPr>
+        <p:spPr/>
+        <p:txBody>
+          <a:bodyPr/>
+          <a:lstStyle/>
+          <a:p>
+            <a:fld id="{629637A9-119A-49DA-BD12-AAC58B377D80}" type="slidenum">
+              <a:rPr lang="en-US" smtClean="0"/>
+              <a:t>13</a:t>
+            </a:fld>
+            <a:endParaRPr lang="en-US" dirty="0"/>
           </a:p>
         </p:txBody>
       </p:sp>
     </p:spTree>
     <p:extLst>
       <p:ext uri="{BB962C8B-B14F-4D97-AF65-F5344CB8AC3E}">
-        <p14:creationId xmlns:p14="http://schemas.microsoft.com/office/powerpoint/2010/main" val="3627480476"/>
+        <p14:creationId xmlns:p14="http://schemas.microsoft.com/office/powerpoint/2010/main" val="2762596797"/>
       </p:ext>
     </p:extLst>
   </p:cSld>
   <p:clrMapOvr>
     <a:masterClrMapping/>
   </p:clrMapOvr>
+  <mc:AlternateContent xmlns:mc="http://schemas.openxmlformats.org/markup-compatibility/2006">
+    <mc:Choice xmlns:p14="http://schemas.microsoft.com/office/powerpoint/2010/main" Requires="p14">
+      <p:transition spd="slow" p14:dur="2000"/>
+    </mc:Choice>
+    <mc:Fallback>
+      <p:transition spd="slow"/>
+    </mc:Fallback>
+  </mc:AlternateContent>
   <p:timing>
     <p:tnLst>
       <p:par>
@@ -6150,22 +6693,53 @@
             <a:pPr algn="ctr"/>
             <a:r>
               <a:rPr lang="nl-NL" sz="4000" dirty="0" smtClean="0"/>
-              <a:t>50</a:t>
+              <a:t>71</a:t>
             </a:r>
             <a:endParaRPr lang="nl-NL" sz="4000" dirty="0"/>
+          </a:p>
+        </p:txBody>
+      </p:sp>
+      <p:sp>
+        <p:nvSpPr>
+          <p:cNvPr id="4" name="Slide Number Placeholder 3"/>
+          <p:cNvSpPr>
+            <a:spLocks noGrp="1"/>
+          </p:cNvSpPr>
+          <p:nvPr>
+            <p:ph type="sldNum" sz="quarter" idx="12"/>
+          </p:nvPr>
+        </p:nvSpPr>
+        <p:spPr/>
+        <p:txBody>
+          <a:bodyPr/>
+          <a:lstStyle/>
+          <a:p>
+            <a:fld id="{629637A9-119A-49DA-BD12-AAC58B377D80}" type="slidenum">
+              <a:rPr lang="en-US" smtClean="0"/>
+              <a:t>14</a:t>
+            </a:fld>
+            <a:endParaRPr lang="en-US" dirty="0"/>
           </a:p>
         </p:txBody>
       </p:sp>
     </p:spTree>
     <p:extLst>
       <p:ext uri="{BB962C8B-B14F-4D97-AF65-F5344CB8AC3E}">
-        <p14:creationId xmlns:p14="http://schemas.microsoft.com/office/powerpoint/2010/main" val="4189513050"/>
+        <p14:creationId xmlns:p14="http://schemas.microsoft.com/office/powerpoint/2010/main" val="3627480476"/>
       </p:ext>
     </p:extLst>
   </p:cSld>
   <p:clrMapOvr>
     <a:masterClrMapping/>
   </p:clrMapOvr>
+  <mc:AlternateContent xmlns:mc="http://schemas.openxmlformats.org/markup-compatibility/2006">
+    <mc:Choice xmlns:p14="http://schemas.microsoft.com/office/powerpoint/2010/main" Requires="p14">
+      <p:transition spd="slow" p14:dur="2000"/>
+    </mc:Choice>
+    <mc:Fallback>
+      <p:transition spd="slow"/>
+    </mc:Fallback>
+  </mc:AlternateContent>
   <p:timing>
     <p:tnLst>
       <p:par>
@@ -6237,22 +6811,53 @@
             <a:pPr algn="ctr"/>
             <a:r>
               <a:rPr lang="nl-NL" sz="4000" dirty="0" smtClean="0"/>
-              <a:t>34</a:t>
+              <a:t>50</a:t>
             </a:r>
             <a:endParaRPr lang="nl-NL" sz="4000" dirty="0"/>
+          </a:p>
+        </p:txBody>
+      </p:sp>
+      <p:sp>
+        <p:nvSpPr>
+          <p:cNvPr id="4" name="Slide Number Placeholder 3"/>
+          <p:cNvSpPr>
+            <a:spLocks noGrp="1"/>
+          </p:cNvSpPr>
+          <p:nvPr>
+            <p:ph type="sldNum" sz="quarter" idx="12"/>
+          </p:nvPr>
+        </p:nvSpPr>
+        <p:spPr/>
+        <p:txBody>
+          <a:bodyPr/>
+          <a:lstStyle/>
+          <a:p>
+            <a:fld id="{629637A9-119A-49DA-BD12-AAC58B377D80}" type="slidenum">
+              <a:rPr lang="en-US" smtClean="0"/>
+              <a:t>15</a:t>
+            </a:fld>
+            <a:endParaRPr lang="en-US" dirty="0"/>
           </a:p>
         </p:txBody>
       </p:sp>
     </p:spTree>
     <p:extLst>
       <p:ext uri="{BB962C8B-B14F-4D97-AF65-F5344CB8AC3E}">
-        <p14:creationId xmlns:p14="http://schemas.microsoft.com/office/powerpoint/2010/main" val="2398699492"/>
+        <p14:creationId xmlns:p14="http://schemas.microsoft.com/office/powerpoint/2010/main" val="4189513050"/>
       </p:ext>
     </p:extLst>
   </p:cSld>
   <p:clrMapOvr>
     <a:masterClrMapping/>
   </p:clrMapOvr>
+  <mc:AlternateContent xmlns:mc="http://schemas.openxmlformats.org/markup-compatibility/2006">
+    <mc:Choice xmlns:p14="http://schemas.microsoft.com/office/powerpoint/2010/main" Requires="p14">
+      <p:transition spd="slow" p14:dur="2000"/>
+    </mc:Choice>
+    <mc:Fallback>
+      <p:transition spd="slow"/>
+    </mc:Fallback>
+  </mc:AlternateContent>
   <p:timing>
     <p:tnLst>
       <p:par>
@@ -6311,8 +6916,8 @@
         </p:nvSpPr>
         <p:spPr>
           <a:xfrm>
-            <a:off x="829559" y="2045616"/>
-            <a:ext cx="10326121" cy="3823479"/>
+            <a:off x="829559" y="3450211"/>
+            <a:ext cx="10326121" cy="2418884"/>
           </a:xfrm>
         </p:spPr>
         <p:txBody>
@@ -6321,51 +6926,56 @@
           </a:bodyPr>
           <a:lstStyle/>
           <a:p>
-            <a:pPr algn="ctr">
-              <a:lnSpc>
-                <a:spcPct val="150000"/>
-              </a:lnSpc>
-            </a:pPr>
-            <a:r>
-              <a:rPr lang="nl-NL" sz="4000" u="sng" dirty="0" smtClean="0"/>
-              <a:t>203</a:t>
-            </a:r>
-          </a:p>
-          <a:p>
-            <a:pPr algn="ctr">
-              <a:lnSpc>
-                <a:spcPct val="150000"/>
-              </a:lnSpc>
-            </a:pPr>
-            <a:r>
-              <a:rPr lang="nl-NL" sz="4000" u="sng" dirty="0" smtClean="0"/>
-              <a:t>196</a:t>
-            </a:r>
-          </a:p>
-          <a:p>
-            <a:pPr algn="ctr">
-              <a:lnSpc>
-                <a:spcPct val="150000"/>
-              </a:lnSpc>
-            </a:pPr>
-            <a:r>
-              <a:rPr lang="nl-NL" sz="4000" u="sng" dirty="0" smtClean="0"/>
-              <a:t>199</a:t>
-            </a:r>
-            <a:endParaRPr lang="nl-NL" sz="4000" u="sng" dirty="0"/>
+            <a:pPr algn="ctr"/>
+            <a:r>
+              <a:rPr lang="nl-NL" sz="4000" dirty="0" smtClean="0"/>
+              <a:t>34</a:t>
+            </a:r>
+            <a:endParaRPr lang="nl-NL" sz="4000" dirty="0"/>
+          </a:p>
+        </p:txBody>
+      </p:sp>
+      <p:sp>
+        <p:nvSpPr>
+          <p:cNvPr id="4" name="Slide Number Placeholder 3"/>
+          <p:cNvSpPr>
+            <a:spLocks noGrp="1"/>
+          </p:cNvSpPr>
+          <p:nvPr>
+            <p:ph type="sldNum" sz="quarter" idx="12"/>
+          </p:nvPr>
+        </p:nvSpPr>
+        <p:spPr/>
+        <p:txBody>
+          <a:bodyPr/>
+          <a:lstStyle/>
+          <a:p>
+            <a:fld id="{629637A9-119A-49DA-BD12-AAC58B377D80}" type="slidenum">
+              <a:rPr lang="en-US" smtClean="0"/>
+              <a:t>16</a:t>
+            </a:fld>
+            <a:endParaRPr lang="en-US" dirty="0"/>
           </a:p>
         </p:txBody>
       </p:sp>
     </p:spTree>
     <p:extLst>
       <p:ext uri="{BB962C8B-B14F-4D97-AF65-F5344CB8AC3E}">
-        <p14:creationId xmlns:p14="http://schemas.microsoft.com/office/powerpoint/2010/main" val="1885816310"/>
+        <p14:creationId xmlns:p14="http://schemas.microsoft.com/office/powerpoint/2010/main" val="2398699492"/>
       </p:ext>
     </p:extLst>
   </p:cSld>
   <p:clrMapOvr>
     <a:masterClrMapping/>
   </p:clrMapOvr>
+  <mc:AlternateContent xmlns:mc="http://schemas.openxmlformats.org/markup-compatibility/2006">
+    <mc:Choice xmlns:p14="http://schemas.microsoft.com/office/powerpoint/2010/main" Requires="p14">
+      <p:transition spd="slow" p14:dur="2000"/>
+    </mc:Choice>
+    <mc:Fallback>
+      <p:transition spd="slow"/>
+    </mc:Fallback>
+  </mc:AlternateContent>
   <p:timing>
     <p:tnLst>
       <p:par>
@@ -6424,8 +7034,8 @@
         </p:nvSpPr>
         <p:spPr>
           <a:xfrm>
-            <a:off x="716437" y="3459638"/>
-            <a:ext cx="10439243" cy="2428311"/>
+            <a:off x="829559" y="2045616"/>
+            <a:ext cx="10326121" cy="3823479"/>
           </a:xfrm>
         </p:spPr>
         <p:txBody>
@@ -6434,25 +7044,82 @@
           </a:bodyPr>
           <a:lstStyle/>
           <a:p>
-            <a:pPr algn="ctr"/>
-            <a:r>
-              <a:rPr lang="nl-NL" sz="4000" dirty="0" smtClean="0"/>
-              <a:t>**</a:t>
-            </a:r>
-            <a:endParaRPr lang="nl-NL" sz="4000" dirty="0"/>
+            <a:pPr algn="ctr">
+              <a:lnSpc>
+                <a:spcPct val="150000"/>
+              </a:lnSpc>
+            </a:pPr>
+            <a:r>
+              <a:rPr lang="nl-NL" sz="4000" u="sng" dirty="0" smtClean="0"/>
+              <a:t>203</a:t>
+            </a:r>
+          </a:p>
+          <a:p>
+            <a:pPr algn="ctr">
+              <a:lnSpc>
+                <a:spcPct val="150000"/>
+              </a:lnSpc>
+            </a:pPr>
+            <a:r>
+              <a:rPr lang="nl-NL" sz="4000" u="sng" dirty="0" smtClean="0"/>
+              <a:t>196</a:t>
+            </a:r>
+          </a:p>
+          <a:p>
+            <a:pPr algn="ctr">
+              <a:lnSpc>
+                <a:spcPct val="150000"/>
+              </a:lnSpc>
+            </a:pPr>
+            <a:r>
+              <a:rPr lang="nl-NL" sz="4000" u="sng" dirty="0" smtClean="0"/>
+              <a:t>199</a:t>
+            </a:r>
+            <a:endParaRPr lang="nl-NL" sz="4000" u="sng" dirty="0"/>
+          </a:p>
+        </p:txBody>
+      </p:sp>
+      <p:sp>
+        <p:nvSpPr>
+          <p:cNvPr id="4" name="Slide Number Placeholder 3"/>
+          <p:cNvSpPr>
+            <a:spLocks noGrp="1"/>
+          </p:cNvSpPr>
+          <p:nvPr>
+            <p:ph type="sldNum" sz="quarter" idx="12"/>
+          </p:nvPr>
+        </p:nvSpPr>
+        <p:spPr/>
+        <p:txBody>
+          <a:bodyPr/>
+          <a:lstStyle/>
+          <a:p>
+            <a:fld id="{629637A9-119A-49DA-BD12-AAC58B377D80}" type="slidenum">
+              <a:rPr lang="en-US" smtClean="0"/>
+              <a:t>17</a:t>
+            </a:fld>
+            <a:endParaRPr lang="en-US" dirty="0"/>
           </a:p>
         </p:txBody>
       </p:sp>
     </p:spTree>
     <p:extLst>
       <p:ext uri="{BB962C8B-B14F-4D97-AF65-F5344CB8AC3E}">
-        <p14:creationId xmlns:p14="http://schemas.microsoft.com/office/powerpoint/2010/main" val="1025555181"/>
+        <p14:creationId xmlns:p14="http://schemas.microsoft.com/office/powerpoint/2010/main" val="1885816310"/>
       </p:ext>
     </p:extLst>
   </p:cSld>
   <p:clrMapOvr>
     <a:masterClrMapping/>
   </p:clrMapOvr>
+  <mc:AlternateContent xmlns:mc="http://schemas.openxmlformats.org/markup-compatibility/2006">
+    <mc:Choice xmlns:p14="http://schemas.microsoft.com/office/powerpoint/2010/main" Requires="p14">
+      <p:transition spd="slow" p14:dur="2000"/>
+    </mc:Choice>
+    <mc:Fallback>
+      <p:transition spd="slow"/>
+    </mc:Fallback>
+  </mc:AlternateContent>
   <p:timing>
     <p:tnLst>
       <p:par>
@@ -6464,6 +7131,124 @@
 </file>
 
 <file path=ppt/slides/slide18.xml><?xml version="1.0" encoding="utf-8"?>
+<p:sld xmlns:a="http://schemas.openxmlformats.org/drawingml/2006/main" xmlns:r="http://schemas.openxmlformats.org/officeDocument/2006/relationships" xmlns:p="http://schemas.openxmlformats.org/presentationml/2006/main">
+  <p:cSld>
+    <p:spTree>
+      <p:nvGrpSpPr>
+        <p:cNvPr id="1" name=""/>
+        <p:cNvGrpSpPr/>
+        <p:nvPr/>
+      </p:nvGrpSpPr>
+      <p:grpSpPr>
+        <a:xfrm>
+          <a:off x="0" y="0"/>
+          <a:ext cx="0" cy="0"/>
+          <a:chOff x="0" y="0"/>
+          <a:chExt cx="0" cy="0"/>
+        </a:xfrm>
+      </p:grpSpPr>
+      <p:sp>
+        <p:nvSpPr>
+          <p:cNvPr id="2" name="Title 1"/>
+          <p:cNvSpPr>
+            <a:spLocks noGrp="1"/>
+          </p:cNvSpPr>
+          <p:nvPr>
+            <p:ph type="title"/>
+          </p:nvPr>
+        </p:nvSpPr>
+        <p:spPr/>
+        <p:txBody>
+          <a:bodyPr/>
+          <a:lstStyle/>
+          <a:p>
+            <a:endParaRPr lang="nl-NL" dirty="0"/>
+          </a:p>
+        </p:txBody>
+      </p:sp>
+      <p:sp>
+        <p:nvSpPr>
+          <p:cNvPr id="3" name="Content Placeholder 2"/>
+          <p:cNvSpPr>
+            <a:spLocks noGrp="1"/>
+          </p:cNvSpPr>
+          <p:nvPr>
+            <p:ph idx="1"/>
+          </p:nvPr>
+        </p:nvSpPr>
+        <p:spPr>
+          <a:xfrm>
+            <a:off x="716437" y="3459638"/>
+            <a:ext cx="10439243" cy="2428311"/>
+          </a:xfrm>
+        </p:spPr>
+        <p:txBody>
+          <a:bodyPr>
+            <a:normAutofit/>
+          </a:bodyPr>
+          <a:lstStyle/>
+          <a:p>
+            <a:pPr algn="ctr"/>
+            <a:r>
+              <a:rPr lang="nl-NL" sz="4000" dirty="0" smtClean="0"/>
+              <a:t>**</a:t>
+            </a:r>
+            <a:endParaRPr lang="nl-NL" sz="4000" dirty="0"/>
+          </a:p>
+        </p:txBody>
+      </p:sp>
+      <p:sp>
+        <p:nvSpPr>
+          <p:cNvPr id="4" name="Slide Number Placeholder 3"/>
+          <p:cNvSpPr>
+            <a:spLocks noGrp="1"/>
+          </p:cNvSpPr>
+          <p:nvPr>
+            <p:ph type="sldNum" sz="quarter" idx="12"/>
+          </p:nvPr>
+        </p:nvSpPr>
+        <p:spPr/>
+        <p:txBody>
+          <a:bodyPr/>
+          <a:lstStyle/>
+          <a:p>
+            <a:fld id="{629637A9-119A-49DA-BD12-AAC58B377D80}" type="slidenum">
+              <a:rPr lang="en-US" smtClean="0"/>
+              <a:t>18</a:t>
+            </a:fld>
+            <a:endParaRPr lang="en-US" dirty="0"/>
+          </a:p>
+        </p:txBody>
+      </p:sp>
+    </p:spTree>
+    <p:extLst>
+      <p:ext uri="{BB962C8B-B14F-4D97-AF65-F5344CB8AC3E}">
+        <p14:creationId xmlns:p14="http://schemas.microsoft.com/office/powerpoint/2010/main" val="1025555181"/>
+      </p:ext>
+    </p:extLst>
+  </p:cSld>
+  <p:clrMapOvr>
+    <a:masterClrMapping/>
+  </p:clrMapOvr>
+  <mc:AlternateContent xmlns:mc="http://schemas.openxmlformats.org/markup-compatibility/2006">
+    <mc:Choice xmlns:p14="http://schemas.microsoft.com/office/powerpoint/2010/main" Requires="p14">
+      <p:transition spd="slow" p14:dur="2000"/>
+    </mc:Choice>
+    <mc:Fallback>
+      <p:transition spd="slow"/>
+    </mc:Fallback>
+  </mc:AlternateContent>
+  <p:timing>
+    <p:tnLst>
+      <p:par>
+        <p:cTn id="1" dur="indefinite" restart="never" nodeType="tmRoot"/>
+      </p:par>
+    </p:tnLst>
+  </p:timing>
+</p:sld>
+</file>
+
+<file path=ppt/slides/slide19.xml><?xml version="1.0" encoding="utf-8"?>
 <p:sld xmlns:a="http://schemas.openxmlformats.org/drawingml/2006/main" xmlns:r="http://schemas.openxmlformats.org/officeDocument/2006/relationships" xmlns:p="http://schemas.openxmlformats.org/presentationml/2006/main">
   <p:cSld>
     <p:spTree>
@@ -6696,6 +7481,29 @@
           </a:extLst>
         </p:spPr>
       </p:pic>
+      <p:sp>
+        <p:nvSpPr>
+          <p:cNvPr id="5" name="Slide Number Placeholder 4"/>
+          <p:cNvSpPr>
+            <a:spLocks noGrp="1"/>
+          </p:cNvSpPr>
+          <p:nvPr>
+            <p:ph type="sldNum" sz="quarter" idx="12"/>
+          </p:nvPr>
+        </p:nvSpPr>
+        <p:spPr/>
+        <p:txBody>
+          <a:bodyPr/>
+          <a:lstStyle/>
+          <a:p>
+            <a:fld id="{629637A9-119A-49DA-BD12-AAC58B377D80}" type="slidenum">
+              <a:rPr lang="en-US" smtClean="0"/>
+              <a:t>19</a:t>
+            </a:fld>
+            <a:endParaRPr lang="en-US" dirty="0"/>
+          </a:p>
+        </p:txBody>
+      </p:sp>
     </p:spTree>
     <p:extLst>
       <p:ext uri="{BB962C8B-B14F-4D97-AF65-F5344CB8AC3E}">
@@ -6706,95 +7514,14 @@
   <p:clrMapOvr>
     <a:masterClrMapping/>
   </p:clrMapOvr>
-  <p:timing>
-    <p:tnLst>
-      <p:par>
-        <p:cTn id="1" dur="indefinite" restart="never" nodeType="tmRoot"/>
-      </p:par>
-    </p:tnLst>
-  </p:timing>
-</p:sld>
-</file>
-
-<file path=ppt/slides/slide19.xml><?xml version="1.0" encoding="utf-8"?>
-<p:sld xmlns:a="http://schemas.openxmlformats.org/drawingml/2006/main" xmlns:r="http://schemas.openxmlformats.org/officeDocument/2006/relationships" xmlns:p="http://schemas.openxmlformats.org/presentationml/2006/main">
-  <p:cSld>
-    <p:spTree>
-      <p:nvGrpSpPr>
-        <p:cNvPr id="1" name=""/>
-        <p:cNvGrpSpPr/>
-        <p:nvPr/>
-      </p:nvGrpSpPr>
-      <p:grpSpPr>
-        <a:xfrm>
-          <a:off x="0" y="0"/>
-          <a:ext cx="0" cy="0"/>
-          <a:chOff x="0" y="0"/>
-          <a:chExt cx="0" cy="0"/>
-        </a:xfrm>
-      </p:grpSpPr>
-      <p:sp>
-        <p:nvSpPr>
-          <p:cNvPr id="2" name="Title 1"/>
-          <p:cNvSpPr>
-            <a:spLocks noGrp="1"/>
-          </p:cNvSpPr>
-          <p:nvPr>
-            <p:ph type="title"/>
-          </p:nvPr>
-        </p:nvSpPr>
-        <p:spPr/>
-        <p:txBody>
-          <a:bodyPr/>
-          <a:lstStyle/>
-          <a:p>
-            <a:r>
-              <a:rPr lang="nl-NL" dirty="0" smtClean="0"/>
-              <a:t>Raw data</a:t>
-            </a:r>
-            <a:endParaRPr lang="nl-NL" dirty="0"/>
-          </a:p>
-        </p:txBody>
-      </p:sp>
-      <p:pic>
-        <p:nvPicPr>
-          <p:cNvPr id="4" name="Content Placeholder 3"/>
-          <p:cNvPicPr>
-            <a:picLocks noGrp="1" noChangeAspect="1"/>
-          </p:cNvPicPr>
-          <p:nvPr>
-            <p:ph idx="1"/>
-          </p:nvPr>
-        </p:nvPicPr>
-        <p:blipFill>
-          <a:blip r:embed="rId3">
-            <a:extLst>
-              <a:ext uri="{28A0092B-C50C-407E-A947-70E740481C1C}">
-                <a14:useLocalDpi xmlns:a14="http://schemas.microsoft.com/office/drawing/2010/main" val="0"/>
-              </a:ext>
-            </a:extLst>
-          </a:blip>
-          <a:stretch>
-            <a:fillRect/>
-          </a:stretch>
-        </p:blipFill>
-        <p:spPr>
-          <a:xfrm>
-            <a:off x="-1176697" y="1951349"/>
-            <a:ext cx="14605720" cy="3812554"/>
-          </a:xfrm>
-        </p:spPr>
-      </p:pic>
-    </p:spTree>
-    <p:extLst>
-      <p:ext uri="{BB962C8B-B14F-4D97-AF65-F5344CB8AC3E}">
-        <p14:creationId xmlns:p14="http://schemas.microsoft.com/office/powerpoint/2010/main" val="1190598562"/>
-      </p:ext>
-    </p:extLst>
-  </p:cSld>
-  <p:clrMapOvr>
-    <a:masterClrMapping/>
-  </p:clrMapOvr>
+  <mc:AlternateContent xmlns:mc="http://schemas.openxmlformats.org/markup-compatibility/2006">
+    <mc:Choice xmlns:p14="http://schemas.microsoft.com/office/powerpoint/2010/main" Requires="p14">
+      <p:transition spd="slow" p14:dur="2000"/>
+    </mc:Choice>
+    <mc:Fallback>
+      <p:transition spd="slow"/>
+    </mc:Fallback>
+  </mc:AlternateContent>
   <p:timing>
     <p:tnLst>
       <p:par>
@@ -6839,7 +7566,7 @@
           <a:p>
             <a:r>
               <a:rPr lang="nl-NL" dirty="0" smtClean="0"/>
-              <a:t>Cognitive load measurement</a:t>
+              <a:t>Cognitive Load</a:t>
             </a:r>
             <a:endParaRPr lang="nl-NL" dirty="0"/>
           </a:p>
@@ -6855,314 +7582,124 @@
             <p:ph idx="1"/>
           </p:nvPr>
         </p:nvSpPr>
-        <p:spPr>
-          <a:xfrm>
-            <a:off x="1097279" y="1845734"/>
-            <a:ext cx="10410979" cy="4390310"/>
-          </a:xfrm>
-        </p:spPr>
+        <p:spPr/>
         <p:txBody>
           <a:bodyPr>
-            <a:normAutofit/>
+            <a:normAutofit fontScale="92500" lnSpcReduction="10000"/>
           </a:bodyPr>
           <a:lstStyle/>
           <a:p>
             <a:r>
-              <a:rPr lang="nl-NL" dirty="0" smtClean="0"/>
-              <a:t>Many approaches to measuring cognitive load</a:t>
-            </a:r>
-          </a:p>
-          <a:p>
-            <a:endParaRPr lang="nl-NL" dirty="0"/>
-          </a:p>
-          <a:p>
-            <a:endParaRPr lang="nl-NL" dirty="0" smtClean="0"/>
-          </a:p>
-          <a:p>
-            <a:endParaRPr lang="nl-NL" dirty="0"/>
-          </a:p>
-          <a:p>
-            <a:endParaRPr lang="nl-NL" dirty="0" smtClean="0"/>
-          </a:p>
-          <a:p>
-            <a:endParaRPr lang="nl-NL" dirty="0"/>
-          </a:p>
-          <a:p>
-            <a:endParaRPr lang="nl-NL" dirty="0" smtClean="0"/>
-          </a:p>
-          <a:p>
-            <a:endParaRPr lang="nl-NL" dirty="0"/>
-          </a:p>
-          <a:p>
-            <a:endParaRPr lang="nl-NL" dirty="0" smtClean="0"/>
-          </a:p>
-          <a:p>
-            <a:r>
-              <a:rPr lang="nl-NL" sz="900" dirty="0" smtClean="0">
+              <a:rPr lang="en-US" dirty="0" smtClean="0"/>
+              <a:t>The amount of information a human is trying to process in working memory at any one time.</a:t>
+            </a:r>
+          </a:p>
+          <a:p>
+            <a:endParaRPr lang="en-US" dirty="0"/>
+          </a:p>
+          <a:p>
+            <a:endParaRPr lang="en-US" dirty="0" smtClean="0"/>
+          </a:p>
+          <a:p>
+            <a:endParaRPr lang="en-US" dirty="0"/>
+          </a:p>
+          <a:p>
+            <a:endParaRPr lang="en-US" dirty="0" smtClean="0"/>
+          </a:p>
+          <a:p>
+            <a:endParaRPr lang="en-US" dirty="0"/>
+          </a:p>
+          <a:p>
+            <a:endParaRPr lang="en-US" dirty="0" smtClean="0"/>
+          </a:p>
+          <a:p>
+            <a:endParaRPr lang="en-US" dirty="0"/>
+          </a:p>
+          <a:p>
+            <a:endParaRPr lang="en-US" dirty="0" smtClean="0"/>
+          </a:p>
+          <a:p>
+            <a:r>
+              <a:rPr lang="en-US" sz="1700" dirty="0" smtClean="0">
                 <a:solidFill>
                   <a:schemeClr val="bg1">
-                    <a:lumMod val="75000"/>
+                    <a:lumMod val="50000"/>
                   </a:schemeClr>
                 </a:solidFill>
               </a:rPr>
-              <a:t>R. Brünken et al. (2003), </a:t>
-            </a:r>
-            <a:r>
-              <a:rPr lang="nl-NL" sz="900" i="1" dirty="0" smtClean="0">
+              <a:t>(</a:t>
+            </a:r>
+            <a:r>
+              <a:rPr lang="en-US" sz="1700" dirty="0" err="1" smtClean="0">
                 <a:solidFill>
                   <a:schemeClr val="bg1">
-                    <a:lumMod val="75000"/>
+                    <a:lumMod val="50000"/>
                   </a:schemeClr>
                 </a:solidFill>
               </a:rPr>
-              <a:t>Direct Measurement of Cognitive Load in Multimedia Learning</a:t>
-            </a:r>
-            <a:r>
-              <a:rPr lang="nl-NL" sz="900" dirty="0" smtClean="0">
+              <a:t>Sweller</a:t>
+            </a:r>
+            <a:r>
+              <a:rPr lang="en-US" sz="1700" dirty="0" smtClean="0">
                 <a:solidFill>
                   <a:schemeClr val="bg1">
-                    <a:lumMod val="75000"/>
+                    <a:lumMod val="50000"/>
                   </a:schemeClr>
                 </a:solidFill>
               </a:rPr>
-              <a:t>. Educational Psychologist 38(1), 53-61</a:t>
-            </a:r>
-            <a:endParaRPr lang="nl-NL" sz="900" dirty="0">
+              <a:t>, 1999)</a:t>
+            </a:r>
+            <a:endParaRPr lang="nl-NL" sz="1700" dirty="0">
               <a:solidFill>
                 <a:schemeClr val="bg1">
-                  <a:lumMod val="75000"/>
+                  <a:lumMod val="50000"/>
                 </a:schemeClr>
               </a:solidFill>
             </a:endParaRPr>
           </a:p>
         </p:txBody>
       </p:sp>
-      <p:graphicFrame>
-        <p:nvGraphicFramePr>
-          <p:cNvPr id="5" name="Table 4"/>
-          <p:cNvGraphicFramePr>
-            <a:graphicFrameLocks noGrp="1"/>
-          </p:cNvGraphicFramePr>
-          <p:nvPr>
-            <p:extLst>
-              <p:ext uri="{D42A27DB-BD31-4B8C-83A1-F6EECF244321}">
-                <p14:modId xmlns:p14="http://schemas.microsoft.com/office/powerpoint/2010/main" val="2577876481"/>
-              </p:ext>
-            </p:extLst>
-          </p:nvPr>
-        </p:nvGraphicFramePr>
-        <p:xfrm>
-          <a:off x="1216456" y="2396557"/>
-          <a:ext cx="9229122" cy="3124073"/>
-        </p:xfrm>
-        <a:graphic>
-          <a:graphicData uri="http://schemas.openxmlformats.org/drawingml/2006/table">
-            <a:tbl>
-              <a:tblPr firstRow="1" bandRow="1">
-                <a:tableStyleId>{69CF1AB2-1976-4502-BF36-3FF5EA218861}</a:tableStyleId>
-              </a:tblPr>
-              <a:tblGrid>
-                <a:gridCol w="1856971"/>
-                <a:gridCol w="3686075"/>
-                <a:gridCol w="3686076"/>
-              </a:tblGrid>
-              <a:tr h="833295">
-                <a:tc>
-                  <a:txBody>
-                    <a:bodyPr/>
-                    <a:lstStyle/>
-                    <a:p>
-                      <a:endParaRPr lang="nl-NL" sz="1700" dirty="0"/>
-                    </a:p>
-                  </a:txBody>
-                  <a:tcPr marL="84362" marR="84362" marT="42181" marB="42181">
-                    <a:solidFill>
-                      <a:schemeClr val="bg1"/>
-                    </a:solidFill>
-                  </a:tcPr>
-                </a:tc>
-                <a:tc>
-                  <a:txBody>
-                    <a:bodyPr/>
-                    <a:lstStyle/>
-                    <a:p>
-                      <a:r>
-                        <a:rPr lang="nl-NL" sz="1700" dirty="0" smtClean="0"/>
-                        <a:t>Indirect</a:t>
-                      </a:r>
-                      <a:endParaRPr lang="nl-NL" sz="1700" dirty="0"/>
-                    </a:p>
-                  </a:txBody>
-                  <a:tcPr marL="84362" marR="84362" marT="42181" marB="42181"/>
-                </a:tc>
-                <a:tc>
-                  <a:txBody>
-                    <a:bodyPr/>
-                    <a:lstStyle/>
-                    <a:p>
-                      <a:r>
-                        <a:rPr lang="nl-NL" sz="1700" dirty="0" smtClean="0"/>
-                        <a:t>Direct</a:t>
-                      </a:r>
-                      <a:endParaRPr lang="nl-NL" sz="1700" dirty="0"/>
-                    </a:p>
-                  </a:txBody>
-                  <a:tcPr marL="84362" marR="84362" marT="42181" marB="42181"/>
-                </a:tc>
-              </a:tr>
-              <a:tr h="1112263">
-                <a:tc>
-                  <a:txBody>
-                    <a:bodyPr/>
-                    <a:lstStyle/>
-                    <a:p>
-                      <a:r>
-                        <a:rPr lang="nl-NL" sz="1700" b="1" dirty="0" smtClean="0"/>
-                        <a:t>Subjective</a:t>
-                      </a:r>
-                      <a:endParaRPr lang="nl-NL" sz="1700" b="1" dirty="0"/>
-                    </a:p>
-                  </a:txBody>
-                  <a:tcPr marL="84362" marR="84362" marT="42181" marB="42181"/>
-                </a:tc>
-                <a:tc>
-                  <a:txBody>
-                    <a:bodyPr/>
-                    <a:lstStyle/>
-                    <a:p>
-                      <a:r>
-                        <a:rPr lang="nl-NL" sz="1700" dirty="0" smtClean="0"/>
-                        <a:t>Self-reported</a:t>
-                      </a:r>
-                      <a:r>
-                        <a:rPr lang="nl-NL" sz="1700" baseline="0" dirty="0" smtClean="0"/>
-                        <a:t> invested mental effort</a:t>
-                      </a:r>
-                      <a:endParaRPr lang="nl-NL" sz="1700" dirty="0"/>
-                    </a:p>
-                  </a:txBody>
-                  <a:tcPr marL="84362" marR="84362" marT="42181" marB="42181"/>
-                </a:tc>
-                <a:tc>
-                  <a:txBody>
-                    <a:bodyPr/>
-                    <a:lstStyle/>
-                    <a:p>
-                      <a:r>
-                        <a:rPr lang="nl-NL" sz="1700" dirty="0" smtClean="0"/>
-                        <a:t>Self-reported stress level</a:t>
-                      </a:r>
-                    </a:p>
-                    <a:p>
-                      <a:endParaRPr lang="nl-NL" sz="1700" dirty="0" smtClean="0"/>
-                    </a:p>
-                    <a:p>
-                      <a:r>
-                        <a:rPr lang="nl-NL" sz="1700" dirty="0" smtClean="0"/>
-                        <a:t>Self-reported difficulty of materials</a:t>
-                      </a:r>
-                      <a:endParaRPr lang="nl-NL" sz="1700" dirty="0"/>
-                    </a:p>
-                  </a:txBody>
-                  <a:tcPr marL="84362" marR="84362" marT="42181" marB="42181"/>
-                </a:tc>
-              </a:tr>
-              <a:tr h="1178515">
-                <a:tc>
-                  <a:txBody>
-                    <a:bodyPr/>
-                    <a:lstStyle/>
-                    <a:p>
-                      <a:r>
-                        <a:rPr lang="nl-NL" sz="1700" b="1" dirty="0" smtClean="0"/>
-                        <a:t>Objective</a:t>
-                      </a:r>
-                      <a:endParaRPr lang="nl-NL" sz="1700" b="1" dirty="0"/>
-                    </a:p>
-                  </a:txBody>
-                  <a:tcPr marL="84362" marR="84362" marT="42181" marB="42181"/>
-                </a:tc>
-                <a:tc>
-                  <a:txBody>
-                    <a:bodyPr/>
-                    <a:lstStyle/>
-                    <a:p>
-                      <a:r>
-                        <a:rPr lang="nl-NL" sz="1700" dirty="0" smtClean="0"/>
-                        <a:t>Physiological</a:t>
-                      </a:r>
-                      <a:r>
-                        <a:rPr lang="nl-NL" sz="1700" baseline="0" dirty="0" smtClean="0"/>
-                        <a:t> measures</a:t>
-                      </a:r>
-                    </a:p>
-                    <a:p>
-                      <a:endParaRPr lang="nl-NL" sz="1700" baseline="0" dirty="0" smtClean="0"/>
-                    </a:p>
-                    <a:p>
-                      <a:r>
-                        <a:rPr lang="nl-NL" sz="1700" baseline="0" dirty="0" smtClean="0"/>
-                        <a:t>Behavioral measures</a:t>
-                      </a:r>
-                    </a:p>
-                    <a:p>
-                      <a:r>
-                        <a:rPr lang="nl-NL" sz="1700" baseline="0" dirty="0" smtClean="0"/>
-                        <a:t>Learning outcome measures</a:t>
-                      </a:r>
-                      <a:endParaRPr lang="nl-NL" sz="1700" dirty="0"/>
-                    </a:p>
-                  </a:txBody>
-                  <a:tcPr marL="84362" marR="84362" marT="42181" marB="42181"/>
-                </a:tc>
-                <a:tc>
-                  <a:txBody>
-                    <a:bodyPr/>
-                    <a:lstStyle/>
-                    <a:p>
-                      <a:r>
-                        <a:rPr lang="nl-NL" sz="1700" dirty="0" smtClean="0"/>
-                        <a:t>Dual-task performance</a:t>
-                      </a:r>
-                    </a:p>
-                    <a:p>
-                      <a:endParaRPr lang="nl-NL" sz="1700" dirty="0" smtClean="0"/>
-                    </a:p>
-                    <a:p>
-                      <a:r>
-                        <a:rPr lang="nl-NL" sz="1700" dirty="0" smtClean="0"/>
-                        <a:t>Brain activity measures (e.g. fMRI)</a:t>
-                      </a:r>
-                    </a:p>
-                    <a:p>
-                      <a:r>
-                        <a:rPr lang="nl-NL" sz="1700" dirty="0" smtClean="0"/>
-                        <a:t>(arguably</a:t>
-                      </a:r>
-                      <a:r>
-                        <a:rPr lang="nl-NL" sz="1700" baseline="0" dirty="0" smtClean="0"/>
-                        <a:t> also indirect)</a:t>
-                      </a:r>
-                      <a:endParaRPr lang="nl-NL" sz="1700" dirty="0" smtClean="0"/>
-                    </a:p>
-                  </a:txBody>
-                  <a:tcPr marL="84362" marR="84362" marT="42181" marB="42181"/>
-                </a:tc>
-              </a:tr>
-            </a:tbl>
-          </a:graphicData>
-        </a:graphic>
-      </p:graphicFrame>
+      <p:sp>
+        <p:nvSpPr>
+          <p:cNvPr id="4" name="Slide Number Placeholder 3"/>
+          <p:cNvSpPr>
+            <a:spLocks noGrp="1"/>
+          </p:cNvSpPr>
+          <p:nvPr>
+            <p:ph type="sldNum" sz="quarter" idx="12"/>
+          </p:nvPr>
+        </p:nvSpPr>
+        <p:spPr/>
+        <p:txBody>
+          <a:bodyPr/>
+          <a:lstStyle/>
+          <a:p>
+            <a:fld id="{629637A9-119A-49DA-BD12-AAC58B377D80}" type="slidenum">
+              <a:rPr lang="en-US" smtClean="0"/>
+              <a:t>2</a:t>
+            </a:fld>
+            <a:endParaRPr lang="en-US" dirty="0"/>
+          </a:p>
+        </p:txBody>
+      </p:sp>
     </p:spTree>
     <p:extLst>
       <p:ext uri="{BB962C8B-B14F-4D97-AF65-F5344CB8AC3E}">
-        <p14:creationId xmlns:p14="http://schemas.microsoft.com/office/powerpoint/2010/main" val="2443263171"/>
+        <p14:creationId xmlns:p14="http://schemas.microsoft.com/office/powerpoint/2010/main" val="2202068702"/>
       </p:ext>
     </p:extLst>
   </p:cSld>
   <p:clrMapOvr>
     <a:masterClrMapping/>
   </p:clrMapOvr>
+  <mc:AlternateContent xmlns:mc="http://schemas.openxmlformats.org/markup-compatibility/2006">
+    <mc:Choice xmlns:p14="http://schemas.microsoft.com/office/powerpoint/2010/main" Requires="p14">
+      <p:transition spd="slow" p14:dur="2000"/>
+    </mc:Choice>
+    <mc:Fallback>
+      <p:transition spd="slow"/>
+    </mc:Fallback>
+  </mc:AlternateContent>
   <p:timing>
     <p:tnLst>
       <p:par>
@@ -7207,45 +7744,249 @@
           <a:p>
             <a:r>
               <a:rPr lang="nl-NL" dirty="0" smtClean="0"/>
+              <a:t>Q Sensor Data</a:t>
+            </a:r>
+            <a:endParaRPr lang="nl-NL" dirty="0"/>
+          </a:p>
+        </p:txBody>
+      </p:sp>
+      <p:sp>
+        <p:nvSpPr>
+          <p:cNvPr id="3" name="Content Placeholder 2"/>
+          <p:cNvSpPr>
+            <a:spLocks noGrp="1"/>
+          </p:cNvSpPr>
+          <p:nvPr>
+            <p:ph idx="1"/>
+          </p:nvPr>
+        </p:nvSpPr>
+        <p:spPr/>
+        <p:txBody>
+          <a:bodyPr/>
+          <a:lstStyle/>
+          <a:p>
+            <a:pPr>
+              <a:buFont typeface="Wingdings" panose="05000000000000000000" pitchFamily="2" charset="2"/>
+              <a:buChar char="§"/>
+            </a:pPr>
+            <a:r>
+              <a:rPr lang="nl-NL" dirty="0" smtClean="0"/>
+              <a:t> Data proved unusable, proper connection to skin not present in many subjects</a:t>
+            </a:r>
+          </a:p>
+          <a:p>
+            <a:pPr>
+              <a:buFont typeface="Wingdings" panose="05000000000000000000" pitchFamily="2" charset="2"/>
+              <a:buChar char="§"/>
+            </a:pPr>
+            <a:r>
+              <a:rPr lang="nl-NL" dirty="0" smtClean="0"/>
+              <a:t> Needs some sweat present from the get-go</a:t>
+            </a:r>
+          </a:p>
+          <a:p>
+            <a:pPr>
+              <a:buFont typeface="Wingdings" panose="05000000000000000000" pitchFamily="2" charset="2"/>
+              <a:buChar char="§"/>
+            </a:pPr>
+            <a:endParaRPr lang="nl-NL" dirty="0"/>
+          </a:p>
+          <a:p>
+            <a:pPr>
+              <a:buFont typeface="Wingdings" panose="05000000000000000000" pitchFamily="2" charset="2"/>
+              <a:buChar char="§"/>
+            </a:pPr>
+            <a:r>
+              <a:rPr lang="nl-NL" dirty="0" smtClean="0"/>
+              <a:t> Lesson learned: </a:t>
+            </a:r>
+          </a:p>
+          <a:p>
+            <a:pPr lvl="1">
+              <a:buFont typeface="Wingdings" panose="05000000000000000000" pitchFamily="2" charset="2"/>
+              <a:buChar char="§"/>
+            </a:pPr>
+            <a:r>
+              <a:rPr lang="nl-NL" dirty="0" smtClean="0"/>
+              <a:t>Have subjects wear them longer before the first task starts</a:t>
+            </a:r>
+          </a:p>
+          <a:p>
+            <a:pPr lvl="1">
+              <a:buFont typeface="Wingdings" panose="05000000000000000000" pitchFamily="2" charset="2"/>
+              <a:buChar char="§"/>
+            </a:pPr>
+            <a:r>
+              <a:rPr lang="nl-NL" dirty="0" smtClean="0"/>
+              <a:t>Ask subjects to do some mild exercise beforehand</a:t>
+            </a:r>
+            <a:endParaRPr lang="nl-NL" dirty="0"/>
+          </a:p>
+        </p:txBody>
+      </p:sp>
+    </p:spTree>
+    <p:extLst>
+      <p:ext uri="{BB962C8B-B14F-4D97-AF65-F5344CB8AC3E}">
+        <p14:creationId xmlns:p14="http://schemas.microsoft.com/office/powerpoint/2010/main" val="1205462121"/>
+      </p:ext>
+    </p:extLst>
+  </p:cSld>
+  <p:clrMapOvr>
+    <a:masterClrMapping/>
+  </p:clrMapOvr>
+  <mc:AlternateContent xmlns:mc="http://schemas.openxmlformats.org/markup-compatibility/2006">
+    <mc:Choice xmlns:p14="http://schemas.microsoft.com/office/powerpoint/2010/main" Requires="p14">
+      <p:transition spd="slow" p14:dur="2000"/>
+    </mc:Choice>
+    <mc:Fallback>
+      <p:transition spd="slow"/>
+    </mc:Fallback>
+  </mc:AlternateContent>
+</p:sld>
+</file>
+
+<file path=ppt/slides/slide21.xml><?xml version="1.0" encoding="utf-8"?>
+<p:sld xmlns:a="http://schemas.openxmlformats.org/drawingml/2006/main" xmlns:r="http://schemas.openxmlformats.org/officeDocument/2006/relationships" xmlns:p="http://schemas.openxmlformats.org/presentationml/2006/main">
+  <p:cSld>
+    <p:spTree>
+      <p:nvGrpSpPr>
+        <p:cNvPr id="1" name=""/>
+        <p:cNvGrpSpPr/>
+        <p:nvPr/>
+      </p:nvGrpSpPr>
+      <p:grpSpPr>
+        <a:xfrm>
+          <a:off x="0" y="0"/>
+          <a:ext cx="0" cy="0"/>
+          <a:chOff x="0" y="0"/>
+          <a:chExt cx="0" cy="0"/>
+        </a:xfrm>
+      </p:grpSpPr>
+      <p:sp>
+        <p:nvSpPr>
+          <p:cNvPr id="2" name="Title 1"/>
+          <p:cNvSpPr>
+            <a:spLocks noGrp="1"/>
+          </p:cNvSpPr>
+          <p:nvPr>
+            <p:ph type="title"/>
+          </p:nvPr>
+        </p:nvSpPr>
+        <p:spPr/>
+        <p:txBody>
+          <a:bodyPr/>
+          <a:lstStyle/>
+          <a:p>
+            <a:r>
+              <a:rPr lang="nl-NL" dirty="0" smtClean="0"/>
               <a:t>Raw data</a:t>
             </a:r>
             <a:endParaRPr lang="nl-NL" dirty="0"/>
           </a:p>
         </p:txBody>
       </p:sp>
-      <p:sp>
-        <p:nvSpPr>
-          <p:cNvPr id="3" name="Content Placeholder 2"/>
-          <p:cNvSpPr>
-            <a:spLocks noGrp="1"/>
-          </p:cNvSpPr>
+      <p:pic>
+        <p:nvPicPr>
+          <p:cNvPr id="4" name="Content Placeholder 3"/>
+          <p:cNvPicPr>
+            <a:picLocks noGrp="1" noChangeAspect="1"/>
+          </p:cNvPicPr>
           <p:nvPr>
             <p:ph idx="1"/>
           </p:nvPr>
-        </p:nvSpPr>
+        </p:nvPicPr>
+        <p:blipFill>
+          <a:blip r:embed="rId3">
+            <a:extLst>
+              <a:ext uri="{28A0092B-C50C-407E-A947-70E740481C1C}">
+                <a14:useLocalDpi xmlns:a14="http://schemas.microsoft.com/office/drawing/2010/main" val="0"/>
+              </a:ext>
+            </a:extLst>
+          </a:blip>
+          <a:stretch>
+            <a:fillRect/>
+          </a:stretch>
+        </p:blipFill>
         <p:spPr>
           <a:xfrm>
-            <a:off x="1097280" y="1863634"/>
-            <a:ext cx="10058400" cy="4005460"/>
+            <a:off x="-1176697" y="1951349"/>
+            <a:ext cx="14605720" cy="3812554"/>
           </a:xfrm>
         </p:spPr>
+      </p:pic>
+      <p:sp>
+        <p:nvSpPr>
+          <p:cNvPr id="3" name="Slide Number Placeholder 2"/>
+          <p:cNvSpPr>
+            <a:spLocks noGrp="1"/>
+          </p:cNvSpPr>
+          <p:nvPr>
+            <p:ph type="sldNum" sz="quarter" idx="12"/>
+          </p:nvPr>
+        </p:nvSpPr>
+        <p:spPr/>
         <p:txBody>
           <a:bodyPr/>
           <a:lstStyle/>
           <a:p>
-            <a:r>
-              <a:rPr lang="nl-NL" dirty="0" smtClean="0"/>
-              <a:t>DC current noise (50Hz) in signal</a:t>
-            </a:r>
-            <a:endParaRPr lang="nl-NL" dirty="0"/>
-          </a:p>
-        </p:txBody>
-      </p:sp>
+            <a:fld id="{629637A9-119A-49DA-BD12-AAC58B377D80}" type="slidenum">
+              <a:rPr lang="en-US" smtClean="0"/>
+              <a:t>21</a:t>
+            </a:fld>
+            <a:endParaRPr lang="en-US" dirty="0"/>
+          </a:p>
+        </p:txBody>
+      </p:sp>
+    </p:spTree>
+    <p:extLst>
+      <p:ext uri="{BB962C8B-B14F-4D97-AF65-F5344CB8AC3E}">
+        <p14:creationId xmlns:p14="http://schemas.microsoft.com/office/powerpoint/2010/main" val="1190598562"/>
+      </p:ext>
+    </p:extLst>
+  </p:cSld>
+  <p:clrMapOvr>
+    <a:masterClrMapping/>
+  </p:clrMapOvr>
+  <mc:AlternateContent xmlns:mc="http://schemas.openxmlformats.org/markup-compatibility/2006">
+    <mc:Choice xmlns:p14="http://schemas.microsoft.com/office/powerpoint/2010/main" Requires="p14">
+      <p:transition spd="slow" p14:dur="2000"/>
+    </mc:Choice>
+    <mc:Fallback>
+      <p:transition spd="slow"/>
+    </mc:Fallback>
+  </mc:AlternateContent>
+  <p:timing>
+    <p:tnLst>
+      <p:par>
+        <p:cTn id="1" dur="indefinite" restart="never" nodeType="tmRoot"/>
+      </p:par>
+    </p:tnLst>
+  </p:timing>
+</p:sld>
+</file>
+
+<file path=ppt/slides/slide22.xml><?xml version="1.0" encoding="utf-8"?>
+<p:sld xmlns:a="http://schemas.openxmlformats.org/drawingml/2006/main" xmlns:r="http://schemas.openxmlformats.org/officeDocument/2006/relationships" xmlns:p="http://schemas.openxmlformats.org/presentationml/2006/main">
+  <p:cSld>
+    <p:spTree>
+      <p:nvGrpSpPr>
+        <p:cNvPr id="1" name=""/>
+        <p:cNvGrpSpPr/>
+        <p:nvPr/>
+      </p:nvGrpSpPr>
+      <p:grpSpPr>
+        <a:xfrm>
+          <a:off x="0" y="0"/>
+          <a:ext cx="0" cy="0"/>
+          <a:chOff x="0" y="0"/>
+          <a:chExt cx="0" cy="0"/>
+        </a:xfrm>
+      </p:grpSpPr>
       <p:pic>
         <p:nvPicPr>
-          <p:cNvPr id="7170" name="Picture 2" descr="http://puu.sh/ddiKA/e698607120.png"/>
+          <p:cNvPr id="9" name="Content Placeholder 3"/>
           <p:cNvPicPr>
-            <a:picLocks noChangeAspect="1" noChangeArrowheads="1"/>
+            <a:picLocks noChangeAspect="1"/>
           </p:cNvPicPr>
           <p:nvPr/>
         </p:nvPicPr>
@@ -7257,31 +7998,71 @@
               </a:ext>
             </a:extLst>
           </a:blip>
-          <a:srcRect/>
           <a:stretch>
             <a:fillRect/>
           </a:stretch>
         </p:blipFill>
-        <p:spPr bwMode="auto">
+        <p:spPr>
           <a:xfrm>
-            <a:off x="4833256" y="1238127"/>
-            <a:ext cx="7324927" cy="2227883"/>
+            <a:off x="4039081" y="1170073"/>
+            <a:ext cx="8321956" cy="2172292"/>
           </a:xfrm>
           <a:prstGeom prst="rect">
             <a:avLst/>
           </a:prstGeom>
-          <a:noFill/>
-          <a:extLst>
-            <a:ext uri="{909E8E84-426E-40dd-AFC4-6F175D3DCCD1}">
-              <a14:hiddenFill xmlns="" xmlns:a14="http://schemas.microsoft.com/office/drawing/2010/main">
-                <a:solidFill>
-                  <a:srgbClr val="FFFFFF"/>
-                </a:solidFill>
-              </a14:hiddenFill>
-            </a:ext>
-          </a:extLst>
         </p:spPr>
       </p:pic>
+      <p:sp>
+        <p:nvSpPr>
+          <p:cNvPr id="2" name="Title 1"/>
+          <p:cNvSpPr>
+            <a:spLocks noGrp="1"/>
+          </p:cNvSpPr>
+          <p:nvPr>
+            <p:ph type="title"/>
+          </p:nvPr>
+        </p:nvSpPr>
+        <p:spPr/>
+        <p:txBody>
+          <a:bodyPr/>
+          <a:lstStyle/>
+          <a:p>
+            <a:r>
+              <a:rPr lang="nl-NL" dirty="0" smtClean="0"/>
+              <a:t>Raw data</a:t>
+            </a:r>
+            <a:endParaRPr lang="nl-NL" dirty="0"/>
+          </a:p>
+        </p:txBody>
+      </p:sp>
+      <p:sp>
+        <p:nvSpPr>
+          <p:cNvPr id="3" name="Content Placeholder 2"/>
+          <p:cNvSpPr>
+            <a:spLocks noGrp="1"/>
+          </p:cNvSpPr>
+          <p:nvPr>
+            <p:ph idx="1"/>
+          </p:nvPr>
+        </p:nvSpPr>
+        <p:spPr>
+          <a:xfrm>
+            <a:off x="1097280" y="1863634"/>
+            <a:ext cx="10058400" cy="4005460"/>
+          </a:xfrm>
+        </p:spPr>
+        <p:txBody>
+          <a:bodyPr/>
+          <a:lstStyle/>
+          <a:p>
+            <a:r>
+              <a:rPr lang="nl-NL" dirty="0" smtClean="0"/>
+              <a:t>DC current noise (50Hz) in signal</a:t>
+            </a:r>
+            <a:endParaRPr lang="nl-NL" dirty="0"/>
+          </a:p>
+        </p:txBody>
+      </p:sp>
       <p:pic>
         <p:nvPicPr>
           <p:cNvPr id="13314" name="Picture 2" descr="http://puu.sh/ddkyI/31865e9373.png"/>
@@ -7339,13 +8120,13 @@
           </a:prstGeom>
         </p:spPr>
         <p:style>
-          <a:lnRef idx="1">
+          <a:lnRef idx="3">
             <a:schemeClr val="accent1"/>
           </a:lnRef>
           <a:fillRef idx="0">
             <a:schemeClr val="accent1"/>
           </a:fillRef>
-          <a:effectRef idx="0">
+          <a:effectRef idx="2">
             <a:schemeClr val="accent1"/>
           </a:effectRef>
           <a:fontRef idx="minor">
@@ -7369,13 +8150,13 @@
           </a:prstGeom>
         </p:spPr>
         <p:style>
-          <a:lnRef idx="1">
+          <a:lnRef idx="3">
             <a:schemeClr val="accent1"/>
           </a:lnRef>
           <a:fillRef idx="0">
             <a:schemeClr val="accent1"/>
           </a:fillRef>
-          <a:effectRef idx="0">
+          <a:effectRef idx="2">
             <a:schemeClr val="accent1"/>
           </a:effectRef>
           <a:fontRef idx="minor">
@@ -7383,6 +8164,29 @@
           </a:fontRef>
         </p:style>
       </p:cxnSp>
+      <p:sp>
+        <p:nvSpPr>
+          <p:cNvPr id="4" name="Slide Number Placeholder 3"/>
+          <p:cNvSpPr>
+            <a:spLocks noGrp="1"/>
+          </p:cNvSpPr>
+          <p:nvPr>
+            <p:ph type="sldNum" sz="quarter" idx="12"/>
+          </p:nvPr>
+        </p:nvSpPr>
+        <p:spPr/>
+        <p:txBody>
+          <a:bodyPr/>
+          <a:lstStyle/>
+          <a:p>
+            <a:fld id="{629637A9-119A-49DA-BD12-AAC58B377D80}" type="slidenum">
+              <a:rPr lang="en-US" smtClean="0"/>
+              <a:t>22</a:t>
+            </a:fld>
+            <a:endParaRPr lang="en-US" dirty="0"/>
+          </a:p>
+        </p:txBody>
+      </p:sp>
     </p:spTree>
     <p:extLst>
       <p:ext uri="{BB962C8B-B14F-4D97-AF65-F5344CB8AC3E}">
@@ -7393,6 +8197,14 @@
   <p:clrMapOvr>
     <a:masterClrMapping/>
   </p:clrMapOvr>
+  <mc:AlternateContent xmlns:mc="http://schemas.openxmlformats.org/markup-compatibility/2006">
+    <mc:Choice xmlns:p14="http://schemas.microsoft.com/office/powerpoint/2010/main" Requires="p14">
+      <p:transition spd="slow" p14:dur="2000"/>
+    </mc:Choice>
+    <mc:Fallback>
+      <p:transition spd="slow"/>
+    </mc:Fallback>
+  </mc:AlternateContent>
   <p:timing>
     <p:tnLst>
       <p:par>
@@ -7403,7 +8215,7 @@
 </p:sld>
 </file>
 
-<file path=ppt/slides/slide21.xml><?xml version="1.0" encoding="utf-8"?>
+<file path=ppt/slides/slide23.xml><?xml version="1.0" encoding="utf-8"?>
 <p:sld xmlns:a="http://schemas.openxmlformats.org/drawingml/2006/main" xmlns:r="http://schemas.openxmlformats.org/officeDocument/2006/relationships" xmlns:p="http://schemas.openxmlformats.org/presentationml/2006/main">
   <p:cSld>
     <p:spTree>
@@ -7572,6 +8384,29 @@
           </a:p>
         </p:txBody>
       </p:sp>
+      <p:sp>
+        <p:nvSpPr>
+          <p:cNvPr id="7" name="Slide Number Placeholder 6"/>
+          <p:cNvSpPr>
+            <a:spLocks noGrp="1"/>
+          </p:cNvSpPr>
+          <p:nvPr>
+            <p:ph type="sldNum" sz="quarter" idx="12"/>
+          </p:nvPr>
+        </p:nvSpPr>
+        <p:spPr/>
+        <p:txBody>
+          <a:bodyPr/>
+          <a:lstStyle/>
+          <a:p>
+            <a:fld id="{629637A9-119A-49DA-BD12-AAC58B377D80}" type="slidenum">
+              <a:rPr lang="en-US" smtClean="0"/>
+              <a:t>23</a:t>
+            </a:fld>
+            <a:endParaRPr lang="en-US" dirty="0"/>
+          </a:p>
+        </p:txBody>
+      </p:sp>
     </p:spTree>
     <p:extLst>
       <p:ext uri="{BB962C8B-B14F-4D97-AF65-F5344CB8AC3E}">
@@ -7582,6 +8417,14 @@
   <p:clrMapOvr>
     <a:masterClrMapping/>
   </p:clrMapOvr>
+  <mc:AlternateContent xmlns:mc="http://schemas.openxmlformats.org/markup-compatibility/2006">
+    <mc:Choice xmlns:p14="http://schemas.microsoft.com/office/powerpoint/2010/main" Requires="p14">
+      <p:transition spd="slow" p14:dur="2000"/>
+    </mc:Choice>
+    <mc:Fallback>
+      <p:transition spd="slow"/>
+    </mc:Fallback>
+  </mc:AlternateContent>
   <p:timing>
     <p:tnLst>
       <p:par>
@@ -7592,7 +8435,7 @@
 </p:sld>
 </file>
 
-<file path=ppt/slides/slide22.xml><?xml version="1.0" encoding="utf-8"?>
+<file path=ppt/slides/slide24.xml><?xml version="1.0" encoding="utf-8"?>
 <p:sld xmlns:a="http://schemas.openxmlformats.org/drawingml/2006/main" xmlns:r="http://schemas.openxmlformats.org/officeDocument/2006/relationships" xmlns:p="http://schemas.openxmlformats.org/presentationml/2006/main">
   <p:cSld>
     <p:spTree>
@@ -7609,60 +8452,11 @@
           <a:chExt cx="0" cy="0"/>
         </a:xfrm>
       </p:grpSpPr>
-      <p:sp>
-        <p:nvSpPr>
-          <p:cNvPr id="2" name="Title 1"/>
-          <p:cNvSpPr>
-            <a:spLocks noGrp="1"/>
-          </p:cNvSpPr>
-          <p:nvPr>
-            <p:ph type="title"/>
-          </p:nvPr>
-        </p:nvSpPr>
-        <p:spPr/>
-        <p:txBody>
-          <a:bodyPr/>
-          <a:lstStyle/>
-          <a:p>
-            <a:r>
-              <a:rPr lang="nl-NL" dirty="0" smtClean="0"/>
-              <a:t>Preprocessing</a:t>
-            </a:r>
-            <a:endParaRPr lang="nl-NL" dirty="0"/>
-          </a:p>
-        </p:txBody>
-      </p:sp>
-      <p:sp>
-        <p:nvSpPr>
-          <p:cNvPr id="3" name="Content Placeholder 2"/>
-          <p:cNvSpPr>
-            <a:spLocks noGrp="1"/>
-          </p:cNvSpPr>
-          <p:nvPr>
-            <p:ph idx="1"/>
-          </p:nvPr>
-        </p:nvSpPr>
-        <p:spPr/>
-        <p:txBody>
-          <a:bodyPr/>
-          <a:lstStyle/>
-          <a:p>
-            <a:pPr>
-              <a:buFont typeface="Wingdings" panose="05000000000000000000" pitchFamily="2" charset="2"/>
-              <a:buChar char="§"/>
-            </a:pPr>
-            <a:r>
-              <a:rPr lang="nl-NL" dirty="0" smtClean="0"/>
-              <a:t>Cutting the tasks out of the data</a:t>
-            </a:r>
-          </a:p>
-        </p:txBody>
-      </p:sp>
       <p:pic>
         <p:nvPicPr>
-          <p:cNvPr id="5" name="Picture 2" descr="http://puu.sh/ddiTH/249c0dd57e.png"/>
+          <p:cNvPr id="15" name="Picture 14"/>
           <p:cNvPicPr>
-            <a:picLocks noChangeAspect="1" noChangeArrowheads="1"/>
+            <a:picLocks noChangeAspect="1"/>
           </p:cNvPicPr>
           <p:nvPr/>
         </p:nvPicPr>
@@ -7674,31 +8468,69 @@
               </a:ext>
             </a:extLst>
           </a:blip>
-          <a:srcRect/>
           <a:stretch>
             <a:fillRect/>
           </a:stretch>
         </p:blipFill>
-        <p:spPr bwMode="auto">
+        <p:spPr>
           <a:xfrm>
-            <a:off x="5503818" y="1149312"/>
-            <a:ext cx="5651862" cy="1689600"/>
+            <a:off x="4243505" y="1459088"/>
+            <a:ext cx="8331852" cy="2497770"/>
           </a:xfrm>
           <a:prstGeom prst="rect">
             <a:avLst/>
           </a:prstGeom>
-          <a:noFill/>
-          <a:extLst>
-            <a:ext uri="{909E8E84-426E-40dd-AFC4-6F175D3DCCD1}">
-              <a14:hiddenFill xmlns="" xmlns:a14="http://schemas.microsoft.com/office/drawing/2010/main">
-                <a:solidFill>
-                  <a:srgbClr val="FFFFFF"/>
-                </a:solidFill>
-              </a14:hiddenFill>
-            </a:ext>
-          </a:extLst>
         </p:spPr>
       </p:pic>
+      <p:sp>
+        <p:nvSpPr>
+          <p:cNvPr id="2" name="Title 1"/>
+          <p:cNvSpPr>
+            <a:spLocks noGrp="1"/>
+          </p:cNvSpPr>
+          <p:nvPr>
+            <p:ph type="title"/>
+          </p:nvPr>
+        </p:nvSpPr>
+        <p:spPr/>
+        <p:txBody>
+          <a:bodyPr/>
+          <a:lstStyle/>
+          <a:p>
+            <a:r>
+              <a:rPr lang="nl-NL" dirty="0" smtClean="0"/>
+              <a:t>Preprocessing</a:t>
+            </a:r>
+            <a:endParaRPr lang="nl-NL" dirty="0"/>
+          </a:p>
+        </p:txBody>
+      </p:sp>
+      <p:sp>
+        <p:nvSpPr>
+          <p:cNvPr id="3" name="Content Placeholder 2"/>
+          <p:cNvSpPr>
+            <a:spLocks noGrp="1"/>
+          </p:cNvSpPr>
+          <p:nvPr>
+            <p:ph idx="1"/>
+          </p:nvPr>
+        </p:nvSpPr>
+        <p:spPr/>
+        <p:txBody>
+          <a:bodyPr/>
+          <a:lstStyle/>
+          <a:p>
+            <a:pPr>
+              <a:buFont typeface="Wingdings" panose="05000000000000000000" pitchFamily="2" charset="2"/>
+              <a:buChar char="§"/>
+            </a:pPr>
+            <a:r>
+              <a:rPr lang="nl-NL" dirty="0" smtClean="0"/>
+              <a:t>Cutting the tasks out of the data</a:t>
+            </a:r>
+          </a:p>
+        </p:txBody>
+      </p:sp>
       <p:pic>
         <p:nvPicPr>
           <p:cNvPr id="8198" name="Picture 6" descr="http://puu.sh/ddjnO/c6f3dbc8e7.png"/>
@@ -7830,8 +8662,8 @@
         </p:nvSpPr>
         <p:spPr>
           <a:xfrm rot="929325">
-            <a:off x="7457281" y="2418450"/>
-            <a:ext cx="269966" cy="1962998"/>
+            <a:off x="7422045" y="2677554"/>
+            <a:ext cx="269966" cy="1699101"/>
           </a:xfrm>
           <a:prstGeom prst="downArrow">
             <a:avLst/>
@@ -7950,8 +8782,8 @@
         </p:nvSpPr>
         <p:spPr>
           <a:xfrm rot="297708">
-            <a:off x="9402793" y="2550239"/>
-            <a:ext cx="269966" cy="1497816"/>
+            <a:off x="9392662" y="2784064"/>
+            <a:ext cx="269966" cy="1263551"/>
           </a:xfrm>
           <a:prstGeom prst="downArrow">
             <a:avLst/>
@@ -8011,6 +8843,29 @@
           </a:p>
         </p:txBody>
       </p:sp>
+      <p:sp>
+        <p:nvSpPr>
+          <p:cNvPr id="7" name="Slide Number Placeholder 6"/>
+          <p:cNvSpPr>
+            <a:spLocks noGrp="1"/>
+          </p:cNvSpPr>
+          <p:nvPr>
+            <p:ph type="sldNum" sz="quarter" idx="12"/>
+          </p:nvPr>
+        </p:nvSpPr>
+        <p:spPr/>
+        <p:txBody>
+          <a:bodyPr/>
+          <a:lstStyle/>
+          <a:p>
+            <a:fld id="{629637A9-119A-49DA-BD12-AAC58B377D80}" type="slidenum">
+              <a:rPr lang="en-US" smtClean="0"/>
+              <a:t>24</a:t>
+            </a:fld>
+            <a:endParaRPr lang="en-US" dirty="0"/>
+          </a:p>
+        </p:txBody>
+      </p:sp>
     </p:spTree>
     <p:extLst>
       <p:ext uri="{BB962C8B-B14F-4D97-AF65-F5344CB8AC3E}">
@@ -8021,6 +8876,14 @@
   <p:clrMapOvr>
     <a:masterClrMapping/>
   </p:clrMapOvr>
+  <mc:AlternateContent xmlns:mc="http://schemas.openxmlformats.org/markup-compatibility/2006">
+    <mc:Choice xmlns:p14="http://schemas.microsoft.com/office/powerpoint/2010/main" Requires="p14">
+      <p:transition spd="slow" p14:dur="2000"/>
+    </mc:Choice>
+    <mc:Fallback>
+      <p:transition spd="slow"/>
+    </mc:Fallback>
+  </mc:AlternateContent>
   <p:timing>
     <p:tnLst>
       <p:par>
@@ -8031,7 +8894,7 @@
 </p:sld>
 </file>
 
-<file path=ppt/slides/slide23.xml><?xml version="1.0" encoding="utf-8"?>
+<file path=ppt/slides/slide25.xml><?xml version="1.0" encoding="utf-8"?>
 <p:sld xmlns:a="http://schemas.openxmlformats.org/drawingml/2006/main" xmlns:r="http://schemas.openxmlformats.org/officeDocument/2006/relationships" xmlns:p="http://schemas.openxmlformats.org/presentationml/2006/main">
   <p:cSld>
     <p:spTree>
@@ -8218,6 +9081,29 @@
           </a:p>
         </p:txBody>
       </p:sp>
+      <p:sp>
+        <p:nvSpPr>
+          <p:cNvPr id="4" name="Slide Number Placeholder 3"/>
+          <p:cNvSpPr>
+            <a:spLocks noGrp="1"/>
+          </p:cNvSpPr>
+          <p:nvPr>
+            <p:ph type="sldNum" sz="quarter" idx="12"/>
+          </p:nvPr>
+        </p:nvSpPr>
+        <p:spPr/>
+        <p:txBody>
+          <a:bodyPr/>
+          <a:lstStyle/>
+          <a:p>
+            <a:fld id="{629637A9-119A-49DA-BD12-AAC58B377D80}" type="slidenum">
+              <a:rPr lang="en-US" smtClean="0"/>
+              <a:t>25</a:t>
+            </a:fld>
+            <a:endParaRPr lang="en-US" dirty="0"/>
+          </a:p>
+        </p:txBody>
+      </p:sp>
     </p:spTree>
     <p:extLst>
       <p:ext uri="{BB962C8B-B14F-4D97-AF65-F5344CB8AC3E}">
@@ -8228,6 +9114,14 @@
   <p:clrMapOvr>
     <a:masterClrMapping/>
   </p:clrMapOvr>
+  <mc:AlternateContent xmlns:mc="http://schemas.openxmlformats.org/markup-compatibility/2006">
+    <mc:Choice xmlns:p14="http://schemas.microsoft.com/office/powerpoint/2010/main" Requires="p14">
+      <p:transition spd="slow" p14:dur="2000"/>
+    </mc:Choice>
+    <mc:Fallback>
+      <p:transition spd="slow"/>
+    </mc:Fallback>
+  </mc:AlternateContent>
   <p:timing>
     <p:tnLst>
       <p:par>
@@ -8238,7 +9132,7 @@
 </p:sld>
 </file>
 
-<file path=ppt/slides/slide24.xml><?xml version="1.0" encoding="utf-8"?>
+<file path=ppt/slides/slide26.xml><?xml version="1.0" encoding="utf-8"?>
 <p:sld xmlns:a="http://schemas.openxmlformats.org/drawingml/2006/main" xmlns:r="http://schemas.openxmlformats.org/officeDocument/2006/relationships" xmlns:p="http://schemas.openxmlformats.org/presentationml/2006/main">
   <p:cSld>
     <p:spTree>
@@ -8299,7 +9193,11 @@
             </a:pPr>
             <a:r>
               <a:rPr lang="nl-NL" dirty="0" smtClean="0"/>
-              <a:t>Extract time domain features</a:t>
+              <a:t> Extract </a:t>
+            </a:r>
+            <a:r>
+              <a:rPr lang="nl-NL" dirty="0" smtClean="0"/>
+              <a:t>time domain features</a:t>
             </a:r>
           </a:p>
           <a:p>
@@ -8309,7 +9207,11 @@
             </a:pPr>
             <a:r>
               <a:rPr lang="nl-NL" dirty="0" smtClean="0"/>
-              <a:t>Export to an easily parsable format (CSV)</a:t>
+              <a:t> Export </a:t>
+            </a:r>
+            <a:r>
+              <a:rPr lang="nl-NL" dirty="0" smtClean="0"/>
+              <a:t>to an easily parsable format (CSV)</a:t>
             </a:r>
             <a:endParaRPr lang="nl-NL" dirty="0"/>
           </a:p>
@@ -8323,8 +9225,8 @@
         </p:nvSpPr>
         <p:spPr>
           <a:xfrm>
-            <a:off x="5944096" y="5471423"/>
-            <a:ext cx="5914824" cy="707886"/>
+            <a:off x="5297659" y="4668545"/>
+            <a:ext cx="5914824" cy="1323439"/>
           </a:xfrm>
           <a:prstGeom prst="rect">
             <a:avLst/>
@@ -8336,20 +9238,156 @@
           </a:bodyPr>
           <a:lstStyle/>
           <a:p>
+            <a:pPr marL="342900" indent="-342900">
+              <a:buFont typeface="Wingdings" panose="05000000000000000000" pitchFamily="2" charset="2"/>
+              <a:buChar char="§"/>
+            </a:pPr>
             <a:r>
               <a:rPr lang="nl-NL" sz="2000" dirty="0" smtClean="0">
                 <a:solidFill>
                   <a:schemeClr val="bg1">
-                    <a:lumMod val="65000"/>
+                    <a:lumMod val="50000"/>
                   </a:schemeClr>
                 </a:solidFill>
               </a:rPr>
-              <a:t>(Subject, Difficulty, Accumulative, Average, Standard Deviation, Peak count with varying tresholds)</a:t>
+              <a:t>Subject</a:t>
+            </a:r>
+            <a:r>
+              <a:rPr lang="nl-NL" sz="2000" dirty="0" smtClean="0">
+                <a:solidFill>
+                  <a:schemeClr val="bg1">
+                    <a:lumMod val="50000"/>
+                  </a:schemeClr>
+                </a:solidFill>
+              </a:rPr>
+              <a:t>, </a:t>
+            </a:r>
+            <a:r>
+              <a:rPr lang="nl-NL" sz="2000" dirty="0" smtClean="0">
+                <a:solidFill>
+                  <a:schemeClr val="bg1">
+                    <a:lumMod val="50000"/>
+                  </a:schemeClr>
+                </a:solidFill>
+              </a:rPr>
+              <a:t>Difficulty</a:t>
+            </a:r>
+            <a:r>
+              <a:rPr lang="nl-NL" sz="2000" dirty="0" smtClean="0">
+                <a:solidFill>
+                  <a:schemeClr val="bg1">
+                    <a:lumMod val="50000"/>
+                  </a:schemeClr>
+                </a:solidFill>
+              </a:rPr>
+              <a:t>, </a:t>
+            </a:r>
+            <a:endParaRPr lang="nl-NL" sz="2000" dirty="0" smtClean="0">
+              <a:solidFill>
+                <a:schemeClr val="bg1">
+                  <a:lumMod val="50000"/>
+                </a:schemeClr>
+              </a:solidFill>
+            </a:endParaRPr>
+          </a:p>
+          <a:p>
+            <a:pPr marL="342900" indent="-342900">
+              <a:buFont typeface="Wingdings" panose="05000000000000000000" pitchFamily="2" charset="2"/>
+              <a:buChar char="§"/>
+            </a:pPr>
+            <a:r>
+              <a:rPr lang="nl-NL" sz="2000" dirty="0" smtClean="0">
+                <a:solidFill>
+                  <a:schemeClr val="bg1">
+                    <a:lumMod val="50000"/>
+                  </a:schemeClr>
+                </a:solidFill>
+              </a:rPr>
+              <a:t>Accumulative GSR, Average</a:t>
+            </a:r>
+            <a:r>
+              <a:rPr lang="nl-NL" sz="2000" dirty="0">
+                <a:solidFill>
+                  <a:schemeClr val="bg1">
+                    <a:lumMod val="50000"/>
+                  </a:schemeClr>
+                </a:solidFill>
+              </a:rPr>
+              <a:t> </a:t>
+            </a:r>
+            <a:r>
+              <a:rPr lang="nl-NL" sz="2000" dirty="0" smtClean="0">
+                <a:solidFill>
+                  <a:schemeClr val="bg1">
+                    <a:lumMod val="50000"/>
+                  </a:schemeClr>
+                </a:solidFill>
+              </a:rPr>
+              <a:t>GSR</a:t>
+            </a:r>
+            <a:endParaRPr lang="nl-NL" sz="2000" dirty="0" smtClean="0">
+              <a:solidFill>
+                <a:schemeClr val="bg1">
+                  <a:lumMod val="50000"/>
+                </a:schemeClr>
+              </a:solidFill>
+            </a:endParaRPr>
+          </a:p>
+          <a:p>
+            <a:pPr marL="342900" indent="-342900">
+              <a:buFont typeface="Wingdings" panose="05000000000000000000" pitchFamily="2" charset="2"/>
+              <a:buChar char="§"/>
+            </a:pPr>
+            <a:r>
+              <a:rPr lang="nl-NL" sz="2000" dirty="0" smtClean="0">
+                <a:solidFill>
+                  <a:schemeClr val="bg1">
+                    <a:lumMod val="50000"/>
+                  </a:schemeClr>
+                </a:solidFill>
+              </a:rPr>
+              <a:t>Standard Deviation, Difference start/end</a:t>
+            </a:r>
+          </a:p>
+          <a:p>
+            <a:pPr marL="342900" indent="-342900">
+              <a:buFont typeface="Wingdings" panose="05000000000000000000" pitchFamily="2" charset="2"/>
+              <a:buChar char="§"/>
+            </a:pPr>
+            <a:r>
+              <a:rPr lang="nl-NL" sz="2000" dirty="0" smtClean="0">
+                <a:solidFill>
+                  <a:schemeClr val="bg1">
+                    <a:lumMod val="50000"/>
+                  </a:schemeClr>
+                </a:solidFill>
+              </a:rPr>
+              <a:t>Peak </a:t>
+            </a:r>
+            <a:r>
+              <a:rPr lang="nl-NL" sz="2000" dirty="0" smtClean="0">
+                <a:solidFill>
+                  <a:schemeClr val="bg1">
+                    <a:lumMod val="50000"/>
+                  </a:schemeClr>
+                </a:solidFill>
+              </a:rPr>
+              <a:t>count with varying </a:t>
+            </a:r>
+            <a:r>
+              <a:rPr lang="nl-NL" sz="2000" dirty="0" smtClean="0">
+                <a:solidFill>
+                  <a:schemeClr val="bg1">
+                    <a:lumMod val="50000"/>
+                  </a:schemeClr>
+                </a:solidFill>
+              </a:rPr>
+              <a:t>tresholds</a:t>
             </a:r>
             <a:endParaRPr lang="nl-NL" sz="2000" dirty="0">
               <a:solidFill>
                 <a:schemeClr val="bg1">
-                  <a:lumMod val="65000"/>
+                  <a:lumMod val="50000"/>
                 </a:schemeClr>
               </a:solidFill>
             </a:endParaRPr>
@@ -8364,7 +9402,7 @@
         </p:nvSpPr>
         <p:spPr>
           <a:xfrm>
-            <a:off x="5944096" y="3594225"/>
+            <a:off x="5367829" y="3631530"/>
             <a:ext cx="4953290" cy="707886"/>
           </a:xfrm>
           <a:prstGeom prst="rect">
@@ -8402,7 +9440,7 @@
           <p:nvPr/>
         </p:nvPicPr>
         <p:blipFill>
-          <a:blip r:embed="rId2">
+          <a:blip r:embed="rId3">
             <a:extLst>
               <a:ext uri="{28A0092B-C50C-407E-A947-70E740481C1C}">
                 <a14:useLocalDpi xmlns:a14="http://schemas.microsoft.com/office/drawing/2010/main" val="0"/>
@@ -8415,8 +9453,8 @@
         </p:blipFill>
         <p:spPr>
           <a:xfrm>
-            <a:off x="991639" y="2617285"/>
-            <a:ext cx="4952458" cy="3707724"/>
+            <a:off x="1085669" y="2663198"/>
+            <a:ext cx="4282160" cy="3205896"/>
           </a:xfrm>
           <a:prstGeom prst="rect">
             <a:avLst/>
@@ -8431,8 +9469,8 @@
         </p:nvSpPr>
         <p:spPr>
           <a:xfrm rot="5400000">
-            <a:off x="6510167" y="1577726"/>
-            <a:ext cx="1440991" cy="2638450"/>
+            <a:off x="6306053" y="2010020"/>
+            <a:ext cx="617791" cy="2494239"/>
           </a:xfrm>
           <a:prstGeom prst="bentArrow">
             <a:avLst/>
@@ -8469,74 +9507,24 @@
       </p:sp>
       <p:sp>
         <p:nvSpPr>
-          <p:cNvPr id="9" name="Rectangle 8"/>
-          <p:cNvSpPr/>
-          <p:nvPr/>
-        </p:nvSpPr>
-        <p:spPr>
-          <a:xfrm>
-            <a:off x="6049738" y="5102091"/>
-            <a:ext cx="5616602" cy="369332"/>
-          </a:xfrm>
-          <a:prstGeom prst="rect">
-            <a:avLst/>
-          </a:prstGeom>
-          <a:ln>
-            <a:solidFill>
-              <a:schemeClr val="tx1"/>
-            </a:solidFill>
-          </a:ln>
-        </p:spPr>
-        <p:txBody>
-          <a:bodyPr wrap="none">
-            <a:spAutoFit/>
-          </a:bodyPr>
-          <a:lstStyle/>
-          <a:p>
-            <a:r>
-              <a:rPr lang="nl-NL" dirty="0"/>
-              <a:t>luc,diff2,221.4503,0.12303,0.00073118,0.0019555,6,6,5,4</a:t>
-            </a:r>
-          </a:p>
-        </p:txBody>
-      </p:sp>
-      <p:sp>
-        <p:nvSpPr>
-          <p:cNvPr id="14" name="Down Arrow 13"/>
-          <p:cNvSpPr/>
-          <p:nvPr/>
-        </p:nvSpPr>
-        <p:spPr>
-          <a:xfrm>
-            <a:off x="7896629" y="4330301"/>
-            <a:ext cx="509048" cy="673900"/>
-          </a:xfrm>
-          <a:prstGeom prst="downArrow">
-            <a:avLst/>
-          </a:prstGeom>
-        </p:spPr>
-        <p:style>
-          <a:lnRef idx="2">
-            <a:schemeClr val="accent1">
-              <a:shade val="50000"/>
-            </a:schemeClr>
-          </a:lnRef>
-          <a:fillRef idx="1">
-            <a:schemeClr val="accent1"/>
-          </a:fillRef>
-          <a:effectRef idx="0">
-            <a:schemeClr val="accent1"/>
-          </a:effectRef>
-          <a:fontRef idx="minor">
-            <a:schemeClr val="lt1"/>
-          </a:fontRef>
-        </p:style>
-        <p:txBody>
-          <a:bodyPr rtlCol="0" anchor="ctr"/>
-          <a:lstStyle/>
-          <a:p>
-            <a:pPr algn="ctr"/>
-            <a:endParaRPr lang="nl-NL"/>
+          <p:cNvPr id="5" name="Slide Number Placeholder 4"/>
+          <p:cNvSpPr>
+            <a:spLocks noGrp="1"/>
+          </p:cNvSpPr>
+          <p:nvPr>
+            <p:ph type="sldNum" sz="quarter" idx="12"/>
+          </p:nvPr>
+        </p:nvSpPr>
+        <p:spPr/>
+        <p:txBody>
+          <a:bodyPr/>
+          <a:lstStyle/>
+          <a:p>
+            <a:fld id="{629637A9-119A-49DA-BD12-AAC58B377D80}" type="slidenum">
+              <a:rPr lang="en-US" smtClean="0"/>
+              <a:t>26</a:t>
+            </a:fld>
+            <a:endParaRPr lang="en-US" dirty="0"/>
           </a:p>
         </p:txBody>
       </p:sp>
@@ -8550,6 +9538,14 @@
   <p:clrMapOvr>
     <a:masterClrMapping/>
   </p:clrMapOvr>
+  <mc:AlternateContent xmlns:mc="http://schemas.openxmlformats.org/markup-compatibility/2006">
+    <mc:Choice xmlns:p14="http://schemas.microsoft.com/office/powerpoint/2010/main" Requires="p14">
+      <p:transition spd="slow" p14:dur="2000"/>
+    </mc:Choice>
+    <mc:Fallback>
+      <p:transition spd="slow"/>
+    </mc:Fallback>
+  </mc:AlternateContent>
   <p:timing>
     <p:tnLst>
       <p:par>
@@ -8560,7 +9556,7 @@
 </p:sld>
 </file>
 
-<file path=ppt/slides/slide25.xml><?xml version="1.0" encoding="utf-8"?>
+<file path=ppt/slides/slide27.xml><?xml version="1.0" encoding="utf-8"?>
 <p:sld xmlns:a="http://schemas.openxmlformats.org/drawingml/2006/main" xmlns:r="http://schemas.openxmlformats.org/officeDocument/2006/relationships" xmlns:p="http://schemas.openxmlformats.org/presentationml/2006/main">
   <p:cSld>
     <p:spTree>
@@ -8577,6 +9573,806 @@
           <a:chExt cx="0" cy="0"/>
         </a:xfrm>
       </p:grpSpPr>
+      <p:pic>
+        <p:nvPicPr>
+          <p:cNvPr id="4" name="Content Placeholder 3"/>
+          <p:cNvPicPr>
+            <a:picLocks noGrp="1" noChangeAspect="1"/>
+          </p:cNvPicPr>
+          <p:nvPr>
+            <p:ph idx="1"/>
+          </p:nvPr>
+        </p:nvPicPr>
+        <p:blipFill rotWithShape="1">
+          <a:blip r:embed="rId3">
+            <a:extLst>
+              <a:ext uri="{28A0092B-C50C-407E-A947-70E740481C1C}">
+                <a14:useLocalDpi xmlns:a14="http://schemas.microsoft.com/office/drawing/2010/main" val="0"/>
+              </a:ext>
+            </a:extLst>
+          </a:blip>
+          <a:srcRect t="11434" b="2765"/>
+          <a:stretch/>
+        </p:blipFill>
+        <p:spPr>
+          <a:xfrm>
+            <a:off x="2109085" y="1818609"/>
+            <a:ext cx="8034156" cy="4487923"/>
+          </a:xfrm>
+        </p:spPr>
+      </p:pic>
+      <p:sp>
+        <p:nvSpPr>
+          <p:cNvPr id="2" name="Title 1"/>
+          <p:cNvSpPr>
+            <a:spLocks noGrp="1"/>
+          </p:cNvSpPr>
+          <p:nvPr>
+            <p:ph type="title"/>
+          </p:nvPr>
+        </p:nvSpPr>
+        <p:spPr/>
+        <p:txBody>
+          <a:bodyPr/>
+          <a:lstStyle/>
+          <a:p>
+            <a:r>
+              <a:rPr lang="nl-NL" dirty="0" smtClean="0"/>
+              <a:t>Visualization</a:t>
+            </a:r>
+            <a:endParaRPr lang="nl-NL" dirty="0"/>
+          </a:p>
+        </p:txBody>
+      </p:sp>
+      <p:sp>
+        <p:nvSpPr>
+          <p:cNvPr id="5" name="Rectangle 4"/>
+          <p:cNvSpPr/>
+          <p:nvPr/>
+        </p:nvSpPr>
+        <p:spPr>
+          <a:xfrm>
+            <a:off x="1097280" y="1818609"/>
+            <a:ext cx="1502142" cy="400110"/>
+          </a:xfrm>
+          <a:prstGeom prst="rect">
+            <a:avLst/>
+          </a:prstGeom>
+        </p:spPr>
+        <p:txBody>
+          <a:bodyPr wrap="none">
+            <a:spAutoFit/>
+          </a:bodyPr>
+          <a:lstStyle/>
+          <a:p>
+            <a:r>
+              <a:rPr lang="nl-NL" sz="2000" dirty="0"/>
+              <a:t>Average </a:t>
+            </a:r>
+            <a:r>
+              <a:rPr lang="nl-NL" sz="2000" dirty="0" smtClean="0"/>
+              <a:t>GSR</a:t>
+            </a:r>
+            <a:endParaRPr lang="nl-NL" sz="2000" dirty="0"/>
+          </a:p>
+        </p:txBody>
+      </p:sp>
+      <p:sp>
+        <p:nvSpPr>
+          <p:cNvPr id="3" name="Slide Number Placeholder 2"/>
+          <p:cNvSpPr>
+            <a:spLocks noGrp="1"/>
+          </p:cNvSpPr>
+          <p:nvPr>
+            <p:ph type="sldNum" sz="quarter" idx="12"/>
+          </p:nvPr>
+        </p:nvSpPr>
+        <p:spPr/>
+        <p:txBody>
+          <a:bodyPr/>
+          <a:lstStyle/>
+          <a:p>
+            <a:fld id="{629637A9-119A-49DA-BD12-AAC58B377D80}" type="slidenum">
+              <a:rPr lang="en-US" smtClean="0"/>
+              <a:t>27</a:t>
+            </a:fld>
+            <a:endParaRPr lang="en-US" dirty="0"/>
+          </a:p>
+        </p:txBody>
+      </p:sp>
+    </p:spTree>
+    <p:extLst>
+      <p:ext uri="{BB962C8B-B14F-4D97-AF65-F5344CB8AC3E}">
+        <p14:creationId xmlns:p14="http://schemas.microsoft.com/office/powerpoint/2010/main" val="875926806"/>
+      </p:ext>
+    </p:extLst>
+  </p:cSld>
+  <p:clrMapOvr>
+    <a:masterClrMapping/>
+  </p:clrMapOvr>
+  <mc:AlternateContent xmlns:mc="http://schemas.openxmlformats.org/markup-compatibility/2006">
+    <mc:Choice xmlns:p14="http://schemas.microsoft.com/office/powerpoint/2010/main" Requires="p14">
+      <p:transition spd="slow" p14:dur="2000"/>
+    </mc:Choice>
+    <mc:Fallback>
+      <p:transition spd="slow"/>
+    </mc:Fallback>
+  </mc:AlternateContent>
+  <p:timing>
+    <p:tnLst>
+      <p:par>
+        <p:cTn id="1" dur="indefinite" restart="never" nodeType="tmRoot"/>
+      </p:par>
+    </p:tnLst>
+  </p:timing>
+</p:sld>
+</file>
+
+<file path=ppt/slides/slide28.xml><?xml version="1.0" encoding="utf-8"?>
+<p:sld xmlns:a="http://schemas.openxmlformats.org/drawingml/2006/main" xmlns:r="http://schemas.openxmlformats.org/officeDocument/2006/relationships" xmlns:p="http://schemas.openxmlformats.org/presentationml/2006/main">
+  <p:cSld>
+    <p:spTree>
+      <p:nvGrpSpPr>
+        <p:cNvPr id="1" name=""/>
+        <p:cNvGrpSpPr/>
+        <p:nvPr/>
+      </p:nvGrpSpPr>
+      <p:grpSpPr>
+        <a:xfrm>
+          <a:off x="0" y="0"/>
+          <a:ext cx="0" cy="0"/>
+          <a:chOff x="0" y="0"/>
+          <a:chExt cx="0" cy="0"/>
+        </a:xfrm>
+      </p:grpSpPr>
+      <p:pic>
+        <p:nvPicPr>
+          <p:cNvPr id="5" name="Picture 4"/>
+          <p:cNvPicPr>
+            <a:picLocks noChangeAspect="1"/>
+          </p:cNvPicPr>
+          <p:nvPr/>
+        </p:nvPicPr>
+        <p:blipFill>
+          <a:blip r:embed="rId3">
+            <a:extLst>
+              <a:ext uri="{28A0092B-C50C-407E-A947-70E740481C1C}">
+                <a14:useLocalDpi xmlns:a14="http://schemas.microsoft.com/office/drawing/2010/main" val="0"/>
+              </a:ext>
+            </a:extLst>
+          </a:blip>
+          <a:stretch>
+            <a:fillRect/>
+          </a:stretch>
+        </p:blipFill>
+        <p:spPr>
+          <a:xfrm>
+            <a:off x="-35659" y="-557968"/>
+            <a:ext cx="12324278" cy="8023618"/>
+          </a:xfrm>
+          <a:prstGeom prst="rect">
+            <a:avLst/>
+          </a:prstGeom>
+        </p:spPr>
+      </p:pic>
+      <p:sp>
+        <p:nvSpPr>
+          <p:cNvPr id="2" name="Title 1"/>
+          <p:cNvSpPr>
+            <a:spLocks noGrp="1"/>
+          </p:cNvSpPr>
+          <p:nvPr>
+            <p:ph type="title"/>
+          </p:nvPr>
+        </p:nvSpPr>
+        <p:spPr/>
+        <p:txBody>
+          <a:bodyPr/>
+          <a:lstStyle/>
+          <a:p>
+            <a:r>
+              <a:rPr lang="nl-NL" dirty="0" smtClean="0">
+                <a:solidFill>
+                  <a:schemeClr val="bg1"/>
+                </a:solidFill>
+              </a:rPr>
+              <a:t>Visualization</a:t>
+            </a:r>
+            <a:endParaRPr lang="nl-NL" dirty="0">
+              <a:solidFill>
+                <a:schemeClr val="bg1"/>
+              </a:solidFill>
+            </a:endParaRPr>
+          </a:p>
+        </p:txBody>
+      </p:sp>
+      <p:sp>
+        <p:nvSpPr>
+          <p:cNvPr id="6" name="Content Placeholder 5"/>
+          <p:cNvSpPr>
+            <a:spLocks noGrp="1"/>
+          </p:cNvSpPr>
+          <p:nvPr>
+            <p:ph idx="1"/>
+          </p:nvPr>
+        </p:nvSpPr>
+        <p:spPr/>
+        <p:txBody>
+          <a:bodyPr/>
+          <a:lstStyle/>
+          <a:p>
+            <a:r>
+              <a:rPr lang="nl-NL" dirty="0">
+                <a:solidFill>
+                  <a:schemeClr val="bg1"/>
+                </a:solidFill>
+              </a:rPr>
+              <a:t>Average </a:t>
+            </a:r>
+            <a:r>
+              <a:rPr lang="nl-NL" dirty="0" smtClean="0">
+                <a:solidFill>
+                  <a:schemeClr val="bg1"/>
+                </a:solidFill>
+              </a:rPr>
+              <a:t>GSR</a:t>
+            </a:r>
+            <a:endParaRPr lang="nl-NL" dirty="0">
+              <a:solidFill>
+                <a:schemeClr val="bg1"/>
+              </a:solidFill>
+            </a:endParaRPr>
+          </a:p>
+        </p:txBody>
+      </p:sp>
+      <p:sp>
+        <p:nvSpPr>
+          <p:cNvPr id="3" name="Slide Number Placeholder 2"/>
+          <p:cNvSpPr>
+            <a:spLocks noGrp="1"/>
+          </p:cNvSpPr>
+          <p:nvPr>
+            <p:ph type="sldNum" sz="quarter" idx="12"/>
+          </p:nvPr>
+        </p:nvSpPr>
+        <p:spPr/>
+        <p:txBody>
+          <a:bodyPr/>
+          <a:lstStyle/>
+          <a:p>
+            <a:fld id="{629637A9-119A-49DA-BD12-AAC58B377D80}" type="slidenum">
+              <a:rPr lang="en-US" smtClean="0"/>
+              <a:t>28</a:t>
+            </a:fld>
+            <a:endParaRPr lang="en-US" dirty="0"/>
+          </a:p>
+        </p:txBody>
+      </p:sp>
+    </p:spTree>
+    <p:extLst>
+      <p:ext uri="{BB962C8B-B14F-4D97-AF65-F5344CB8AC3E}">
+        <p14:creationId xmlns:p14="http://schemas.microsoft.com/office/powerpoint/2010/main" val="2223941995"/>
+      </p:ext>
+    </p:extLst>
+  </p:cSld>
+  <p:clrMapOvr>
+    <a:masterClrMapping/>
+  </p:clrMapOvr>
+  <mc:AlternateContent xmlns:mc="http://schemas.openxmlformats.org/markup-compatibility/2006">
+    <mc:Choice xmlns:p14="http://schemas.microsoft.com/office/powerpoint/2010/main" Requires="p14">
+      <p:transition spd="slow" p14:dur="2000"/>
+    </mc:Choice>
+    <mc:Fallback>
+      <p:transition spd="slow"/>
+    </mc:Fallback>
+  </mc:AlternateContent>
+  <p:timing>
+    <p:tnLst>
+      <p:par>
+        <p:cTn id="1" dur="indefinite" restart="never" nodeType="tmRoot"/>
+      </p:par>
+    </p:tnLst>
+  </p:timing>
+</p:sld>
+</file>
+
+<file path=ppt/slides/slide29.xml><?xml version="1.0" encoding="utf-8"?>
+<p:sld xmlns:a="http://schemas.openxmlformats.org/drawingml/2006/main" xmlns:r="http://schemas.openxmlformats.org/officeDocument/2006/relationships" xmlns:p="http://schemas.openxmlformats.org/presentationml/2006/main">
+  <p:cSld>
+    <p:spTree>
+      <p:nvGrpSpPr>
+        <p:cNvPr id="1" name=""/>
+        <p:cNvGrpSpPr/>
+        <p:nvPr/>
+      </p:nvGrpSpPr>
+      <p:grpSpPr>
+        <a:xfrm>
+          <a:off x="0" y="0"/>
+          <a:ext cx="0" cy="0"/>
+          <a:chOff x="0" y="0"/>
+          <a:chExt cx="0" cy="0"/>
+        </a:xfrm>
+      </p:grpSpPr>
+      <p:sp>
+        <p:nvSpPr>
+          <p:cNvPr id="2" name="Title 1"/>
+          <p:cNvSpPr>
+            <a:spLocks noGrp="1"/>
+          </p:cNvSpPr>
+          <p:nvPr>
+            <p:ph type="title"/>
+          </p:nvPr>
+        </p:nvSpPr>
+        <p:spPr/>
+        <p:txBody>
+          <a:bodyPr/>
+          <a:lstStyle/>
+          <a:p>
+            <a:r>
+              <a:rPr lang="nl-NL" dirty="0" smtClean="0"/>
+              <a:t>Visualization</a:t>
+            </a:r>
+            <a:endParaRPr lang="nl-NL" dirty="0"/>
+          </a:p>
+        </p:txBody>
+      </p:sp>
+      <p:pic>
+        <p:nvPicPr>
+          <p:cNvPr id="4" name="Content Placeholder 3"/>
+          <p:cNvPicPr>
+            <a:picLocks noGrp="1" noChangeAspect="1"/>
+          </p:cNvPicPr>
+          <p:nvPr>
+            <p:ph idx="1"/>
+          </p:nvPr>
+        </p:nvPicPr>
+        <p:blipFill rotWithShape="1">
+          <a:blip r:embed="rId2">
+            <a:extLst>
+              <a:ext uri="{28A0092B-C50C-407E-A947-70E740481C1C}">
+                <a14:useLocalDpi xmlns:a14="http://schemas.microsoft.com/office/drawing/2010/main" val="0"/>
+              </a:ext>
+            </a:extLst>
+          </a:blip>
+          <a:srcRect t="11932" b="3221"/>
+          <a:stretch/>
+        </p:blipFill>
+        <p:spPr>
+          <a:xfrm>
+            <a:off x="2090230" y="1857080"/>
+            <a:ext cx="8071866" cy="4458879"/>
+          </a:xfrm>
+        </p:spPr>
+      </p:pic>
+      <p:sp>
+        <p:nvSpPr>
+          <p:cNvPr id="5" name="Rectangle 4"/>
+          <p:cNvSpPr/>
+          <p:nvPr/>
+        </p:nvSpPr>
+        <p:spPr>
+          <a:xfrm>
+            <a:off x="1101626" y="1857080"/>
+            <a:ext cx="1977208" cy="369332"/>
+          </a:xfrm>
+          <a:prstGeom prst="rect">
+            <a:avLst/>
+          </a:prstGeom>
+        </p:spPr>
+        <p:txBody>
+          <a:bodyPr wrap="none">
+            <a:spAutoFit/>
+          </a:bodyPr>
+          <a:lstStyle/>
+          <a:p>
+            <a:r>
+              <a:rPr lang="nl-NL" dirty="0" smtClean="0"/>
+              <a:t>Standard Deviation</a:t>
+            </a:r>
+            <a:endParaRPr lang="nl-NL" dirty="0"/>
+          </a:p>
+        </p:txBody>
+      </p:sp>
+      <p:sp>
+        <p:nvSpPr>
+          <p:cNvPr id="3" name="Slide Number Placeholder 2"/>
+          <p:cNvSpPr>
+            <a:spLocks noGrp="1"/>
+          </p:cNvSpPr>
+          <p:nvPr>
+            <p:ph type="sldNum" sz="quarter" idx="12"/>
+          </p:nvPr>
+        </p:nvSpPr>
+        <p:spPr/>
+        <p:txBody>
+          <a:bodyPr/>
+          <a:lstStyle/>
+          <a:p>
+            <a:fld id="{629637A9-119A-49DA-BD12-AAC58B377D80}" type="slidenum">
+              <a:rPr lang="en-US" smtClean="0"/>
+              <a:t>29</a:t>
+            </a:fld>
+            <a:endParaRPr lang="en-US" dirty="0"/>
+          </a:p>
+        </p:txBody>
+      </p:sp>
+    </p:spTree>
+    <p:extLst>
+      <p:ext uri="{BB962C8B-B14F-4D97-AF65-F5344CB8AC3E}">
+        <p14:creationId xmlns:p14="http://schemas.microsoft.com/office/powerpoint/2010/main" val="820752347"/>
+      </p:ext>
+    </p:extLst>
+  </p:cSld>
+  <p:clrMapOvr>
+    <a:masterClrMapping/>
+  </p:clrMapOvr>
+  <mc:AlternateContent xmlns:mc="http://schemas.openxmlformats.org/markup-compatibility/2006">
+    <mc:Choice xmlns:p14="http://schemas.microsoft.com/office/powerpoint/2010/main" Requires="p14">
+      <p:transition spd="slow" p14:dur="2000"/>
+    </mc:Choice>
+    <mc:Fallback>
+      <p:transition spd="slow"/>
+    </mc:Fallback>
+  </mc:AlternateContent>
+  <p:timing>
+    <p:tnLst>
+      <p:par>
+        <p:cTn id="1" dur="indefinite" restart="never" nodeType="tmRoot"/>
+      </p:par>
+    </p:tnLst>
+  </p:timing>
+</p:sld>
+</file>
+
+<file path=ppt/slides/slide3.xml><?xml version="1.0" encoding="utf-8"?>
+<p:sld xmlns:a="http://schemas.openxmlformats.org/drawingml/2006/main" xmlns:r="http://schemas.openxmlformats.org/officeDocument/2006/relationships" xmlns:p="http://schemas.openxmlformats.org/presentationml/2006/main">
+  <p:cSld>
+    <p:spTree>
+      <p:nvGrpSpPr>
+        <p:cNvPr id="1" name=""/>
+        <p:cNvGrpSpPr/>
+        <p:nvPr/>
+      </p:nvGrpSpPr>
+      <p:grpSpPr>
+        <a:xfrm>
+          <a:off x="0" y="0"/>
+          <a:ext cx="0" cy="0"/>
+          <a:chOff x="0" y="0"/>
+          <a:chExt cx="0" cy="0"/>
+        </a:xfrm>
+      </p:grpSpPr>
+      <p:sp>
+        <p:nvSpPr>
+          <p:cNvPr id="2" name="Title 1"/>
+          <p:cNvSpPr>
+            <a:spLocks noGrp="1"/>
+          </p:cNvSpPr>
+          <p:nvPr>
+            <p:ph type="title"/>
+          </p:nvPr>
+        </p:nvSpPr>
+        <p:spPr/>
+        <p:txBody>
+          <a:bodyPr/>
+          <a:lstStyle/>
+          <a:p>
+            <a:r>
+              <a:rPr lang="nl-NL" smtClean="0"/>
+              <a:t>Why determine cognitive </a:t>
+            </a:r>
+            <a:r>
+              <a:rPr lang="nl-NL" dirty="0" smtClean="0"/>
+              <a:t>load?</a:t>
+            </a:r>
+            <a:endParaRPr lang="nl-NL" dirty="0"/>
+          </a:p>
+        </p:txBody>
+      </p:sp>
+      <p:sp>
+        <p:nvSpPr>
+          <p:cNvPr id="3" name="Content Placeholder 2"/>
+          <p:cNvSpPr>
+            <a:spLocks noGrp="1"/>
+          </p:cNvSpPr>
+          <p:nvPr>
+            <p:ph idx="1"/>
+          </p:nvPr>
+        </p:nvSpPr>
+        <p:spPr/>
+        <p:txBody>
+          <a:bodyPr/>
+          <a:lstStyle/>
+          <a:p>
+            <a:pPr>
+              <a:buFont typeface="Wingdings" panose="05000000000000000000" pitchFamily="2" charset="2"/>
+              <a:buChar char="§"/>
+            </a:pPr>
+            <a:r>
+              <a:rPr lang="nl-NL" dirty="0"/>
+              <a:t>  Classroom </a:t>
+            </a:r>
+            <a:r>
+              <a:rPr lang="nl-NL" dirty="0" smtClean="0"/>
+              <a:t>applications</a:t>
+            </a:r>
+          </a:p>
+          <a:p>
+            <a:pPr>
+              <a:buFont typeface="Wingdings" panose="05000000000000000000" pitchFamily="2" charset="2"/>
+              <a:buChar char="§"/>
+            </a:pPr>
+            <a:r>
+              <a:rPr lang="nl-NL" dirty="0" smtClean="0"/>
+              <a:t> </a:t>
+            </a:r>
+            <a:r>
+              <a:rPr lang="nl-NL" dirty="0"/>
+              <a:t>Automatic difficulty adjustment in applications (such as games)</a:t>
+            </a:r>
+          </a:p>
+          <a:p>
+            <a:pPr>
+              <a:buFont typeface="Wingdings" panose="05000000000000000000" pitchFamily="2" charset="2"/>
+              <a:buChar char="§"/>
+            </a:pPr>
+            <a:r>
+              <a:rPr lang="nl-NL" dirty="0" smtClean="0"/>
+              <a:t> “You </a:t>
+            </a:r>
+            <a:r>
+              <a:rPr lang="nl-NL" dirty="0" smtClean="0"/>
+              <a:t>should take a break”</a:t>
+            </a:r>
+          </a:p>
+          <a:p>
+            <a:pPr>
+              <a:buFont typeface="Wingdings" panose="05000000000000000000" pitchFamily="2" charset="2"/>
+              <a:buChar char="§"/>
+            </a:pPr>
+            <a:r>
+              <a:rPr lang="nl-NL" dirty="0" smtClean="0"/>
+              <a:t>People </a:t>
+            </a:r>
+            <a:r>
+              <a:rPr lang="nl-NL" dirty="0" smtClean="0"/>
+              <a:t>on the autism spectrum do display physiological </a:t>
+            </a:r>
+            <a:r>
+              <a:rPr lang="nl-NL" dirty="0" smtClean="0"/>
+              <a:t>response</a:t>
+            </a:r>
+            <a:endParaRPr lang="nl-NL" dirty="0" smtClean="0"/>
+          </a:p>
+        </p:txBody>
+      </p:sp>
+      <p:sp>
+        <p:nvSpPr>
+          <p:cNvPr id="4" name="Slide Number Placeholder 3"/>
+          <p:cNvSpPr>
+            <a:spLocks noGrp="1"/>
+          </p:cNvSpPr>
+          <p:nvPr>
+            <p:ph type="sldNum" sz="quarter" idx="12"/>
+          </p:nvPr>
+        </p:nvSpPr>
+        <p:spPr/>
+        <p:txBody>
+          <a:bodyPr/>
+          <a:lstStyle/>
+          <a:p>
+            <a:fld id="{629637A9-119A-49DA-BD12-AAC58B377D80}" type="slidenum">
+              <a:rPr lang="en-US" smtClean="0"/>
+              <a:t>3</a:t>
+            </a:fld>
+            <a:endParaRPr lang="en-US" dirty="0"/>
+          </a:p>
+        </p:txBody>
+      </p:sp>
+    </p:spTree>
+    <p:extLst>
+      <p:ext uri="{BB962C8B-B14F-4D97-AF65-F5344CB8AC3E}">
+        <p14:creationId xmlns:p14="http://schemas.microsoft.com/office/powerpoint/2010/main" val="2537843903"/>
+      </p:ext>
+    </p:extLst>
+  </p:cSld>
+  <p:clrMapOvr>
+    <a:masterClrMapping/>
+  </p:clrMapOvr>
+  <mc:AlternateContent xmlns:mc="http://schemas.openxmlformats.org/markup-compatibility/2006">
+    <mc:Choice xmlns:p14="http://schemas.microsoft.com/office/powerpoint/2010/main" Requires="p14">
+      <p:transition spd="slow" p14:dur="2000"/>
+    </mc:Choice>
+    <mc:Fallback>
+      <p:transition spd="slow"/>
+    </mc:Fallback>
+  </mc:AlternateContent>
+  <p:timing>
+    <p:tnLst>
+      <p:par>
+        <p:cTn id="1" dur="indefinite" restart="never" nodeType="tmRoot"/>
+      </p:par>
+    </p:tnLst>
+  </p:timing>
+</p:sld>
+</file>
+
+<file path=ppt/slides/slide30.xml><?xml version="1.0" encoding="utf-8"?>
+<p:sld xmlns:a="http://schemas.openxmlformats.org/drawingml/2006/main" xmlns:r="http://schemas.openxmlformats.org/officeDocument/2006/relationships" xmlns:p="http://schemas.openxmlformats.org/presentationml/2006/main">
+  <p:cSld>
+    <p:spTree>
+      <p:nvGrpSpPr>
+        <p:cNvPr id="1" name=""/>
+        <p:cNvGrpSpPr/>
+        <p:nvPr/>
+      </p:nvGrpSpPr>
+      <p:grpSpPr>
+        <a:xfrm>
+          <a:off x="0" y="0"/>
+          <a:ext cx="0" cy="0"/>
+          <a:chOff x="0" y="0"/>
+          <a:chExt cx="0" cy="0"/>
+        </a:xfrm>
+      </p:grpSpPr>
+      <p:pic>
+        <p:nvPicPr>
+          <p:cNvPr id="3" name="Picture 2"/>
+          <p:cNvPicPr>
+            <a:picLocks noChangeAspect="1"/>
+          </p:cNvPicPr>
+          <p:nvPr/>
+        </p:nvPicPr>
+        <p:blipFill>
+          <a:blip r:embed="rId3">
+            <a:extLst>
+              <a:ext uri="{28A0092B-C50C-407E-A947-70E740481C1C}">
+                <a14:useLocalDpi xmlns:a14="http://schemas.microsoft.com/office/drawing/2010/main" val="0"/>
+              </a:ext>
+            </a:extLst>
+          </a:blip>
+          <a:stretch>
+            <a:fillRect/>
+          </a:stretch>
+        </p:blipFill>
+        <p:spPr>
+          <a:xfrm>
+            <a:off x="0" y="-539750"/>
+            <a:ext cx="12192000" cy="7937500"/>
+          </a:xfrm>
+          <a:prstGeom prst="rect">
+            <a:avLst/>
+          </a:prstGeom>
+        </p:spPr>
+      </p:pic>
+      <p:sp>
+        <p:nvSpPr>
+          <p:cNvPr id="2" name="Title 1"/>
+          <p:cNvSpPr>
+            <a:spLocks noGrp="1"/>
+          </p:cNvSpPr>
+          <p:nvPr>
+            <p:ph type="title"/>
+          </p:nvPr>
+        </p:nvSpPr>
+        <p:spPr/>
+        <p:txBody>
+          <a:bodyPr/>
+          <a:lstStyle/>
+          <a:p>
+            <a:r>
+              <a:rPr lang="nl-NL" dirty="0" smtClean="0">
+                <a:solidFill>
+                  <a:schemeClr val="bg1"/>
+                </a:solidFill>
+              </a:rPr>
+              <a:t>Visualization</a:t>
+            </a:r>
+            <a:endParaRPr lang="nl-NL" dirty="0">
+              <a:solidFill>
+                <a:schemeClr val="bg1"/>
+              </a:solidFill>
+            </a:endParaRPr>
+          </a:p>
+        </p:txBody>
+      </p:sp>
+      <p:sp>
+        <p:nvSpPr>
+          <p:cNvPr id="6" name="Content Placeholder 5"/>
+          <p:cNvSpPr>
+            <a:spLocks noGrp="1"/>
+          </p:cNvSpPr>
+          <p:nvPr>
+            <p:ph idx="1"/>
+          </p:nvPr>
+        </p:nvSpPr>
+        <p:spPr/>
+        <p:txBody>
+          <a:bodyPr/>
+          <a:lstStyle/>
+          <a:p>
+            <a:r>
+              <a:rPr lang="nl-NL" dirty="0" smtClean="0">
+                <a:solidFill>
+                  <a:schemeClr val="bg1"/>
+                </a:solidFill>
+              </a:rPr>
+              <a:t>Standard Deviation</a:t>
+            </a:r>
+            <a:endParaRPr lang="nl-NL" dirty="0">
+              <a:solidFill>
+                <a:schemeClr val="bg1"/>
+              </a:solidFill>
+            </a:endParaRPr>
+          </a:p>
+        </p:txBody>
+      </p:sp>
+      <p:sp>
+        <p:nvSpPr>
+          <p:cNvPr id="4" name="Slide Number Placeholder 3"/>
+          <p:cNvSpPr>
+            <a:spLocks noGrp="1"/>
+          </p:cNvSpPr>
+          <p:nvPr>
+            <p:ph type="sldNum" sz="quarter" idx="12"/>
+          </p:nvPr>
+        </p:nvSpPr>
+        <p:spPr/>
+        <p:txBody>
+          <a:bodyPr/>
+          <a:lstStyle/>
+          <a:p>
+            <a:fld id="{629637A9-119A-49DA-BD12-AAC58B377D80}" type="slidenum">
+              <a:rPr lang="en-US" smtClean="0"/>
+              <a:t>30</a:t>
+            </a:fld>
+            <a:endParaRPr lang="en-US" dirty="0"/>
+          </a:p>
+        </p:txBody>
+      </p:sp>
+    </p:spTree>
+    <p:extLst>
+      <p:ext uri="{BB962C8B-B14F-4D97-AF65-F5344CB8AC3E}">
+        <p14:creationId xmlns:p14="http://schemas.microsoft.com/office/powerpoint/2010/main" val="489542196"/>
+      </p:ext>
+    </p:extLst>
+  </p:cSld>
+  <p:clrMapOvr>
+    <a:masterClrMapping/>
+  </p:clrMapOvr>
+  <mc:AlternateContent xmlns:mc="http://schemas.openxmlformats.org/markup-compatibility/2006">
+    <mc:Choice xmlns:p14="http://schemas.microsoft.com/office/powerpoint/2010/main" Requires="p14">
+      <p:transition spd="slow" p14:dur="2000"/>
+    </mc:Choice>
+    <mc:Fallback>
+      <p:transition spd="slow"/>
+    </mc:Fallback>
+  </mc:AlternateContent>
+  <p:timing>
+    <p:tnLst>
+      <p:par>
+        <p:cTn id="1" dur="indefinite" restart="never" nodeType="tmRoot"/>
+      </p:par>
+    </p:tnLst>
+  </p:timing>
+</p:sld>
+</file>
+
+<file path=ppt/slides/slide31.xml><?xml version="1.0" encoding="utf-8"?>
+<p:sld xmlns:a="http://schemas.openxmlformats.org/drawingml/2006/main" xmlns:r="http://schemas.openxmlformats.org/officeDocument/2006/relationships" xmlns:p="http://schemas.openxmlformats.org/presentationml/2006/main">
+  <p:cSld>
+    <p:spTree>
+      <p:nvGrpSpPr>
+        <p:cNvPr id="1" name=""/>
+        <p:cNvGrpSpPr/>
+        <p:nvPr/>
+      </p:nvGrpSpPr>
+      <p:grpSpPr>
+        <a:xfrm>
+          <a:off x="0" y="0"/>
+          <a:ext cx="0" cy="0"/>
+          <a:chOff x="0" y="0"/>
+          <a:chExt cx="0" cy="0"/>
+        </a:xfrm>
+      </p:grpSpPr>
       <p:sp>
         <p:nvSpPr>
           <p:cNvPr id="2" name="Title 1"/>
@@ -8612,6 +10408,13 @@
         </p:nvPicPr>
         <p:blipFill>
           <a:blip r:embed="rId2">
+            <a:duotone>
+              <a:schemeClr val="bg2">
+                <a:shade val="45000"/>
+                <a:satMod val="135000"/>
+              </a:schemeClr>
+              <a:prstClr val="white"/>
+            </a:duotone>
             <a:extLst>
               <a:ext uri="{28A0092B-C50C-407E-A947-70E740481C1C}">
                 <a14:useLocalDpi xmlns:a14="http://schemas.microsoft.com/office/drawing/2010/main" val="0"/>
@@ -8744,7 +10547,7 @@
         <p:spPr>
           <a:xfrm>
             <a:off x="1022226" y="3753167"/>
-            <a:ext cx="5023106" cy="1200329"/>
+            <a:ext cx="4970207" cy="1200329"/>
           </a:xfrm>
           <a:prstGeom prst="rect">
             <a:avLst/>
@@ -8756,13 +10559,20 @@
           </a:bodyPr>
           <a:lstStyle/>
           <a:p>
+            <a:endParaRPr lang="nl-NL" dirty="0" smtClean="0"/>
+          </a:p>
+          <a:p>
             <a:pPr marL="285750" indent="-285750">
               <a:buFont typeface="Wingdings" panose="05000000000000000000" pitchFamily="2" charset="2"/>
               <a:buChar char="§"/>
             </a:pPr>
             <a:r>
               <a:rPr lang="nl-NL" dirty="0" smtClean="0"/>
-              <a:t>CSV data fed to Weka Data Mining Software</a:t>
+              <a:t>CSV data fed </a:t>
+            </a:r>
+            <a:r>
+              <a:rPr lang="nl-NL" dirty="0" smtClean="0"/>
+              <a:t>to Weka Data Mining Software</a:t>
             </a:r>
           </a:p>
           <a:p>
@@ -8772,11 +10582,7 @@
             </a:pPr>
             <a:r>
               <a:rPr lang="nl-NL" dirty="0" smtClean="0"/>
-              <a:t>Easy to try multiple </a:t>
-            </a:r>
-            <a:r>
-              <a:rPr lang="nl-NL" dirty="0" smtClean="0"/>
-              <a:t>classifier training algorithms</a:t>
+              <a:t>Easy to try multiple classifier training algorithms</a:t>
             </a:r>
           </a:p>
           <a:p>
@@ -8786,16 +10592,28 @@
             </a:pPr>
             <a:endParaRPr lang="nl-NL" dirty="0"/>
           </a:p>
-          <a:p>
-            <a:pPr marL="285750" indent="-285750">
-              <a:buFont typeface="Wingdings" panose="05000000000000000000" pitchFamily="2" charset="2"/>
-              <a:buChar char="§"/>
-            </a:pPr>
-            <a:r>
-              <a:rPr lang="nl-NL" dirty="0" smtClean="0"/>
-              <a:t>Also great for visualization</a:t>
-            </a:r>
-            <a:endParaRPr lang="nl-NL" dirty="0"/>
+        </p:txBody>
+      </p:sp>
+      <p:sp>
+        <p:nvSpPr>
+          <p:cNvPr id="3" name="Slide Number Placeholder 2"/>
+          <p:cNvSpPr>
+            <a:spLocks noGrp="1"/>
+          </p:cNvSpPr>
+          <p:nvPr>
+            <p:ph type="sldNum" sz="quarter" idx="12"/>
+          </p:nvPr>
+        </p:nvSpPr>
+        <p:spPr/>
+        <p:txBody>
+          <a:bodyPr/>
+          <a:lstStyle/>
+          <a:p>
+            <a:fld id="{629637A9-119A-49DA-BD12-AAC58B377D80}" type="slidenum">
+              <a:rPr lang="en-US" smtClean="0"/>
+              <a:t>31</a:t>
+            </a:fld>
+            <a:endParaRPr lang="en-US" dirty="0"/>
           </a:p>
         </p:txBody>
       </p:sp>
@@ -8809,6 +10627,14 @@
   <p:clrMapOvr>
     <a:masterClrMapping/>
   </p:clrMapOvr>
+  <mc:AlternateContent xmlns:mc="http://schemas.openxmlformats.org/markup-compatibility/2006">
+    <mc:Choice xmlns:p14="http://schemas.microsoft.com/office/powerpoint/2010/main" Requires="p14">
+      <p:transition spd="slow" p14:dur="2000"/>
+    </mc:Choice>
+    <mc:Fallback>
+      <p:transition spd="slow"/>
+    </mc:Fallback>
+  </mc:AlternateContent>
   <p:timing>
     <p:tnLst>
       <p:par>
@@ -8819,7 +10645,7 @@
 </p:sld>
 </file>
 
-<file path=ppt/slides/slide26.xml><?xml version="1.0" encoding="utf-8"?>
+<file path=ppt/slides/slide32.xml><?xml version="1.0" encoding="utf-8"?>
 <p:sld xmlns:a="http://schemas.openxmlformats.org/drawingml/2006/main" xmlns:r="http://schemas.openxmlformats.org/officeDocument/2006/relationships" xmlns:p="http://schemas.openxmlformats.org/presentationml/2006/main">
   <p:cSld>
     <p:spTree>
@@ -8836,42 +10662,67 @@
           <a:chExt cx="0" cy="0"/>
         </a:xfrm>
       </p:grpSpPr>
-      <p:pic>
-        <p:nvPicPr>
-          <p:cNvPr id="4" name="Content Placeholder 3"/>
-          <p:cNvPicPr>
-            <a:picLocks noGrp="1" noChangeAspect="1"/>
-          </p:cNvPicPr>
+      <p:sp>
+        <p:nvSpPr>
+          <p:cNvPr id="2" name="Title 1"/>
+          <p:cNvSpPr>
+            <a:spLocks noGrp="1"/>
+          </p:cNvSpPr>
+          <p:nvPr>
+            <p:ph type="title"/>
+          </p:nvPr>
+        </p:nvSpPr>
+        <p:spPr/>
+        <p:txBody>
+          <a:bodyPr/>
+          <a:lstStyle/>
+          <a:p>
+            <a:r>
+              <a:rPr lang="nl-NL" dirty="0" smtClean="0"/>
+              <a:t>Classification</a:t>
+            </a:r>
+            <a:endParaRPr lang="nl-NL" dirty="0"/>
+          </a:p>
+        </p:txBody>
+      </p:sp>
+      <p:sp>
+        <p:nvSpPr>
+          <p:cNvPr id="3" name="Content Placeholder 2"/>
+          <p:cNvSpPr>
+            <a:spLocks noGrp="1"/>
+          </p:cNvSpPr>
           <p:nvPr>
             <p:ph idx="1"/>
           </p:nvPr>
-        </p:nvPicPr>
-        <p:blipFill rotWithShape="1">
-          <a:blip r:embed="rId2">
-            <a:extLst>
-              <a:ext uri="{28A0092B-C50C-407E-A947-70E740481C1C}">
-                <a14:useLocalDpi xmlns:a14="http://schemas.microsoft.com/office/drawing/2010/main" val="0"/>
-              </a:ext>
-            </a:extLst>
-          </a:blip>
-          <a:srcRect t="11434" b="2765"/>
-          <a:stretch/>
-        </p:blipFill>
+        </p:nvSpPr>
         <p:spPr>
           <a:xfrm>
-            <a:off x="2109085" y="1818609"/>
-            <a:ext cx="8034156" cy="4487923"/>
+            <a:off x="1545996" y="3657600"/>
+            <a:ext cx="9609684" cy="2211493"/>
           </a:xfrm>
         </p:spPr>
-      </p:pic>
-      <p:sp>
-        <p:nvSpPr>
-          <p:cNvPr id="2" name="Title 1"/>
-          <p:cNvSpPr>
-            <a:spLocks noGrp="1"/>
-          </p:cNvSpPr>
-          <p:nvPr>
-            <p:ph type="title"/>
+        <p:txBody>
+          <a:bodyPr>
+            <a:normAutofit/>
+          </a:bodyPr>
+          <a:lstStyle/>
+          <a:p>
+            <a:r>
+              <a:rPr lang="nl-NL" sz="2800" dirty="0" smtClean="0"/>
+              <a:t>Can we predict the task difficulty given these features?</a:t>
+            </a:r>
+            <a:endParaRPr lang="nl-NL" sz="2800" dirty="0"/>
+          </a:p>
+        </p:txBody>
+      </p:sp>
+      <p:sp>
+        <p:nvSpPr>
+          <p:cNvPr id="4" name="Slide Number Placeholder 3"/>
+          <p:cNvSpPr>
+            <a:spLocks noGrp="1"/>
+          </p:cNvSpPr>
+          <p:nvPr>
+            <p:ph type="sldNum" sz="quarter" idx="12"/>
           </p:nvPr>
         </p:nvSpPr>
         <p:spPr/>
@@ -8879,799 +10730,28 @@
           <a:bodyPr/>
           <a:lstStyle/>
           <a:p>
-            <a:r>
-              <a:rPr lang="nl-NL" dirty="0" smtClean="0"/>
-              <a:t>Visualization</a:t>
-            </a:r>
-            <a:endParaRPr lang="nl-NL" dirty="0"/>
-          </a:p>
-        </p:txBody>
-      </p:sp>
-      <p:sp>
-        <p:nvSpPr>
-          <p:cNvPr id="5" name="Rectangle 4"/>
-          <p:cNvSpPr/>
-          <p:nvPr/>
-        </p:nvSpPr>
-        <p:spPr>
-          <a:xfrm>
-            <a:off x="1097280" y="1818609"/>
-            <a:ext cx="1502142" cy="400110"/>
-          </a:xfrm>
-          <a:prstGeom prst="rect">
-            <a:avLst/>
-          </a:prstGeom>
-        </p:spPr>
-        <p:txBody>
-          <a:bodyPr wrap="none">
-            <a:spAutoFit/>
-          </a:bodyPr>
-          <a:lstStyle/>
-          <a:p>
-            <a:r>
-              <a:rPr lang="nl-NL" sz="2000" dirty="0"/>
-              <a:t>Average </a:t>
-            </a:r>
-            <a:r>
-              <a:rPr lang="nl-NL" sz="2000" dirty="0" smtClean="0"/>
-              <a:t>GSR</a:t>
-            </a:r>
-            <a:endParaRPr lang="nl-NL" sz="2000" dirty="0"/>
+            <a:fld id="{629637A9-119A-49DA-BD12-AAC58B377D80}" type="slidenum">
+              <a:rPr lang="en-US" smtClean="0"/>
+              <a:t>32</a:t>
+            </a:fld>
+            <a:endParaRPr lang="en-US" dirty="0"/>
           </a:p>
         </p:txBody>
       </p:sp>
     </p:spTree>
     <p:extLst>
       <p:ext uri="{BB962C8B-B14F-4D97-AF65-F5344CB8AC3E}">
-        <p14:creationId xmlns:p14="http://schemas.microsoft.com/office/powerpoint/2010/main" val="875926806"/>
+        <p14:creationId xmlns:p14="http://schemas.microsoft.com/office/powerpoint/2010/main" val="3165650392"/>
       </p:ext>
     </p:extLst>
   </p:cSld>
   <p:clrMapOvr>
     <a:masterClrMapping/>
   </p:clrMapOvr>
-  <p:timing>
-    <p:tnLst>
-      <p:par>
-        <p:cTn id="1" dur="indefinite" restart="never" nodeType="tmRoot"/>
-      </p:par>
-    </p:tnLst>
-  </p:timing>
 </p:sld>
 </file>
 
-<file path=ppt/slides/slide27.xml><?xml version="1.0" encoding="utf-8"?>
-<p:sld xmlns:a="http://schemas.openxmlformats.org/drawingml/2006/main" xmlns:r="http://schemas.openxmlformats.org/officeDocument/2006/relationships" xmlns:p="http://schemas.openxmlformats.org/presentationml/2006/main">
-  <p:cSld>
-    <p:spTree>
-      <p:nvGrpSpPr>
-        <p:cNvPr id="1" name=""/>
-        <p:cNvGrpSpPr/>
-        <p:nvPr/>
-      </p:nvGrpSpPr>
-      <p:grpSpPr>
-        <a:xfrm>
-          <a:off x="0" y="0"/>
-          <a:ext cx="0" cy="0"/>
-          <a:chOff x="0" y="0"/>
-          <a:chExt cx="0" cy="0"/>
-        </a:xfrm>
-      </p:grpSpPr>
-      <p:pic>
-        <p:nvPicPr>
-          <p:cNvPr id="5" name="Picture 4"/>
-          <p:cNvPicPr>
-            <a:picLocks noChangeAspect="1"/>
-          </p:cNvPicPr>
-          <p:nvPr/>
-        </p:nvPicPr>
-        <p:blipFill>
-          <a:blip r:embed="rId3">
-            <a:extLst>
-              <a:ext uri="{28A0092B-C50C-407E-A947-70E740481C1C}">
-                <a14:useLocalDpi xmlns:a14="http://schemas.microsoft.com/office/drawing/2010/main" val="0"/>
-              </a:ext>
-            </a:extLst>
-          </a:blip>
-          <a:stretch>
-            <a:fillRect/>
-          </a:stretch>
-        </p:blipFill>
-        <p:spPr>
-          <a:xfrm>
-            <a:off x="-35659" y="-557968"/>
-            <a:ext cx="12324278" cy="8023618"/>
-          </a:xfrm>
-          <a:prstGeom prst="rect">
-            <a:avLst/>
-          </a:prstGeom>
-        </p:spPr>
-      </p:pic>
-      <p:sp>
-        <p:nvSpPr>
-          <p:cNvPr id="2" name="Title 1"/>
-          <p:cNvSpPr>
-            <a:spLocks noGrp="1"/>
-          </p:cNvSpPr>
-          <p:nvPr>
-            <p:ph type="title"/>
-          </p:nvPr>
-        </p:nvSpPr>
-        <p:spPr/>
-        <p:txBody>
-          <a:bodyPr/>
-          <a:lstStyle/>
-          <a:p>
-            <a:r>
-              <a:rPr lang="nl-NL" dirty="0" smtClean="0">
-                <a:solidFill>
-                  <a:schemeClr val="bg1"/>
-                </a:solidFill>
-              </a:rPr>
-              <a:t>Visualization</a:t>
-            </a:r>
-            <a:endParaRPr lang="nl-NL" dirty="0">
-              <a:solidFill>
-                <a:schemeClr val="bg1"/>
-              </a:solidFill>
-            </a:endParaRPr>
-          </a:p>
-        </p:txBody>
-      </p:sp>
-      <p:sp>
-        <p:nvSpPr>
-          <p:cNvPr id="6" name="Content Placeholder 5"/>
-          <p:cNvSpPr>
-            <a:spLocks noGrp="1"/>
-          </p:cNvSpPr>
-          <p:nvPr>
-            <p:ph idx="1"/>
-          </p:nvPr>
-        </p:nvSpPr>
-        <p:spPr/>
-        <p:txBody>
-          <a:bodyPr/>
-          <a:lstStyle/>
-          <a:p>
-            <a:r>
-              <a:rPr lang="nl-NL" dirty="0">
-                <a:solidFill>
-                  <a:schemeClr val="bg1"/>
-                </a:solidFill>
-              </a:rPr>
-              <a:t>Average </a:t>
-            </a:r>
-            <a:r>
-              <a:rPr lang="nl-NL" dirty="0" smtClean="0">
-                <a:solidFill>
-                  <a:schemeClr val="bg1"/>
-                </a:solidFill>
-              </a:rPr>
-              <a:t>GSR</a:t>
-            </a:r>
-            <a:endParaRPr lang="nl-NL" dirty="0">
-              <a:solidFill>
-                <a:schemeClr val="bg1"/>
-              </a:solidFill>
-            </a:endParaRPr>
-          </a:p>
-        </p:txBody>
-      </p:sp>
-    </p:spTree>
-    <p:extLst>
-      <p:ext uri="{BB962C8B-B14F-4D97-AF65-F5344CB8AC3E}">
-        <p14:creationId xmlns:p14="http://schemas.microsoft.com/office/powerpoint/2010/main" val="2223941995"/>
-      </p:ext>
-    </p:extLst>
-  </p:cSld>
-  <p:clrMapOvr>
-    <a:masterClrMapping/>
-  </p:clrMapOvr>
-  <p:timing>
-    <p:tnLst>
-      <p:par>
-        <p:cTn id="1" dur="indefinite" restart="never" nodeType="tmRoot"/>
-      </p:par>
-    </p:tnLst>
-  </p:timing>
-</p:sld>
-</file>
-
-<file path=ppt/slides/slide28.xml><?xml version="1.0" encoding="utf-8"?>
-<p:sld xmlns:a="http://schemas.openxmlformats.org/drawingml/2006/main" xmlns:r="http://schemas.openxmlformats.org/officeDocument/2006/relationships" xmlns:p="http://schemas.openxmlformats.org/presentationml/2006/main">
-  <p:cSld>
-    <p:spTree>
-      <p:nvGrpSpPr>
-        <p:cNvPr id="1" name=""/>
-        <p:cNvGrpSpPr/>
-        <p:nvPr/>
-      </p:nvGrpSpPr>
-      <p:grpSpPr>
-        <a:xfrm>
-          <a:off x="0" y="0"/>
-          <a:ext cx="0" cy="0"/>
-          <a:chOff x="0" y="0"/>
-          <a:chExt cx="0" cy="0"/>
-        </a:xfrm>
-      </p:grpSpPr>
-      <p:sp>
-        <p:nvSpPr>
-          <p:cNvPr id="2" name="Title 1"/>
-          <p:cNvSpPr>
-            <a:spLocks noGrp="1"/>
-          </p:cNvSpPr>
-          <p:nvPr>
-            <p:ph type="title"/>
-          </p:nvPr>
-        </p:nvSpPr>
-        <p:spPr/>
-        <p:txBody>
-          <a:bodyPr/>
-          <a:lstStyle/>
-          <a:p>
-            <a:r>
-              <a:rPr lang="nl-NL" dirty="0" smtClean="0"/>
-              <a:t>Visualization</a:t>
-            </a:r>
-            <a:endParaRPr lang="nl-NL" dirty="0"/>
-          </a:p>
-        </p:txBody>
-      </p:sp>
-      <p:pic>
-        <p:nvPicPr>
-          <p:cNvPr id="4" name="Content Placeholder 3"/>
-          <p:cNvPicPr>
-            <a:picLocks noGrp="1" noChangeAspect="1"/>
-          </p:cNvPicPr>
-          <p:nvPr>
-            <p:ph idx="1"/>
-          </p:nvPr>
-        </p:nvPicPr>
-        <p:blipFill rotWithShape="1">
-          <a:blip r:embed="rId2">
-            <a:extLst>
-              <a:ext uri="{28A0092B-C50C-407E-A947-70E740481C1C}">
-                <a14:useLocalDpi xmlns:a14="http://schemas.microsoft.com/office/drawing/2010/main" val="0"/>
-              </a:ext>
-            </a:extLst>
-          </a:blip>
-          <a:srcRect t="11932" b="3221"/>
-          <a:stretch/>
-        </p:blipFill>
-        <p:spPr>
-          <a:xfrm>
-            <a:off x="2090230" y="1857080"/>
-            <a:ext cx="8071866" cy="4458879"/>
-          </a:xfrm>
-        </p:spPr>
-      </p:pic>
-      <p:sp>
-        <p:nvSpPr>
-          <p:cNvPr id="5" name="Rectangle 4"/>
-          <p:cNvSpPr/>
-          <p:nvPr/>
-        </p:nvSpPr>
-        <p:spPr>
-          <a:xfrm>
-            <a:off x="1101626" y="1857080"/>
-            <a:ext cx="1977208" cy="369332"/>
-          </a:xfrm>
-          <a:prstGeom prst="rect">
-            <a:avLst/>
-          </a:prstGeom>
-        </p:spPr>
-        <p:txBody>
-          <a:bodyPr wrap="none">
-            <a:spAutoFit/>
-          </a:bodyPr>
-          <a:lstStyle/>
-          <a:p>
-            <a:r>
-              <a:rPr lang="nl-NL" dirty="0" smtClean="0"/>
-              <a:t>Standard Deviation</a:t>
-            </a:r>
-            <a:endParaRPr lang="nl-NL" dirty="0"/>
-          </a:p>
-        </p:txBody>
-      </p:sp>
-    </p:spTree>
-    <p:extLst>
-      <p:ext uri="{BB962C8B-B14F-4D97-AF65-F5344CB8AC3E}">
-        <p14:creationId xmlns:p14="http://schemas.microsoft.com/office/powerpoint/2010/main" val="820752347"/>
-      </p:ext>
-    </p:extLst>
-  </p:cSld>
-  <p:clrMapOvr>
-    <a:masterClrMapping/>
-  </p:clrMapOvr>
-  <p:timing>
-    <p:tnLst>
-      <p:par>
-        <p:cTn id="1" dur="indefinite" restart="never" nodeType="tmRoot"/>
-      </p:par>
-    </p:tnLst>
-  </p:timing>
-</p:sld>
-</file>
-
-<file path=ppt/slides/slide29.xml><?xml version="1.0" encoding="utf-8"?>
-<p:sld xmlns:a="http://schemas.openxmlformats.org/drawingml/2006/main" xmlns:r="http://schemas.openxmlformats.org/officeDocument/2006/relationships" xmlns:p="http://schemas.openxmlformats.org/presentationml/2006/main">
-  <p:cSld>
-    <p:spTree>
-      <p:nvGrpSpPr>
-        <p:cNvPr id="1" name=""/>
-        <p:cNvGrpSpPr/>
-        <p:nvPr/>
-      </p:nvGrpSpPr>
-      <p:grpSpPr>
-        <a:xfrm>
-          <a:off x="0" y="0"/>
-          <a:ext cx="0" cy="0"/>
-          <a:chOff x="0" y="0"/>
-          <a:chExt cx="0" cy="0"/>
-        </a:xfrm>
-      </p:grpSpPr>
-      <p:pic>
-        <p:nvPicPr>
-          <p:cNvPr id="3" name="Picture 2"/>
-          <p:cNvPicPr>
-            <a:picLocks noChangeAspect="1"/>
-          </p:cNvPicPr>
-          <p:nvPr/>
-        </p:nvPicPr>
-        <p:blipFill>
-          <a:blip r:embed="rId3">
-            <a:extLst>
-              <a:ext uri="{28A0092B-C50C-407E-A947-70E740481C1C}">
-                <a14:useLocalDpi xmlns:a14="http://schemas.microsoft.com/office/drawing/2010/main" val="0"/>
-              </a:ext>
-            </a:extLst>
-          </a:blip>
-          <a:stretch>
-            <a:fillRect/>
-          </a:stretch>
-        </p:blipFill>
-        <p:spPr>
-          <a:xfrm>
-            <a:off x="0" y="-539750"/>
-            <a:ext cx="12192000" cy="7937500"/>
-          </a:xfrm>
-          <a:prstGeom prst="rect">
-            <a:avLst/>
-          </a:prstGeom>
-        </p:spPr>
-      </p:pic>
-      <p:sp>
-        <p:nvSpPr>
-          <p:cNvPr id="2" name="Title 1"/>
-          <p:cNvSpPr>
-            <a:spLocks noGrp="1"/>
-          </p:cNvSpPr>
-          <p:nvPr>
-            <p:ph type="title"/>
-          </p:nvPr>
-        </p:nvSpPr>
-        <p:spPr/>
-        <p:txBody>
-          <a:bodyPr/>
-          <a:lstStyle/>
-          <a:p>
-            <a:r>
-              <a:rPr lang="nl-NL" dirty="0" smtClean="0">
-                <a:solidFill>
-                  <a:schemeClr val="bg1"/>
-                </a:solidFill>
-              </a:rPr>
-              <a:t>Visualization</a:t>
-            </a:r>
-            <a:endParaRPr lang="nl-NL" dirty="0">
-              <a:solidFill>
-                <a:schemeClr val="bg1"/>
-              </a:solidFill>
-            </a:endParaRPr>
-          </a:p>
-        </p:txBody>
-      </p:sp>
-      <p:sp>
-        <p:nvSpPr>
-          <p:cNvPr id="6" name="Content Placeholder 5"/>
-          <p:cNvSpPr>
-            <a:spLocks noGrp="1"/>
-          </p:cNvSpPr>
-          <p:nvPr>
-            <p:ph idx="1"/>
-          </p:nvPr>
-        </p:nvSpPr>
-        <p:spPr/>
-        <p:txBody>
-          <a:bodyPr/>
-          <a:lstStyle/>
-          <a:p>
-            <a:r>
-              <a:rPr lang="nl-NL" dirty="0" smtClean="0">
-                <a:solidFill>
-                  <a:schemeClr val="bg1"/>
-                </a:solidFill>
-              </a:rPr>
-              <a:t>Standard Deviation</a:t>
-            </a:r>
-            <a:endParaRPr lang="nl-NL" dirty="0">
-              <a:solidFill>
-                <a:schemeClr val="bg1"/>
-              </a:solidFill>
-            </a:endParaRPr>
-          </a:p>
-        </p:txBody>
-      </p:sp>
-    </p:spTree>
-    <p:extLst>
-      <p:ext uri="{BB962C8B-B14F-4D97-AF65-F5344CB8AC3E}">
-        <p14:creationId xmlns:p14="http://schemas.microsoft.com/office/powerpoint/2010/main" val="489542196"/>
-      </p:ext>
-    </p:extLst>
-  </p:cSld>
-  <p:clrMapOvr>
-    <a:masterClrMapping/>
-  </p:clrMapOvr>
-  <p:timing>
-    <p:tnLst>
-      <p:par>
-        <p:cTn id="1" dur="indefinite" restart="never" nodeType="tmRoot"/>
-      </p:par>
-    </p:tnLst>
-  </p:timing>
-</p:sld>
-</file>
-
-<file path=ppt/slides/slide3.xml><?xml version="1.0" encoding="utf-8"?>
-<p:sld xmlns:a="http://schemas.openxmlformats.org/drawingml/2006/main" xmlns:r="http://schemas.openxmlformats.org/officeDocument/2006/relationships" xmlns:p="http://schemas.openxmlformats.org/presentationml/2006/main">
-  <p:cSld>
-    <p:spTree>
-      <p:nvGrpSpPr>
-        <p:cNvPr id="1" name=""/>
-        <p:cNvGrpSpPr/>
-        <p:nvPr/>
-      </p:nvGrpSpPr>
-      <p:grpSpPr>
-        <a:xfrm>
-          <a:off x="0" y="0"/>
-          <a:ext cx="0" cy="0"/>
-          <a:chOff x="0" y="0"/>
-          <a:chExt cx="0" cy="0"/>
-        </a:xfrm>
-      </p:grpSpPr>
-      <p:sp>
-        <p:nvSpPr>
-          <p:cNvPr id="2" name="Title 1"/>
-          <p:cNvSpPr>
-            <a:spLocks noGrp="1"/>
-          </p:cNvSpPr>
-          <p:nvPr>
-            <p:ph type="title"/>
-          </p:nvPr>
-        </p:nvSpPr>
-        <p:spPr/>
-        <p:txBody>
-          <a:bodyPr/>
-          <a:lstStyle/>
-          <a:p>
-            <a:r>
-              <a:rPr lang="nl-NL" dirty="0"/>
-              <a:t>Cognitive load measurement</a:t>
-            </a:r>
-          </a:p>
-        </p:txBody>
-      </p:sp>
-      <p:sp>
-        <p:nvSpPr>
-          <p:cNvPr id="3" name="Content Placeholder 2"/>
-          <p:cNvSpPr>
-            <a:spLocks noGrp="1"/>
-          </p:cNvSpPr>
-          <p:nvPr>
-            <p:ph idx="1"/>
-          </p:nvPr>
-        </p:nvSpPr>
-        <p:spPr/>
-        <p:txBody>
-          <a:bodyPr/>
-          <a:lstStyle/>
-          <a:p>
-            <a:r>
-              <a:rPr lang="en-US" dirty="0"/>
-              <a:t>Many approaches to measuring cognitive load</a:t>
-            </a:r>
-          </a:p>
-          <a:p>
-            <a:endParaRPr lang="nl-NL" dirty="0"/>
-          </a:p>
-        </p:txBody>
-      </p:sp>
-      <p:graphicFrame>
-        <p:nvGraphicFramePr>
-          <p:cNvPr id="4" name="Table 3"/>
-          <p:cNvGraphicFramePr>
-            <a:graphicFrameLocks noGrp="1"/>
-          </p:cNvGraphicFramePr>
-          <p:nvPr>
-            <p:extLst>
-              <p:ext uri="{D42A27DB-BD31-4B8C-83A1-F6EECF244321}">
-                <p14:modId xmlns:p14="http://schemas.microsoft.com/office/powerpoint/2010/main" val="3361985525"/>
-              </p:ext>
-            </p:extLst>
-          </p:nvPr>
-        </p:nvGraphicFramePr>
-        <p:xfrm>
-          <a:off x="1277887" y="2445513"/>
-          <a:ext cx="9229122" cy="3124073"/>
-        </p:xfrm>
-        <a:graphic>
-          <a:graphicData uri="http://schemas.openxmlformats.org/drawingml/2006/table">
-            <a:tbl>
-              <a:tblPr firstRow="1" bandRow="1">
-                <a:tableStyleId>{69CF1AB2-1976-4502-BF36-3FF5EA218861}</a:tableStyleId>
-              </a:tblPr>
-              <a:tblGrid>
-                <a:gridCol w="1856971"/>
-                <a:gridCol w="3686075"/>
-                <a:gridCol w="3686076"/>
-              </a:tblGrid>
-              <a:tr h="833295">
-                <a:tc>
-                  <a:txBody>
-                    <a:bodyPr/>
-                    <a:lstStyle/>
-                    <a:p>
-                      <a:endParaRPr lang="nl-NL" sz="1700" dirty="0"/>
-                    </a:p>
-                  </a:txBody>
-                  <a:tcPr marL="84362" marR="84362" marT="42181" marB="42181">
-                    <a:solidFill>
-                      <a:schemeClr val="bg1"/>
-                    </a:solidFill>
-                  </a:tcPr>
-                </a:tc>
-                <a:tc>
-                  <a:txBody>
-                    <a:bodyPr/>
-                    <a:lstStyle/>
-                    <a:p>
-                      <a:r>
-                        <a:rPr lang="nl-NL" sz="1700" dirty="0" smtClean="0"/>
-                        <a:t>Indirect</a:t>
-                      </a:r>
-                      <a:endParaRPr lang="nl-NL" sz="1700" dirty="0"/>
-                    </a:p>
-                  </a:txBody>
-                  <a:tcPr marL="84362" marR="84362" marT="42181" marB="42181"/>
-                </a:tc>
-                <a:tc>
-                  <a:txBody>
-                    <a:bodyPr/>
-                    <a:lstStyle/>
-                    <a:p>
-                      <a:r>
-                        <a:rPr lang="nl-NL" sz="1700" dirty="0" smtClean="0"/>
-                        <a:t>Direct</a:t>
-                      </a:r>
-                      <a:endParaRPr lang="nl-NL" sz="1700" dirty="0"/>
-                    </a:p>
-                  </a:txBody>
-                  <a:tcPr marL="84362" marR="84362" marT="42181" marB="42181"/>
-                </a:tc>
-              </a:tr>
-              <a:tr h="1112263">
-                <a:tc>
-                  <a:txBody>
-                    <a:bodyPr/>
-                    <a:lstStyle/>
-                    <a:p>
-                      <a:r>
-                        <a:rPr lang="nl-NL" sz="1700" b="1" dirty="0" smtClean="0"/>
-                        <a:t>Subjective</a:t>
-                      </a:r>
-                      <a:endParaRPr lang="nl-NL" sz="1700" b="1" dirty="0"/>
-                    </a:p>
-                  </a:txBody>
-                  <a:tcPr marL="84362" marR="84362" marT="42181" marB="42181"/>
-                </a:tc>
-                <a:tc>
-                  <a:txBody>
-                    <a:bodyPr/>
-                    <a:lstStyle/>
-                    <a:p>
-                      <a:r>
-                        <a:rPr lang="nl-NL" sz="1700" dirty="0" smtClean="0"/>
-                        <a:t>Self-reported</a:t>
-                      </a:r>
-                      <a:r>
-                        <a:rPr lang="nl-NL" sz="1700" baseline="0" dirty="0" smtClean="0"/>
-                        <a:t> invested mental effort</a:t>
-                      </a:r>
-                      <a:endParaRPr lang="nl-NL" sz="1700" dirty="0"/>
-                    </a:p>
-                  </a:txBody>
-                  <a:tcPr marL="84362" marR="84362" marT="42181" marB="42181"/>
-                </a:tc>
-                <a:tc>
-                  <a:txBody>
-                    <a:bodyPr/>
-                    <a:lstStyle/>
-                    <a:p>
-                      <a:r>
-                        <a:rPr lang="nl-NL" sz="1700" dirty="0" smtClean="0"/>
-                        <a:t>Self-reported stress level</a:t>
-                      </a:r>
-                    </a:p>
-                    <a:p>
-                      <a:endParaRPr lang="nl-NL" sz="1700" dirty="0" smtClean="0"/>
-                    </a:p>
-                    <a:p>
-                      <a:r>
-                        <a:rPr lang="nl-NL" sz="1700" dirty="0" smtClean="0"/>
-                        <a:t>Self-reported difficulty of materials</a:t>
-                      </a:r>
-                      <a:endParaRPr lang="nl-NL" sz="1700" dirty="0"/>
-                    </a:p>
-                  </a:txBody>
-                  <a:tcPr marL="84362" marR="84362" marT="42181" marB="42181"/>
-                </a:tc>
-              </a:tr>
-              <a:tr h="1178515">
-                <a:tc>
-                  <a:txBody>
-                    <a:bodyPr/>
-                    <a:lstStyle/>
-                    <a:p>
-                      <a:r>
-                        <a:rPr lang="nl-NL" sz="1700" b="1" dirty="0" smtClean="0"/>
-                        <a:t>Objective</a:t>
-                      </a:r>
-                      <a:endParaRPr lang="nl-NL" sz="1700" b="1" dirty="0"/>
-                    </a:p>
-                  </a:txBody>
-                  <a:tcPr marL="84362" marR="84362" marT="42181" marB="42181"/>
-                </a:tc>
-                <a:tc>
-                  <a:txBody>
-                    <a:bodyPr/>
-                    <a:lstStyle/>
-                    <a:p>
-                      <a:r>
-                        <a:rPr lang="nl-NL" sz="2000" b="1" dirty="0" smtClean="0"/>
-                        <a:t>Physiological</a:t>
-                      </a:r>
-                      <a:r>
-                        <a:rPr lang="nl-NL" sz="2000" b="1" baseline="0" dirty="0" smtClean="0"/>
-                        <a:t> measures</a:t>
-                      </a:r>
-                    </a:p>
-                    <a:p>
-                      <a:endParaRPr lang="nl-NL" sz="1700" baseline="0" dirty="0" smtClean="0"/>
-                    </a:p>
-                    <a:p>
-                      <a:r>
-                        <a:rPr lang="nl-NL" sz="1700" baseline="0" dirty="0" smtClean="0"/>
-                        <a:t>Behavioral measures</a:t>
-                      </a:r>
-                    </a:p>
-                    <a:p>
-                      <a:r>
-                        <a:rPr lang="nl-NL" sz="1700" baseline="0" dirty="0" smtClean="0"/>
-                        <a:t>Learning outcome measures</a:t>
-                      </a:r>
-                      <a:endParaRPr lang="nl-NL" sz="1700" dirty="0"/>
-                    </a:p>
-                  </a:txBody>
-                  <a:tcPr marL="84362" marR="84362" marT="42181" marB="42181"/>
-                </a:tc>
-                <a:tc>
-                  <a:txBody>
-                    <a:bodyPr/>
-                    <a:lstStyle/>
-                    <a:p>
-                      <a:r>
-                        <a:rPr lang="nl-NL" sz="1700" smtClean="0"/>
-                        <a:t>Dual-task </a:t>
-                      </a:r>
-                      <a:r>
-                        <a:rPr lang="nl-NL" sz="1700" dirty="0" smtClean="0"/>
-                        <a:t>performance</a:t>
-                      </a:r>
-                    </a:p>
-                    <a:p>
-                      <a:endParaRPr lang="nl-NL" sz="1700" dirty="0" smtClean="0"/>
-                    </a:p>
-                    <a:p>
-                      <a:r>
-                        <a:rPr lang="nl-NL" sz="1700" smtClean="0"/>
-                        <a:t>Brain </a:t>
-                      </a:r>
-                      <a:r>
-                        <a:rPr lang="nl-NL" sz="1700" dirty="0" smtClean="0"/>
-                        <a:t>activity measures (e.g. fMRI)</a:t>
-                      </a:r>
-                    </a:p>
-                    <a:p>
-                      <a:r>
-                        <a:rPr lang="nl-NL" sz="1700" dirty="0" smtClean="0"/>
-                        <a:t>(arguably</a:t>
-                      </a:r>
-                      <a:r>
-                        <a:rPr lang="nl-NL" sz="1700" baseline="0" dirty="0" smtClean="0"/>
-                        <a:t> also indirect)</a:t>
-                      </a:r>
-                      <a:endParaRPr lang="nl-NL" sz="1700" dirty="0" smtClean="0"/>
-                    </a:p>
-                  </a:txBody>
-                  <a:tcPr marL="84362" marR="84362" marT="42181" marB="42181"/>
-                </a:tc>
-              </a:tr>
-            </a:tbl>
-          </a:graphicData>
-        </a:graphic>
-      </p:graphicFrame>
-      <p:sp>
-        <p:nvSpPr>
-          <p:cNvPr id="7" name="Left Arrow 6"/>
-          <p:cNvSpPr/>
-          <p:nvPr/>
-        </p:nvSpPr>
-        <p:spPr>
-          <a:xfrm rot="19268614">
-            <a:off x="5502903" y="3200189"/>
-            <a:ext cx="3449044" cy="804561"/>
-          </a:xfrm>
-          <a:prstGeom prst="leftArrow">
-            <a:avLst/>
-          </a:prstGeom>
-        </p:spPr>
-        <p:style>
-          <a:lnRef idx="2">
-            <a:schemeClr val="accent1">
-              <a:shade val="50000"/>
-            </a:schemeClr>
-          </a:lnRef>
-          <a:fillRef idx="1">
-            <a:schemeClr val="accent1"/>
-          </a:fillRef>
-          <a:effectRef idx="0">
-            <a:schemeClr val="accent1"/>
-          </a:effectRef>
-          <a:fontRef idx="minor">
-            <a:schemeClr val="lt1"/>
-          </a:fontRef>
-        </p:style>
-        <p:txBody>
-          <a:bodyPr rtlCol="0" anchor="ctr"/>
-          <a:lstStyle/>
-          <a:p>
-            <a:pPr algn="ctr"/>
-            <a:endParaRPr lang="nl-NL"/>
-          </a:p>
-        </p:txBody>
-      </p:sp>
-    </p:spTree>
-    <p:extLst>
-      <p:ext uri="{BB962C8B-B14F-4D97-AF65-F5344CB8AC3E}">
-        <p14:creationId xmlns:p14="http://schemas.microsoft.com/office/powerpoint/2010/main" val="3212613118"/>
-      </p:ext>
-    </p:extLst>
-  </p:cSld>
-  <p:clrMapOvr>
-    <a:masterClrMapping/>
-  </p:clrMapOvr>
-  <p:timing>
-    <p:tnLst>
-      <p:par>
-        <p:cTn id="1" dur="indefinite" restart="never" nodeType="tmRoot"/>
-      </p:par>
-    </p:tnLst>
-  </p:timing>
-</p:sld>
-</file>
-
-<file path=ppt/slides/slide30.xml><?xml version="1.0" encoding="utf-8"?>
+<file path=ppt/slides/slide33.xml><?xml version="1.0" encoding="utf-8"?>
 <p:sld xmlns:a="http://schemas.openxmlformats.org/drawingml/2006/main" xmlns:r="http://schemas.openxmlformats.org/officeDocument/2006/relationships" xmlns:p="http://schemas.openxmlformats.org/presentationml/2006/main">
   <p:cSld>
     <p:spTree>
@@ -10141,6 +11221,29 @@
           </a:p>
         </p:txBody>
       </p:sp>
+      <p:sp>
+        <p:nvSpPr>
+          <p:cNvPr id="6" name="Slide Number Placeholder 5"/>
+          <p:cNvSpPr>
+            <a:spLocks noGrp="1"/>
+          </p:cNvSpPr>
+          <p:nvPr>
+            <p:ph type="sldNum" sz="quarter" idx="12"/>
+          </p:nvPr>
+        </p:nvSpPr>
+        <p:spPr/>
+        <p:txBody>
+          <a:bodyPr/>
+          <a:lstStyle/>
+          <a:p>
+            <a:fld id="{629637A9-119A-49DA-BD12-AAC58B377D80}" type="slidenum">
+              <a:rPr lang="en-US" smtClean="0"/>
+              <a:t>33</a:t>
+            </a:fld>
+            <a:endParaRPr lang="en-US" dirty="0"/>
+          </a:p>
+        </p:txBody>
+      </p:sp>
     </p:spTree>
     <p:extLst>
       <p:ext uri="{BB962C8B-B14F-4D97-AF65-F5344CB8AC3E}">
@@ -10151,6 +11254,14 @@
   <p:clrMapOvr>
     <a:masterClrMapping/>
   </p:clrMapOvr>
+  <mc:AlternateContent xmlns:mc="http://schemas.openxmlformats.org/markup-compatibility/2006">
+    <mc:Choice xmlns:p14="http://schemas.microsoft.com/office/powerpoint/2010/main" Requires="p14">
+      <p:transition spd="slow" p14:dur="2000"/>
+    </mc:Choice>
+    <mc:Fallback>
+      <p:transition spd="slow"/>
+    </mc:Fallback>
+  </mc:AlternateContent>
   <p:timing>
     <p:tnLst>
       <p:par>
@@ -10161,7 +11272,7 @@
 </p:sld>
 </file>
 
-<file path=ppt/slides/slide31.xml><?xml version="1.0" encoding="utf-8"?>
+<file path=ppt/slides/slide34.xml><?xml version="1.0" encoding="utf-8"?>
 <p:sld xmlns:a="http://schemas.openxmlformats.org/drawingml/2006/main" xmlns:r="http://schemas.openxmlformats.org/officeDocument/2006/relationships" xmlns:p="http://schemas.openxmlformats.org/presentationml/2006/main">
   <p:cSld>
     <p:spTree>
@@ -10724,6 +11835,29 @@
           </a:p>
         </p:txBody>
       </p:sp>
+      <p:sp>
+        <p:nvSpPr>
+          <p:cNvPr id="3" name="Slide Number Placeholder 2"/>
+          <p:cNvSpPr>
+            <a:spLocks noGrp="1"/>
+          </p:cNvSpPr>
+          <p:nvPr>
+            <p:ph type="sldNum" sz="quarter" idx="12"/>
+          </p:nvPr>
+        </p:nvSpPr>
+        <p:spPr/>
+        <p:txBody>
+          <a:bodyPr/>
+          <a:lstStyle/>
+          <a:p>
+            <a:fld id="{629637A9-119A-49DA-BD12-AAC58B377D80}" type="slidenum">
+              <a:rPr lang="en-US" smtClean="0"/>
+              <a:t>34</a:t>
+            </a:fld>
+            <a:endParaRPr lang="en-US" dirty="0"/>
+          </a:p>
+        </p:txBody>
+      </p:sp>
     </p:spTree>
     <p:extLst>
       <p:ext uri="{BB962C8B-B14F-4D97-AF65-F5344CB8AC3E}">
@@ -10734,6 +11868,14 @@
   <p:clrMapOvr>
     <a:masterClrMapping/>
   </p:clrMapOvr>
+  <mc:AlternateContent xmlns:mc="http://schemas.openxmlformats.org/markup-compatibility/2006">
+    <mc:Choice xmlns:p14="http://schemas.microsoft.com/office/powerpoint/2010/main" Requires="p14">
+      <p:transition spd="slow" p14:dur="2000"/>
+    </mc:Choice>
+    <mc:Fallback>
+      <p:transition spd="slow"/>
+    </mc:Fallback>
+  </mc:AlternateContent>
   <p:timing>
     <p:tnLst>
       <p:par>
@@ -10744,7 +11886,7 @@
 </p:sld>
 </file>
 
-<file path=ppt/slides/slide32.xml><?xml version="1.0" encoding="utf-8"?>
+<file path=ppt/slides/slide35.xml><?xml version="1.0" encoding="utf-8"?>
 <p:sld xmlns:a="http://schemas.openxmlformats.org/drawingml/2006/main" xmlns:r="http://schemas.openxmlformats.org/officeDocument/2006/relationships" xmlns:p="http://schemas.openxmlformats.org/presentationml/2006/main">
   <p:cSld>
     <p:spTree>
@@ -10923,6 +12065,29 @@
           </a:p>
         </p:txBody>
       </p:sp>
+      <p:sp>
+        <p:nvSpPr>
+          <p:cNvPr id="4" name="Slide Number Placeholder 3"/>
+          <p:cNvSpPr>
+            <a:spLocks noGrp="1"/>
+          </p:cNvSpPr>
+          <p:nvPr>
+            <p:ph type="sldNum" sz="quarter" idx="12"/>
+          </p:nvPr>
+        </p:nvSpPr>
+        <p:spPr/>
+        <p:txBody>
+          <a:bodyPr/>
+          <a:lstStyle/>
+          <a:p>
+            <a:fld id="{629637A9-119A-49DA-BD12-AAC58B377D80}" type="slidenum">
+              <a:rPr lang="en-US" smtClean="0"/>
+              <a:t>35</a:t>
+            </a:fld>
+            <a:endParaRPr lang="en-US" dirty="0"/>
+          </a:p>
+        </p:txBody>
+      </p:sp>
     </p:spTree>
     <p:extLst>
       <p:ext uri="{BB962C8B-B14F-4D97-AF65-F5344CB8AC3E}">
@@ -10933,6 +12098,14 @@
   <p:clrMapOvr>
     <a:masterClrMapping/>
   </p:clrMapOvr>
+  <mc:AlternateContent xmlns:mc="http://schemas.openxmlformats.org/markup-compatibility/2006">
+    <mc:Choice xmlns:p14="http://schemas.microsoft.com/office/powerpoint/2010/main" Requires="p14">
+      <p:transition spd="slow" p14:dur="2000"/>
+    </mc:Choice>
+    <mc:Fallback>
+      <p:transition spd="slow"/>
+    </mc:Fallback>
+  </mc:AlternateContent>
   <p:timing>
     <p:tnLst>
       <p:par>
@@ -10943,7 +12116,7 @@
 </p:sld>
 </file>
 
-<file path=ppt/slides/slide33.xml><?xml version="1.0" encoding="utf-8"?>
+<file path=ppt/slides/slide36.xml><?xml version="1.0" encoding="utf-8"?>
 <p:sld xmlns:a="http://schemas.openxmlformats.org/drawingml/2006/main" xmlns:r="http://schemas.openxmlformats.org/officeDocument/2006/relationships" xmlns:p="http://schemas.openxmlformats.org/presentationml/2006/main">
   <p:cSld>
     <p:spTree>
@@ -10977,7 +12150,7 @@
           <a:p>
             <a:r>
               <a:rPr lang="nl-NL" dirty="0" smtClean="0"/>
-              <a:t>Summary</a:t>
+              <a:t>Recap</a:t>
             </a:r>
             <a:endParaRPr lang="nl-NL" dirty="0"/>
           </a:p>
@@ -11004,8 +12177,13 @@
             </a:pPr>
             <a:r>
               <a:rPr lang="nl-NL" dirty="0" smtClean="0"/>
-              <a:t> Using biometrics to determine cognitive load outside of the lab is exciting</a:t>
-            </a:r>
+              <a:t> Using biometrics to determine cognitive load outside of the lab is </a:t>
+            </a:r>
+            <a:r>
+              <a:rPr lang="nl-NL" dirty="0" smtClean="0"/>
+              <a:t>exciting and potentially useful</a:t>
+            </a:r>
+            <a:endParaRPr lang="nl-NL" dirty="0" smtClean="0"/>
           </a:p>
           <a:p>
             <a:pPr>
@@ -11028,8 +12206,18 @@
             </a:pPr>
             <a:r>
               <a:rPr lang="nl-NL" dirty="0" smtClean="0"/>
-              <a:t> Classifying task difficulty from this data is the goal</a:t>
-            </a:r>
+              <a:t> Classifying task difficulty from this data is the </a:t>
+            </a:r>
+            <a:r>
+              <a:rPr lang="nl-NL" dirty="0" smtClean="0"/>
+              <a:t>goal</a:t>
+            </a:r>
+          </a:p>
+          <a:p>
+            <a:pPr marL="0" indent="0">
+              <a:buNone/>
+            </a:pPr>
+            <a:endParaRPr lang="nl-NL" dirty="0" smtClean="0"/>
           </a:p>
           <a:p>
             <a:pPr>
@@ -11042,17 +12230,32 @@
             </a:r>
             <a:r>
               <a:rPr lang="nl-NL" dirty="0" smtClean="0"/>
-              <a:t>Next up is seeing whether I can improve </a:t>
-            </a:r>
-            <a:r>
-              <a:rPr lang="nl-NL" smtClean="0"/>
-              <a:t>this </a:t>
-            </a:r>
-            <a:r>
-              <a:rPr lang="nl-NL" smtClean="0"/>
-              <a:t>classification by extracting different features</a:t>
+              <a:t>Next up is seeing whether I can improve this classification by extracting different features</a:t>
             </a:r>
             <a:endParaRPr lang="nl-NL" dirty="0"/>
+          </a:p>
+        </p:txBody>
+      </p:sp>
+      <p:sp>
+        <p:nvSpPr>
+          <p:cNvPr id="4" name="Slide Number Placeholder 3"/>
+          <p:cNvSpPr>
+            <a:spLocks noGrp="1"/>
+          </p:cNvSpPr>
+          <p:nvPr>
+            <p:ph type="sldNum" sz="quarter" idx="12"/>
+          </p:nvPr>
+        </p:nvSpPr>
+        <p:spPr/>
+        <p:txBody>
+          <a:bodyPr/>
+          <a:lstStyle/>
+          <a:p>
+            <a:fld id="{629637A9-119A-49DA-BD12-AAC58B377D80}" type="slidenum">
+              <a:rPr lang="en-US" smtClean="0"/>
+              <a:t>36</a:t>
+            </a:fld>
+            <a:endParaRPr lang="en-US" dirty="0"/>
           </a:p>
         </p:txBody>
       </p:sp>
@@ -11066,6 +12269,14 @@
   <p:clrMapOvr>
     <a:masterClrMapping/>
   </p:clrMapOvr>
+  <mc:AlternateContent xmlns:mc="http://schemas.openxmlformats.org/markup-compatibility/2006">
+    <mc:Choice xmlns:p14="http://schemas.microsoft.com/office/powerpoint/2010/main" Requires="p14">
+      <p:transition spd="slow" p14:dur="2000"/>
+    </mc:Choice>
+    <mc:Fallback>
+      <p:transition spd="slow"/>
+    </mc:Fallback>
+  </mc:AlternateContent>
   <p:timing>
     <p:tnLst>
       <p:par>
@@ -11110,41 +12321,797 @@
           <a:p>
             <a:r>
               <a:rPr lang="nl-NL" dirty="0" smtClean="0"/>
-              <a:t>New smartwatches feature </a:t>
-            </a:r>
-            <a:r>
-              <a:rPr lang="nl-NL" dirty="0" err="1" smtClean="0"/>
-              <a:t>biometric</a:t>
-            </a:r>
+              <a:t>Cognitive load measurement</a:t>
+            </a:r>
+            <a:endParaRPr lang="nl-NL" dirty="0"/>
+          </a:p>
+        </p:txBody>
+      </p:sp>
+      <p:sp>
+        <p:nvSpPr>
+          <p:cNvPr id="3" name="Content Placeholder 2"/>
+          <p:cNvSpPr>
+            <a:spLocks noGrp="1"/>
+          </p:cNvSpPr>
+          <p:nvPr>
+            <p:ph idx="1"/>
+          </p:nvPr>
+        </p:nvSpPr>
+        <p:spPr>
+          <a:xfrm>
+            <a:off x="1097279" y="1845734"/>
+            <a:ext cx="10410979" cy="4390310"/>
+          </a:xfrm>
+        </p:spPr>
+        <p:txBody>
+          <a:bodyPr>
+            <a:normAutofit/>
+          </a:bodyPr>
+          <a:lstStyle/>
+          <a:p>
             <a:r>
               <a:rPr lang="nl-NL" dirty="0" smtClean="0"/>
-              <a:t> sensors (</a:t>
-            </a:r>
-            <a:r>
-              <a:rPr lang="nl-NL" dirty="0" err="1" smtClean="0"/>
-              <a:t>measuring</a:t>
-            </a:r>
-            <a:r>
-              <a:rPr lang="nl-NL" dirty="0" smtClean="0"/>
-              <a:t> </a:t>
-            </a:r>
-            <a:r>
-              <a:rPr lang="nl-NL" dirty="0" err="1" smtClean="0"/>
-              <a:t>physiological</a:t>
-            </a:r>
-            <a:r>
-              <a:rPr lang="nl-NL" dirty="0" smtClean="0"/>
-              <a:t> </a:t>
-            </a:r>
-            <a:r>
-              <a:rPr lang="nl-NL" dirty="0" err="1" smtClean="0"/>
-              <a:t>signals</a:t>
-            </a:r>
-            <a:r>
-              <a:rPr lang="nl-NL" dirty="0" smtClean="0"/>
-              <a:t>)</a:t>
-            </a:r>
+              <a:t>Many approaches to measuring cognitive load</a:t>
+            </a:r>
+          </a:p>
+          <a:p>
             <a:endParaRPr lang="nl-NL" dirty="0"/>
+          </a:p>
+          <a:p>
+            <a:endParaRPr lang="nl-NL" dirty="0" smtClean="0"/>
+          </a:p>
+          <a:p>
+            <a:endParaRPr lang="nl-NL" dirty="0"/>
+          </a:p>
+          <a:p>
+            <a:endParaRPr lang="nl-NL" dirty="0" smtClean="0"/>
+          </a:p>
+          <a:p>
+            <a:endParaRPr lang="nl-NL" dirty="0"/>
+          </a:p>
+          <a:p>
+            <a:endParaRPr lang="nl-NL" dirty="0" smtClean="0"/>
+          </a:p>
+          <a:p>
+            <a:endParaRPr lang="nl-NL" dirty="0"/>
+          </a:p>
+          <a:p>
+            <a:endParaRPr lang="nl-NL" dirty="0" smtClean="0"/>
+          </a:p>
+          <a:p>
+            <a:r>
+              <a:rPr lang="nl-NL" sz="900" dirty="0" smtClean="0">
+                <a:solidFill>
+                  <a:schemeClr val="bg1">
+                    <a:lumMod val="75000"/>
+                  </a:schemeClr>
+                </a:solidFill>
+              </a:rPr>
+              <a:t>R. Brünken et al. (2003), </a:t>
+            </a:r>
+            <a:r>
+              <a:rPr lang="nl-NL" sz="900" i="1" dirty="0" smtClean="0">
+                <a:solidFill>
+                  <a:schemeClr val="bg1">
+                    <a:lumMod val="75000"/>
+                  </a:schemeClr>
+                </a:solidFill>
+              </a:rPr>
+              <a:t>Direct Measurement of Cognitive Load in Multimedia Learning</a:t>
+            </a:r>
+            <a:r>
+              <a:rPr lang="nl-NL" sz="900" dirty="0" smtClean="0">
+                <a:solidFill>
+                  <a:schemeClr val="bg1">
+                    <a:lumMod val="75000"/>
+                  </a:schemeClr>
+                </a:solidFill>
+              </a:rPr>
+              <a:t>. Educational Psychologist 38(1), 53-61</a:t>
+            </a:r>
+            <a:endParaRPr lang="nl-NL" sz="900" dirty="0">
+              <a:solidFill>
+                <a:schemeClr val="bg1">
+                  <a:lumMod val="75000"/>
+                </a:schemeClr>
+              </a:solidFill>
+            </a:endParaRPr>
+          </a:p>
+        </p:txBody>
+      </p:sp>
+      <p:graphicFrame>
+        <p:nvGraphicFramePr>
+          <p:cNvPr id="5" name="Table 4"/>
+          <p:cNvGraphicFramePr>
+            <a:graphicFrameLocks noGrp="1"/>
+          </p:cNvGraphicFramePr>
+          <p:nvPr>
+            <p:extLst>
+              <p:ext uri="{D42A27DB-BD31-4B8C-83A1-F6EECF244321}">
+                <p14:modId xmlns:p14="http://schemas.microsoft.com/office/powerpoint/2010/main" val="2577876481"/>
+              </p:ext>
+            </p:extLst>
+          </p:nvPr>
+        </p:nvGraphicFramePr>
+        <p:xfrm>
+          <a:off x="1216456" y="2396557"/>
+          <a:ext cx="9229122" cy="3124073"/>
+        </p:xfrm>
+        <a:graphic>
+          <a:graphicData uri="http://schemas.openxmlformats.org/drawingml/2006/table">
+            <a:tbl>
+              <a:tblPr firstRow="1" bandRow="1">
+                <a:tableStyleId>{69CF1AB2-1976-4502-BF36-3FF5EA218861}</a:tableStyleId>
+              </a:tblPr>
+              <a:tblGrid>
+                <a:gridCol w="1856971"/>
+                <a:gridCol w="3686075"/>
+                <a:gridCol w="3686076"/>
+              </a:tblGrid>
+              <a:tr h="833295">
+                <a:tc>
+                  <a:txBody>
+                    <a:bodyPr/>
+                    <a:lstStyle/>
+                    <a:p>
+                      <a:endParaRPr lang="nl-NL" sz="1700" dirty="0"/>
+                    </a:p>
+                  </a:txBody>
+                  <a:tcPr marL="84362" marR="84362" marT="42181" marB="42181">
+                    <a:solidFill>
+                      <a:schemeClr val="bg1"/>
+                    </a:solidFill>
+                  </a:tcPr>
+                </a:tc>
+                <a:tc>
+                  <a:txBody>
+                    <a:bodyPr/>
+                    <a:lstStyle/>
+                    <a:p>
+                      <a:r>
+                        <a:rPr lang="nl-NL" sz="1700" dirty="0" smtClean="0"/>
+                        <a:t>Indirect</a:t>
+                      </a:r>
+                      <a:endParaRPr lang="nl-NL" sz="1700" dirty="0"/>
+                    </a:p>
+                  </a:txBody>
+                  <a:tcPr marL="84362" marR="84362" marT="42181" marB="42181"/>
+                </a:tc>
+                <a:tc>
+                  <a:txBody>
+                    <a:bodyPr/>
+                    <a:lstStyle/>
+                    <a:p>
+                      <a:r>
+                        <a:rPr lang="nl-NL" sz="1700" dirty="0" smtClean="0"/>
+                        <a:t>Direct</a:t>
+                      </a:r>
+                      <a:endParaRPr lang="nl-NL" sz="1700" dirty="0"/>
+                    </a:p>
+                  </a:txBody>
+                  <a:tcPr marL="84362" marR="84362" marT="42181" marB="42181"/>
+                </a:tc>
+              </a:tr>
+              <a:tr h="1112263">
+                <a:tc>
+                  <a:txBody>
+                    <a:bodyPr/>
+                    <a:lstStyle/>
+                    <a:p>
+                      <a:r>
+                        <a:rPr lang="nl-NL" sz="1700" b="1" dirty="0" smtClean="0"/>
+                        <a:t>Subjective</a:t>
+                      </a:r>
+                      <a:endParaRPr lang="nl-NL" sz="1700" b="1" dirty="0"/>
+                    </a:p>
+                  </a:txBody>
+                  <a:tcPr marL="84362" marR="84362" marT="42181" marB="42181"/>
+                </a:tc>
+                <a:tc>
+                  <a:txBody>
+                    <a:bodyPr/>
+                    <a:lstStyle/>
+                    <a:p>
+                      <a:r>
+                        <a:rPr lang="nl-NL" sz="1700" dirty="0" smtClean="0"/>
+                        <a:t>Self-reported</a:t>
+                      </a:r>
+                      <a:r>
+                        <a:rPr lang="nl-NL" sz="1700" baseline="0" dirty="0" smtClean="0"/>
+                        <a:t> invested mental effort</a:t>
+                      </a:r>
+                      <a:endParaRPr lang="nl-NL" sz="1700" dirty="0"/>
+                    </a:p>
+                  </a:txBody>
+                  <a:tcPr marL="84362" marR="84362" marT="42181" marB="42181"/>
+                </a:tc>
+                <a:tc>
+                  <a:txBody>
+                    <a:bodyPr/>
+                    <a:lstStyle/>
+                    <a:p>
+                      <a:r>
+                        <a:rPr lang="nl-NL" sz="1700" dirty="0" smtClean="0"/>
+                        <a:t>Self-reported stress level</a:t>
+                      </a:r>
+                    </a:p>
+                    <a:p>
+                      <a:endParaRPr lang="nl-NL" sz="1700" dirty="0" smtClean="0"/>
+                    </a:p>
+                    <a:p>
+                      <a:r>
+                        <a:rPr lang="nl-NL" sz="1700" dirty="0" smtClean="0"/>
+                        <a:t>Self-reported difficulty of materials</a:t>
+                      </a:r>
+                      <a:endParaRPr lang="nl-NL" sz="1700" dirty="0"/>
+                    </a:p>
+                  </a:txBody>
+                  <a:tcPr marL="84362" marR="84362" marT="42181" marB="42181"/>
+                </a:tc>
+              </a:tr>
+              <a:tr h="1178515">
+                <a:tc>
+                  <a:txBody>
+                    <a:bodyPr/>
+                    <a:lstStyle/>
+                    <a:p>
+                      <a:r>
+                        <a:rPr lang="nl-NL" sz="1700" b="1" dirty="0" smtClean="0"/>
+                        <a:t>Objective</a:t>
+                      </a:r>
+                      <a:endParaRPr lang="nl-NL" sz="1700" b="1" dirty="0"/>
+                    </a:p>
+                  </a:txBody>
+                  <a:tcPr marL="84362" marR="84362" marT="42181" marB="42181"/>
+                </a:tc>
+                <a:tc>
+                  <a:txBody>
+                    <a:bodyPr/>
+                    <a:lstStyle/>
+                    <a:p>
+                      <a:r>
+                        <a:rPr lang="nl-NL" sz="1700" dirty="0" smtClean="0"/>
+                        <a:t>Physiological</a:t>
+                      </a:r>
+                      <a:r>
+                        <a:rPr lang="nl-NL" sz="1700" baseline="0" dirty="0" smtClean="0"/>
+                        <a:t> measures</a:t>
+                      </a:r>
+                    </a:p>
+                    <a:p>
+                      <a:endParaRPr lang="nl-NL" sz="1700" baseline="0" dirty="0" smtClean="0"/>
+                    </a:p>
+                    <a:p>
+                      <a:r>
+                        <a:rPr lang="nl-NL" sz="1700" baseline="0" dirty="0" smtClean="0"/>
+                        <a:t>Behavioral measures</a:t>
+                      </a:r>
+                    </a:p>
+                    <a:p>
+                      <a:r>
+                        <a:rPr lang="nl-NL" sz="1700" baseline="0" dirty="0" smtClean="0"/>
+                        <a:t>Learning outcome measures</a:t>
+                      </a:r>
+                      <a:endParaRPr lang="nl-NL" sz="1700" dirty="0"/>
+                    </a:p>
+                  </a:txBody>
+                  <a:tcPr marL="84362" marR="84362" marT="42181" marB="42181"/>
+                </a:tc>
+                <a:tc>
+                  <a:txBody>
+                    <a:bodyPr/>
+                    <a:lstStyle/>
+                    <a:p>
+                      <a:r>
+                        <a:rPr lang="nl-NL" sz="1700" dirty="0" smtClean="0"/>
+                        <a:t>Dual-task performance</a:t>
+                      </a:r>
+                    </a:p>
+                    <a:p>
+                      <a:endParaRPr lang="nl-NL" sz="1700" dirty="0" smtClean="0"/>
+                    </a:p>
+                    <a:p>
+                      <a:r>
+                        <a:rPr lang="nl-NL" sz="1700" dirty="0" smtClean="0"/>
+                        <a:t>Brain activity measures (e.g. fMRI)</a:t>
+                      </a:r>
+                    </a:p>
+                    <a:p>
+                      <a:r>
+                        <a:rPr lang="nl-NL" sz="1700" dirty="0" smtClean="0"/>
+                        <a:t>(arguably</a:t>
+                      </a:r>
+                      <a:r>
+                        <a:rPr lang="nl-NL" sz="1700" baseline="0" dirty="0" smtClean="0"/>
+                        <a:t> also indirect)</a:t>
+                      </a:r>
+                      <a:endParaRPr lang="nl-NL" sz="1700" dirty="0" smtClean="0"/>
+                    </a:p>
+                  </a:txBody>
+                  <a:tcPr marL="84362" marR="84362" marT="42181" marB="42181"/>
+                </a:tc>
+              </a:tr>
+            </a:tbl>
+          </a:graphicData>
+        </a:graphic>
+      </p:graphicFrame>
+      <p:sp>
+        <p:nvSpPr>
+          <p:cNvPr id="4" name="Slide Number Placeholder 3"/>
+          <p:cNvSpPr>
+            <a:spLocks noGrp="1"/>
+          </p:cNvSpPr>
+          <p:nvPr>
+            <p:ph type="sldNum" sz="quarter" idx="12"/>
+          </p:nvPr>
+        </p:nvSpPr>
+        <p:spPr/>
+        <p:txBody>
+          <a:bodyPr/>
+          <a:lstStyle/>
+          <a:p>
+            <a:fld id="{629637A9-119A-49DA-BD12-AAC58B377D80}" type="slidenum">
+              <a:rPr lang="en-US" smtClean="0"/>
+              <a:t>4</a:t>
+            </a:fld>
+            <a:endParaRPr lang="en-US" dirty="0"/>
+          </a:p>
+        </p:txBody>
+      </p:sp>
+    </p:spTree>
+    <p:extLst>
+      <p:ext uri="{BB962C8B-B14F-4D97-AF65-F5344CB8AC3E}">
+        <p14:creationId xmlns:p14="http://schemas.microsoft.com/office/powerpoint/2010/main" val="2443263171"/>
+      </p:ext>
+    </p:extLst>
+  </p:cSld>
+  <p:clrMapOvr>
+    <a:masterClrMapping/>
+  </p:clrMapOvr>
+  <mc:AlternateContent xmlns:mc="http://schemas.openxmlformats.org/markup-compatibility/2006">
+    <mc:Choice xmlns:p14="http://schemas.microsoft.com/office/powerpoint/2010/main" Requires="p14">
+      <p:transition spd="slow" p14:dur="2000"/>
+    </mc:Choice>
+    <mc:Fallback>
+      <p:transition spd="slow"/>
+    </mc:Fallback>
+  </mc:AlternateContent>
+  <p:timing>
+    <p:tnLst>
+      <p:par>
+        <p:cTn id="1" dur="indefinite" restart="never" nodeType="tmRoot"/>
+      </p:par>
+    </p:tnLst>
+  </p:timing>
+</p:sld>
+</file>
+
+<file path=ppt/slides/slide5.xml><?xml version="1.0" encoding="utf-8"?>
+<p:sld xmlns:a="http://schemas.openxmlformats.org/drawingml/2006/main" xmlns:r="http://schemas.openxmlformats.org/officeDocument/2006/relationships" xmlns:p="http://schemas.openxmlformats.org/presentationml/2006/main">
+  <p:cSld>
+    <p:spTree>
+      <p:nvGrpSpPr>
+        <p:cNvPr id="1" name=""/>
+        <p:cNvGrpSpPr/>
+        <p:nvPr/>
+      </p:nvGrpSpPr>
+      <p:grpSpPr>
+        <a:xfrm>
+          <a:off x="0" y="0"/>
+          <a:ext cx="0" cy="0"/>
+          <a:chOff x="0" y="0"/>
+          <a:chExt cx="0" cy="0"/>
+        </a:xfrm>
+      </p:grpSpPr>
+      <p:sp>
+        <p:nvSpPr>
+          <p:cNvPr id="2" name="Title 1"/>
+          <p:cNvSpPr>
+            <a:spLocks noGrp="1"/>
+          </p:cNvSpPr>
+          <p:nvPr>
+            <p:ph type="title"/>
+          </p:nvPr>
+        </p:nvSpPr>
+        <p:spPr/>
+        <p:txBody>
+          <a:bodyPr/>
+          <a:lstStyle/>
+          <a:p>
+            <a:r>
+              <a:rPr lang="nl-NL" dirty="0"/>
+              <a:t>Cognitive load measurement</a:t>
+            </a:r>
+          </a:p>
+        </p:txBody>
+      </p:sp>
+      <p:sp>
+        <p:nvSpPr>
+          <p:cNvPr id="3" name="Content Placeholder 2"/>
+          <p:cNvSpPr>
+            <a:spLocks noGrp="1"/>
+          </p:cNvSpPr>
+          <p:nvPr>
+            <p:ph idx="1"/>
+          </p:nvPr>
+        </p:nvSpPr>
+        <p:spPr/>
+        <p:txBody>
+          <a:bodyPr/>
+          <a:lstStyle/>
+          <a:p>
+            <a:r>
+              <a:rPr lang="en-US" dirty="0"/>
+              <a:t>Many approaches to measuring cognitive load</a:t>
+            </a:r>
+          </a:p>
+          <a:p>
+            <a:endParaRPr lang="nl-NL" dirty="0"/>
+          </a:p>
+        </p:txBody>
+      </p:sp>
+      <p:graphicFrame>
+        <p:nvGraphicFramePr>
+          <p:cNvPr id="4" name="Table 3"/>
+          <p:cNvGraphicFramePr>
+            <a:graphicFrameLocks noGrp="1"/>
+          </p:cNvGraphicFramePr>
+          <p:nvPr>
+            <p:extLst>
+              <p:ext uri="{D42A27DB-BD31-4B8C-83A1-F6EECF244321}">
+                <p14:modId xmlns:p14="http://schemas.microsoft.com/office/powerpoint/2010/main" val="3361985525"/>
+              </p:ext>
+            </p:extLst>
+          </p:nvPr>
+        </p:nvGraphicFramePr>
+        <p:xfrm>
+          <a:off x="1277887" y="2445513"/>
+          <a:ext cx="9229122" cy="3124073"/>
+        </p:xfrm>
+        <a:graphic>
+          <a:graphicData uri="http://schemas.openxmlformats.org/drawingml/2006/table">
+            <a:tbl>
+              <a:tblPr firstRow="1" bandRow="1">
+                <a:tableStyleId>{69CF1AB2-1976-4502-BF36-3FF5EA218861}</a:tableStyleId>
+              </a:tblPr>
+              <a:tblGrid>
+                <a:gridCol w="1856971"/>
+                <a:gridCol w="3686075"/>
+                <a:gridCol w="3686076"/>
+              </a:tblGrid>
+              <a:tr h="833295">
+                <a:tc>
+                  <a:txBody>
+                    <a:bodyPr/>
+                    <a:lstStyle/>
+                    <a:p>
+                      <a:endParaRPr lang="nl-NL" sz="1700" dirty="0"/>
+                    </a:p>
+                  </a:txBody>
+                  <a:tcPr marL="84362" marR="84362" marT="42181" marB="42181">
+                    <a:solidFill>
+                      <a:schemeClr val="bg1"/>
+                    </a:solidFill>
+                  </a:tcPr>
+                </a:tc>
+                <a:tc>
+                  <a:txBody>
+                    <a:bodyPr/>
+                    <a:lstStyle/>
+                    <a:p>
+                      <a:r>
+                        <a:rPr lang="nl-NL" sz="1700" dirty="0" smtClean="0"/>
+                        <a:t>Indirect</a:t>
+                      </a:r>
+                      <a:endParaRPr lang="nl-NL" sz="1700" dirty="0"/>
+                    </a:p>
+                  </a:txBody>
+                  <a:tcPr marL="84362" marR="84362" marT="42181" marB="42181"/>
+                </a:tc>
+                <a:tc>
+                  <a:txBody>
+                    <a:bodyPr/>
+                    <a:lstStyle/>
+                    <a:p>
+                      <a:r>
+                        <a:rPr lang="nl-NL" sz="1700" dirty="0" smtClean="0"/>
+                        <a:t>Direct</a:t>
+                      </a:r>
+                      <a:endParaRPr lang="nl-NL" sz="1700" dirty="0"/>
+                    </a:p>
+                  </a:txBody>
+                  <a:tcPr marL="84362" marR="84362" marT="42181" marB="42181"/>
+                </a:tc>
+              </a:tr>
+              <a:tr h="1112263">
+                <a:tc>
+                  <a:txBody>
+                    <a:bodyPr/>
+                    <a:lstStyle/>
+                    <a:p>
+                      <a:r>
+                        <a:rPr lang="nl-NL" sz="1700" b="1" dirty="0" smtClean="0"/>
+                        <a:t>Subjective</a:t>
+                      </a:r>
+                      <a:endParaRPr lang="nl-NL" sz="1700" b="1" dirty="0"/>
+                    </a:p>
+                  </a:txBody>
+                  <a:tcPr marL="84362" marR="84362" marT="42181" marB="42181"/>
+                </a:tc>
+                <a:tc>
+                  <a:txBody>
+                    <a:bodyPr/>
+                    <a:lstStyle/>
+                    <a:p>
+                      <a:r>
+                        <a:rPr lang="nl-NL" sz="1700" dirty="0" smtClean="0"/>
+                        <a:t>Self-reported</a:t>
+                      </a:r>
+                      <a:r>
+                        <a:rPr lang="nl-NL" sz="1700" baseline="0" dirty="0" smtClean="0"/>
+                        <a:t> invested mental effort</a:t>
+                      </a:r>
+                      <a:endParaRPr lang="nl-NL" sz="1700" dirty="0"/>
+                    </a:p>
+                  </a:txBody>
+                  <a:tcPr marL="84362" marR="84362" marT="42181" marB="42181"/>
+                </a:tc>
+                <a:tc>
+                  <a:txBody>
+                    <a:bodyPr/>
+                    <a:lstStyle/>
+                    <a:p>
+                      <a:r>
+                        <a:rPr lang="nl-NL" sz="1700" dirty="0" smtClean="0"/>
+                        <a:t>Self-reported stress level</a:t>
+                      </a:r>
+                    </a:p>
+                    <a:p>
+                      <a:endParaRPr lang="nl-NL" sz="1700" dirty="0" smtClean="0"/>
+                    </a:p>
+                    <a:p>
+                      <a:r>
+                        <a:rPr lang="nl-NL" sz="1700" dirty="0" smtClean="0"/>
+                        <a:t>Self-reported difficulty of materials</a:t>
+                      </a:r>
+                      <a:endParaRPr lang="nl-NL" sz="1700" dirty="0"/>
+                    </a:p>
+                  </a:txBody>
+                  <a:tcPr marL="84362" marR="84362" marT="42181" marB="42181"/>
+                </a:tc>
+              </a:tr>
+              <a:tr h="1178515">
+                <a:tc>
+                  <a:txBody>
+                    <a:bodyPr/>
+                    <a:lstStyle/>
+                    <a:p>
+                      <a:r>
+                        <a:rPr lang="nl-NL" sz="1700" b="1" dirty="0" smtClean="0"/>
+                        <a:t>Objective</a:t>
+                      </a:r>
+                      <a:endParaRPr lang="nl-NL" sz="1700" b="1" dirty="0"/>
+                    </a:p>
+                  </a:txBody>
+                  <a:tcPr marL="84362" marR="84362" marT="42181" marB="42181"/>
+                </a:tc>
+                <a:tc>
+                  <a:txBody>
+                    <a:bodyPr/>
+                    <a:lstStyle/>
+                    <a:p>
+                      <a:r>
+                        <a:rPr lang="nl-NL" sz="2000" b="1" dirty="0" smtClean="0"/>
+                        <a:t>Physiological</a:t>
+                      </a:r>
+                      <a:r>
+                        <a:rPr lang="nl-NL" sz="2000" b="1" baseline="0" dirty="0" smtClean="0"/>
+                        <a:t> measures</a:t>
+                      </a:r>
+                    </a:p>
+                    <a:p>
+                      <a:endParaRPr lang="nl-NL" sz="1700" baseline="0" dirty="0" smtClean="0"/>
+                    </a:p>
+                    <a:p>
+                      <a:r>
+                        <a:rPr lang="nl-NL" sz="1700" baseline="0" dirty="0" smtClean="0"/>
+                        <a:t>Behavioral measures</a:t>
+                      </a:r>
+                    </a:p>
+                    <a:p>
+                      <a:r>
+                        <a:rPr lang="nl-NL" sz="1700" baseline="0" dirty="0" smtClean="0"/>
+                        <a:t>Learning outcome measures</a:t>
+                      </a:r>
+                      <a:endParaRPr lang="nl-NL" sz="1700" dirty="0"/>
+                    </a:p>
+                  </a:txBody>
+                  <a:tcPr marL="84362" marR="84362" marT="42181" marB="42181"/>
+                </a:tc>
+                <a:tc>
+                  <a:txBody>
+                    <a:bodyPr/>
+                    <a:lstStyle/>
+                    <a:p>
+                      <a:r>
+                        <a:rPr lang="nl-NL" sz="1700" smtClean="0"/>
+                        <a:t>Dual-task </a:t>
+                      </a:r>
+                      <a:r>
+                        <a:rPr lang="nl-NL" sz="1700" dirty="0" smtClean="0"/>
+                        <a:t>performance</a:t>
+                      </a:r>
+                    </a:p>
+                    <a:p>
+                      <a:endParaRPr lang="nl-NL" sz="1700" dirty="0" smtClean="0"/>
+                    </a:p>
+                    <a:p>
+                      <a:r>
+                        <a:rPr lang="nl-NL" sz="1700" smtClean="0"/>
+                        <a:t>Brain </a:t>
+                      </a:r>
+                      <a:r>
+                        <a:rPr lang="nl-NL" sz="1700" dirty="0" smtClean="0"/>
+                        <a:t>activity measures (e.g. fMRI)</a:t>
+                      </a:r>
+                    </a:p>
+                    <a:p>
+                      <a:r>
+                        <a:rPr lang="nl-NL" sz="1700" dirty="0" smtClean="0"/>
+                        <a:t>(arguably</a:t>
+                      </a:r>
+                      <a:r>
+                        <a:rPr lang="nl-NL" sz="1700" baseline="0" dirty="0" smtClean="0"/>
+                        <a:t> also indirect)</a:t>
+                      </a:r>
+                      <a:endParaRPr lang="nl-NL" sz="1700" dirty="0" smtClean="0"/>
+                    </a:p>
+                  </a:txBody>
+                  <a:tcPr marL="84362" marR="84362" marT="42181" marB="42181"/>
+                </a:tc>
+              </a:tr>
+            </a:tbl>
+          </a:graphicData>
+        </a:graphic>
+      </p:graphicFrame>
+      <p:sp>
+        <p:nvSpPr>
+          <p:cNvPr id="7" name="Left Arrow 6"/>
+          <p:cNvSpPr/>
+          <p:nvPr/>
+        </p:nvSpPr>
+        <p:spPr>
+          <a:xfrm rot="19268614">
+            <a:off x="5502903" y="3200189"/>
+            <a:ext cx="3449044" cy="804561"/>
+          </a:xfrm>
+          <a:prstGeom prst="leftArrow">
+            <a:avLst/>
+          </a:prstGeom>
+        </p:spPr>
+        <p:style>
+          <a:lnRef idx="2">
+            <a:schemeClr val="accent1">
+              <a:shade val="50000"/>
+            </a:schemeClr>
+          </a:lnRef>
+          <a:fillRef idx="1">
+            <a:schemeClr val="accent1"/>
+          </a:fillRef>
+          <a:effectRef idx="0">
+            <a:schemeClr val="accent1"/>
+          </a:effectRef>
+          <a:fontRef idx="minor">
+            <a:schemeClr val="lt1"/>
+          </a:fontRef>
+        </p:style>
+        <p:txBody>
+          <a:bodyPr rtlCol="0" anchor="ctr"/>
+          <a:lstStyle/>
+          <a:p>
+            <a:pPr algn="ctr"/>
+            <a:endParaRPr lang="nl-NL"/>
+          </a:p>
+        </p:txBody>
+      </p:sp>
+      <p:sp>
+        <p:nvSpPr>
+          <p:cNvPr id="5" name="Slide Number Placeholder 4"/>
+          <p:cNvSpPr>
+            <a:spLocks noGrp="1"/>
+          </p:cNvSpPr>
+          <p:nvPr>
+            <p:ph type="sldNum" sz="quarter" idx="12"/>
+          </p:nvPr>
+        </p:nvSpPr>
+        <p:spPr/>
+        <p:txBody>
+          <a:bodyPr/>
+          <a:lstStyle/>
+          <a:p>
+            <a:fld id="{629637A9-119A-49DA-BD12-AAC58B377D80}" type="slidenum">
+              <a:rPr lang="en-US" smtClean="0"/>
+              <a:t>5</a:t>
+            </a:fld>
+            <a:endParaRPr lang="en-US" dirty="0"/>
+          </a:p>
+        </p:txBody>
+      </p:sp>
+    </p:spTree>
+    <p:extLst>
+      <p:ext uri="{BB962C8B-B14F-4D97-AF65-F5344CB8AC3E}">
+        <p14:creationId xmlns:p14="http://schemas.microsoft.com/office/powerpoint/2010/main" val="3212613118"/>
+      </p:ext>
+    </p:extLst>
+  </p:cSld>
+  <p:clrMapOvr>
+    <a:masterClrMapping/>
+  </p:clrMapOvr>
+  <mc:AlternateContent xmlns:mc="http://schemas.openxmlformats.org/markup-compatibility/2006">
+    <mc:Choice xmlns:p14="http://schemas.microsoft.com/office/powerpoint/2010/main" Requires="p14">
+      <p:transition spd="slow" p14:dur="2000"/>
+    </mc:Choice>
+    <mc:Fallback>
+      <p:transition spd="slow"/>
+    </mc:Fallback>
+  </mc:AlternateContent>
+  <p:timing>
+    <p:tnLst>
+      <p:par>
+        <p:cTn id="1" dur="indefinite" restart="never" nodeType="tmRoot"/>
+      </p:par>
+    </p:tnLst>
+  </p:timing>
+</p:sld>
+</file>
+
+<file path=ppt/slides/slide6.xml><?xml version="1.0" encoding="utf-8"?>
+<p:sld xmlns:a="http://schemas.openxmlformats.org/drawingml/2006/main" xmlns:r="http://schemas.openxmlformats.org/officeDocument/2006/relationships" xmlns:p="http://schemas.openxmlformats.org/presentationml/2006/main">
+  <p:cSld>
+    <p:spTree>
+      <p:nvGrpSpPr>
+        <p:cNvPr id="1" name=""/>
+        <p:cNvGrpSpPr/>
+        <p:nvPr/>
+      </p:nvGrpSpPr>
+      <p:grpSpPr>
+        <a:xfrm>
+          <a:off x="0" y="0"/>
+          <a:ext cx="0" cy="0"/>
+          <a:chOff x="0" y="0"/>
+          <a:chExt cx="0" cy="0"/>
+        </a:xfrm>
+      </p:grpSpPr>
+      <p:sp>
+        <p:nvSpPr>
+          <p:cNvPr id="2" name="Title 1"/>
+          <p:cNvSpPr>
+            <a:spLocks noGrp="1"/>
+          </p:cNvSpPr>
+          <p:nvPr>
+            <p:ph type="title"/>
+          </p:nvPr>
+        </p:nvSpPr>
+        <p:spPr/>
+        <p:txBody>
+          <a:bodyPr>
+            <a:normAutofit/>
+          </a:bodyPr>
+          <a:lstStyle/>
+          <a:p>
+            <a:r>
+              <a:rPr lang="nl-NL" sz="3600" dirty="0" smtClean="0"/>
+              <a:t>New </a:t>
+            </a:r>
+            <a:r>
+              <a:rPr lang="nl-NL" sz="3600" dirty="0" smtClean="0"/>
+              <a:t>consumer electronics can measure </a:t>
+            </a:r>
+            <a:r>
+              <a:rPr lang="nl-NL" sz="3600" dirty="0" smtClean="0"/>
+              <a:t>biometrics</a:t>
+            </a:r>
+            <a:endParaRPr lang="nl-NL" sz="3600" dirty="0"/>
           </a:p>
         </p:txBody>
       </p:sp>
@@ -11386,6 +13353,29 @@
           </a:p>
         </p:txBody>
       </p:sp>
+      <p:sp>
+        <p:nvSpPr>
+          <p:cNvPr id="7" name="Slide Number Placeholder 6"/>
+          <p:cNvSpPr>
+            <a:spLocks noGrp="1"/>
+          </p:cNvSpPr>
+          <p:nvPr>
+            <p:ph type="sldNum" sz="quarter" idx="12"/>
+          </p:nvPr>
+        </p:nvSpPr>
+        <p:spPr/>
+        <p:txBody>
+          <a:bodyPr/>
+          <a:lstStyle/>
+          <a:p>
+            <a:fld id="{629637A9-119A-49DA-BD12-AAC58B377D80}" type="slidenum">
+              <a:rPr lang="en-US" smtClean="0"/>
+              <a:t>6</a:t>
+            </a:fld>
+            <a:endParaRPr lang="en-US" dirty="0"/>
+          </a:p>
+        </p:txBody>
+      </p:sp>
     </p:spTree>
     <p:extLst>
       <p:ext uri="{BB962C8B-B14F-4D97-AF65-F5344CB8AC3E}">
@@ -11396,6 +13386,14 @@
   <p:clrMapOvr>
     <a:masterClrMapping/>
   </p:clrMapOvr>
+  <mc:AlternateContent xmlns:mc="http://schemas.openxmlformats.org/markup-compatibility/2006">
+    <mc:Choice xmlns:p14="http://schemas.microsoft.com/office/powerpoint/2010/main" Requires="p14">
+      <p:transition spd="slow" p14:dur="2000"/>
+    </mc:Choice>
+    <mc:Fallback>
+      <p:transition spd="slow"/>
+    </mc:Fallback>
+  </mc:AlternateContent>
   <p:timing>
     <p:tnLst>
       <p:par>
@@ -11406,7 +13404,7 @@
 </p:sld>
 </file>
 
-<file path=ppt/slides/slide5.xml><?xml version="1.0" encoding="utf-8"?>
+<file path=ppt/slides/slide7.xml><?xml version="1.0" encoding="utf-8"?>
 <p:sld xmlns:a="http://schemas.openxmlformats.org/drawingml/2006/main" xmlns:r="http://schemas.openxmlformats.org/officeDocument/2006/relationships" xmlns:p="http://schemas.openxmlformats.org/presentationml/2006/main">
   <p:cSld>
     <p:spTree>
@@ -11528,38 +13526,34 @@
           </a:p>
           <a:p>
             <a:r>
-              <a:rPr lang="nl-NL" sz="2800" dirty="0" smtClean="0"/>
+              <a:rPr lang="nl-NL" sz="1800" dirty="0" smtClean="0"/>
               <a:t>Many different options </a:t>
             </a:r>
             <a:r>
-              <a:rPr lang="nl-NL" sz="2800" dirty="0" err="1" smtClean="0"/>
+              <a:rPr lang="nl-NL" sz="1800" dirty="0" err="1" smtClean="0"/>
               <a:t>for</a:t>
             </a:r>
             <a:r>
-              <a:rPr lang="nl-NL" sz="2800" dirty="0" smtClean="0"/>
+              <a:rPr lang="nl-NL" sz="1800" dirty="0" smtClean="0"/>
               <a:t> </a:t>
             </a:r>
             <a:r>
-              <a:rPr lang="nl-NL" sz="2800" dirty="0" err="1" smtClean="0"/>
+              <a:rPr lang="nl-NL" sz="1800" dirty="0" err="1" smtClean="0"/>
               <a:t>measuring</a:t>
             </a:r>
             <a:r>
-              <a:rPr lang="nl-NL" sz="2800" dirty="0" smtClean="0"/>
+              <a:rPr lang="nl-NL" sz="1800" dirty="0" smtClean="0"/>
               <a:t>, </a:t>
             </a:r>
             <a:r>
-              <a:rPr lang="nl-NL" sz="2800" dirty="0" err="1" smtClean="0"/>
+              <a:rPr lang="nl-NL" sz="1800" dirty="0" err="1" smtClean="0"/>
               <a:t>like</a:t>
             </a:r>
             <a:r>
-              <a:rPr lang="nl-NL" sz="2800" dirty="0" smtClean="0"/>
-              <a:t>:</a:t>
-            </a:r>
-            <a:r>
-              <a:rPr lang="nl-NL" sz="2400" dirty="0" smtClean="0"/>
-              <a:t> </a:t>
-            </a:r>
-            <a:endParaRPr lang="nl-NL" sz="2800" dirty="0"/>
+              <a:rPr lang="nl-NL" sz="1800" dirty="0" smtClean="0"/>
+              <a:t>: </a:t>
+            </a:r>
+            <a:endParaRPr lang="nl-NL" sz="1800" dirty="0"/>
           </a:p>
         </p:txBody>
       </p:sp>
@@ -12580,15 +14574,7 @@
           <a:p>
             <a:r>
               <a:rPr lang="nl-NL" sz="2400" dirty="0" smtClean="0"/>
-              <a:t>Measuring </a:t>
-            </a:r>
-            <a:r>
-              <a:rPr lang="nl-NL" sz="2400" dirty="0" smtClean="0"/>
-              <a:t>these is often </a:t>
-            </a:r>
-            <a:r>
-              <a:rPr lang="nl-NL" sz="2400" dirty="0" smtClean="0"/>
-              <a:t>not mutually exclusive</a:t>
+              <a:t>Measuring these is often not mutually exclusive</a:t>
             </a:r>
             <a:endParaRPr lang="nl-NL" sz="2400" dirty="0"/>
           </a:p>
@@ -12676,6 +14662,29 @@
           </a:extLst>
         </p:spPr>
       </p:pic>
+      <p:sp>
+        <p:nvSpPr>
+          <p:cNvPr id="6" name="Slide Number Placeholder 5"/>
+          <p:cNvSpPr>
+            <a:spLocks noGrp="1"/>
+          </p:cNvSpPr>
+          <p:nvPr>
+            <p:ph type="sldNum" sz="quarter" idx="12"/>
+          </p:nvPr>
+        </p:nvSpPr>
+        <p:spPr/>
+        <p:txBody>
+          <a:bodyPr/>
+          <a:lstStyle/>
+          <a:p>
+            <a:fld id="{629637A9-119A-49DA-BD12-AAC58B377D80}" type="slidenum">
+              <a:rPr lang="en-US" smtClean="0"/>
+              <a:t>7</a:t>
+            </a:fld>
+            <a:endParaRPr lang="en-US" dirty="0"/>
+          </a:p>
+        </p:txBody>
+      </p:sp>
     </p:spTree>
     <p:extLst>
       <p:ext uri="{BB962C8B-B14F-4D97-AF65-F5344CB8AC3E}">
@@ -12686,6 +14695,14 @@
   <p:clrMapOvr>
     <a:masterClrMapping/>
   </p:clrMapOvr>
+  <mc:AlternateContent xmlns:mc="http://schemas.openxmlformats.org/markup-compatibility/2006">
+    <mc:Choice xmlns:p14="http://schemas.microsoft.com/office/powerpoint/2010/main" Requires="p14">
+      <p:transition spd="slow" p14:dur="2000"/>
+    </mc:Choice>
+    <mc:Fallback>
+      <p:transition spd="slow"/>
+    </mc:Fallback>
+  </mc:AlternateContent>
   <p:timing>
     <p:tnLst>
       <p:par>
@@ -12696,7 +14713,7 @@
 </p:sld>
 </file>
 
-<file path=ppt/slides/slide6.xml><?xml version="1.0" encoding="utf-8"?>
+<file path=ppt/slides/slide8.xml><?xml version="1.0" encoding="utf-8"?>
 <p:sld xmlns:a="http://schemas.openxmlformats.org/drawingml/2006/main" xmlns:r="http://schemas.openxmlformats.org/officeDocument/2006/relationships" xmlns:p="http://schemas.openxmlformats.org/presentationml/2006/main">
   <p:cSld>
     <p:spTree>
@@ -12859,42 +14876,38 @@
           </a:p>
           <a:p>
             <a:r>
-              <a:rPr lang="nl-NL" sz="2800" dirty="0" err="1" smtClean="0"/>
+              <a:rPr lang="nl-NL" sz="1800" dirty="0" err="1" smtClean="0"/>
               <a:t>Many</a:t>
             </a:r>
             <a:r>
-              <a:rPr lang="nl-NL" sz="2800" dirty="0" smtClean="0"/>
+              <a:rPr lang="nl-NL" sz="1800" dirty="0" smtClean="0"/>
               <a:t> different options </a:t>
             </a:r>
             <a:r>
-              <a:rPr lang="nl-NL" sz="2800" dirty="0" err="1" smtClean="0"/>
+              <a:rPr lang="nl-NL" sz="1800" dirty="0" err="1" smtClean="0"/>
               <a:t>for</a:t>
             </a:r>
             <a:r>
-              <a:rPr lang="nl-NL" sz="2800" dirty="0" smtClean="0"/>
+              <a:rPr lang="nl-NL" sz="1800" dirty="0" smtClean="0"/>
               <a:t> </a:t>
             </a:r>
             <a:r>
-              <a:rPr lang="nl-NL" sz="2800" dirty="0" err="1" smtClean="0"/>
+              <a:rPr lang="nl-NL" sz="1800" dirty="0" err="1" smtClean="0"/>
               <a:t>measuring</a:t>
             </a:r>
             <a:r>
-              <a:rPr lang="nl-NL" sz="2800" dirty="0" smtClean="0"/>
+              <a:rPr lang="nl-NL" sz="1800" dirty="0" smtClean="0"/>
               <a:t>, </a:t>
             </a:r>
             <a:r>
-              <a:rPr lang="nl-NL" sz="2800" dirty="0" err="1" smtClean="0"/>
+              <a:rPr lang="nl-NL" sz="1800" dirty="0" err="1" smtClean="0"/>
               <a:t>like</a:t>
             </a:r>
             <a:r>
-              <a:rPr lang="nl-NL" sz="2800" dirty="0" smtClean="0"/>
-              <a:t>:</a:t>
-            </a:r>
-            <a:r>
-              <a:rPr lang="nl-NL" sz="2400" dirty="0" smtClean="0"/>
-              <a:t> </a:t>
-            </a:r>
-            <a:endParaRPr lang="nl-NL" sz="2800" dirty="0"/>
+              <a:rPr lang="nl-NL" sz="1800" dirty="0" smtClean="0"/>
+              <a:t>: </a:t>
+            </a:r>
+            <a:endParaRPr lang="nl-NL" sz="1800" dirty="0"/>
           </a:p>
         </p:txBody>
       </p:sp>
@@ -13726,6 +15739,29 @@
           </a:extLst>
         </p:spPr>
       </p:pic>
+      <p:sp>
+        <p:nvSpPr>
+          <p:cNvPr id="6" name="Slide Number Placeholder 5"/>
+          <p:cNvSpPr>
+            <a:spLocks noGrp="1"/>
+          </p:cNvSpPr>
+          <p:nvPr>
+            <p:ph type="sldNum" sz="quarter" idx="12"/>
+          </p:nvPr>
+        </p:nvSpPr>
+        <p:spPr/>
+        <p:txBody>
+          <a:bodyPr/>
+          <a:lstStyle/>
+          <a:p>
+            <a:fld id="{629637A9-119A-49DA-BD12-AAC58B377D80}" type="slidenum">
+              <a:rPr lang="en-US" smtClean="0"/>
+              <a:t>8</a:t>
+            </a:fld>
+            <a:endParaRPr lang="en-US" dirty="0"/>
+          </a:p>
+        </p:txBody>
+      </p:sp>
     </p:spTree>
     <p:extLst>
       <p:ext uri="{BB962C8B-B14F-4D97-AF65-F5344CB8AC3E}">
@@ -13736,6 +15772,14 @@
   <p:clrMapOvr>
     <a:masterClrMapping/>
   </p:clrMapOvr>
+  <mc:AlternateContent xmlns:mc="http://schemas.openxmlformats.org/markup-compatibility/2006">
+    <mc:Choice xmlns:p14="http://schemas.microsoft.com/office/powerpoint/2010/main" Requires="p14">
+      <p:transition spd="slow" p14:dur="2000"/>
+    </mc:Choice>
+    <mc:Fallback>
+      <p:transition spd="slow"/>
+    </mc:Fallback>
+  </mc:AlternateContent>
   <p:timing>
     <p:tnLst>
       <p:par>
@@ -13746,7 +15790,7 @@
 </p:sld>
 </file>
 
-<file path=ppt/slides/slide7.xml><?xml version="1.0" encoding="utf-8"?>
+<file path=ppt/slides/slide9.xml><?xml version="1.0" encoding="utf-8"?>
 <p:sld xmlns:a="http://schemas.openxmlformats.org/drawingml/2006/main" xmlns:r="http://schemas.openxmlformats.org/officeDocument/2006/relationships" xmlns:p="http://schemas.openxmlformats.org/presentationml/2006/main">
   <p:cSld>
     <p:spTree>
@@ -13821,11 +15865,7 @@
             </a:pPr>
             <a:r>
               <a:rPr lang="en-US" dirty="0" smtClean="0"/>
-              <a:t>Small voltage applied to electrodes, flowing current </a:t>
-            </a:r>
-            <a:r>
-              <a:rPr lang="en-US" dirty="0" smtClean="0"/>
-              <a:t>measured</a:t>
+              <a:t>Small voltage applied to electrodes, flowing current measured</a:t>
             </a:r>
           </a:p>
           <a:p>
@@ -13862,8 +15902,13 @@
             </a:r>
             <a:r>
               <a:rPr lang="en-US" dirty="0" smtClean="0"/>
-              <a:t>sweat glands</a:t>
-            </a:r>
+              <a:t>sweat </a:t>
+            </a:r>
+            <a:r>
+              <a:rPr lang="en-US" dirty="0" smtClean="0"/>
+              <a:t>glands</a:t>
+            </a:r>
+            <a:endParaRPr lang="en-US" dirty="0" smtClean="0"/>
           </a:p>
           <a:p>
             <a:pPr>
@@ -14006,6 +16051,29 @@
           </a:extLst>
         </p:spPr>
       </p:pic>
+      <p:sp>
+        <p:nvSpPr>
+          <p:cNvPr id="5" name="Slide Number Placeholder 4"/>
+          <p:cNvSpPr>
+            <a:spLocks noGrp="1"/>
+          </p:cNvSpPr>
+          <p:nvPr>
+            <p:ph type="sldNum" sz="quarter" idx="12"/>
+          </p:nvPr>
+        </p:nvSpPr>
+        <p:spPr/>
+        <p:txBody>
+          <a:bodyPr/>
+          <a:lstStyle/>
+          <a:p>
+            <a:fld id="{629637A9-119A-49DA-BD12-AAC58B377D80}" type="slidenum">
+              <a:rPr lang="en-US" smtClean="0"/>
+              <a:t>9</a:t>
+            </a:fld>
+            <a:endParaRPr lang="en-US" dirty="0"/>
+          </a:p>
+        </p:txBody>
+      </p:sp>
     </p:spTree>
     <p:extLst>
       <p:ext uri="{BB962C8B-B14F-4D97-AF65-F5344CB8AC3E}">
@@ -14016,254 +16084,14 @@
   <p:clrMapOvr>
     <a:masterClrMapping/>
   </p:clrMapOvr>
-  <p:timing>
-    <p:tnLst>
-      <p:par>
-        <p:cTn id="1" dur="indefinite" restart="never" nodeType="tmRoot"/>
-      </p:par>
-    </p:tnLst>
-  </p:timing>
-</p:sld>
-</file>
-
-<file path=ppt/slides/slide8.xml><?xml version="1.0" encoding="utf-8"?>
-<p:sld xmlns:a="http://schemas.openxmlformats.org/drawingml/2006/main" xmlns:r="http://schemas.openxmlformats.org/officeDocument/2006/relationships" xmlns:p="http://schemas.openxmlformats.org/presentationml/2006/main">
-  <p:cSld>
-    <p:spTree>
-      <p:nvGrpSpPr>
-        <p:cNvPr id="1" name=""/>
-        <p:cNvGrpSpPr/>
-        <p:nvPr/>
-      </p:nvGrpSpPr>
-      <p:grpSpPr>
-        <a:xfrm>
-          <a:off x="0" y="0"/>
-          <a:ext cx="0" cy="0"/>
-          <a:chOff x="0" y="0"/>
-          <a:chExt cx="0" cy="0"/>
-        </a:xfrm>
-      </p:grpSpPr>
-      <p:sp>
-        <p:nvSpPr>
-          <p:cNvPr id="2" name="Title 1"/>
-          <p:cNvSpPr>
-            <a:spLocks noGrp="1"/>
-          </p:cNvSpPr>
-          <p:nvPr>
-            <p:ph type="title"/>
-          </p:nvPr>
-        </p:nvSpPr>
-        <p:spPr/>
-        <p:txBody>
-          <a:bodyPr/>
-          <a:lstStyle/>
-          <a:p>
-            <a:r>
-              <a:rPr lang="nl-NL" dirty="0" smtClean="0"/>
-              <a:t>Why measure cognitive load?</a:t>
-            </a:r>
-            <a:endParaRPr lang="nl-NL" dirty="0"/>
-          </a:p>
-        </p:txBody>
-      </p:sp>
-      <p:sp>
-        <p:nvSpPr>
-          <p:cNvPr id="3" name="Content Placeholder 2"/>
-          <p:cNvSpPr>
-            <a:spLocks noGrp="1"/>
-          </p:cNvSpPr>
-          <p:nvPr>
-            <p:ph idx="1"/>
-          </p:nvPr>
-        </p:nvSpPr>
-        <p:spPr/>
-        <p:txBody>
-          <a:bodyPr/>
-          <a:lstStyle/>
-          <a:p>
-            <a:pPr>
-              <a:buFont typeface="Wingdings" panose="05000000000000000000" pitchFamily="2" charset="2"/>
-              <a:buChar char="§"/>
-            </a:pPr>
-            <a:r>
-              <a:rPr lang="nl-NL" dirty="0" smtClean="0"/>
-              <a:t>“You should take a break”</a:t>
-            </a:r>
-          </a:p>
-          <a:p>
-            <a:pPr>
-              <a:buFont typeface="Wingdings" panose="05000000000000000000" pitchFamily="2" charset="2"/>
-              <a:buChar char="§"/>
-            </a:pPr>
-            <a:r>
-              <a:rPr lang="nl-NL" dirty="0"/>
-              <a:t> </a:t>
-            </a:r>
-            <a:r>
-              <a:rPr lang="nl-NL" dirty="0" smtClean="0"/>
-              <a:t>Automatic difficulty adjustment in applications (such as games)</a:t>
-            </a:r>
-          </a:p>
-          <a:p>
-            <a:pPr>
-              <a:buFont typeface="Wingdings" panose="05000000000000000000" pitchFamily="2" charset="2"/>
-              <a:buChar char="§"/>
-            </a:pPr>
-            <a:r>
-              <a:rPr lang="nl-NL" dirty="0" smtClean="0"/>
-              <a:t>People on the autism spectrum do display physiological response</a:t>
-            </a:r>
-          </a:p>
-          <a:p>
-            <a:pPr>
-              <a:buFont typeface="Wingdings" panose="05000000000000000000" pitchFamily="2" charset="2"/>
-              <a:buChar char="§"/>
-            </a:pPr>
-            <a:r>
-              <a:rPr lang="nl-NL" dirty="0" smtClean="0"/>
-              <a:t> Classroom applications, are students following/getting it?</a:t>
-            </a:r>
-            <a:endParaRPr lang="nl-NL" dirty="0"/>
-          </a:p>
-        </p:txBody>
-      </p:sp>
-    </p:spTree>
-    <p:extLst>
-      <p:ext uri="{BB962C8B-B14F-4D97-AF65-F5344CB8AC3E}">
-        <p14:creationId xmlns:p14="http://schemas.microsoft.com/office/powerpoint/2010/main" val="2537843903"/>
-      </p:ext>
-    </p:extLst>
-  </p:cSld>
-  <p:clrMapOvr>
-    <a:masterClrMapping/>
-  </p:clrMapOvr>
-  <p:timing>
-    <p:tnLst>
-      <p:par>
-        <p:cTn id="1" dur="indefinite" restart="never" nodeType="tmRoot"/>
-      </p:par>
-    </p:tnLst>
-  </p:timing>
-</p:sld>
-</file>
-
-<file path=ppt/slides/slide9.xml><?xml version="1.0" encoding="utf-8"?>
-<p:sld xmlns:a="http://schemas.openxmlformats.org/drawingml/2006/main" xmlns:r="http://schemas.openxmlformats.org/officeDocument/2006/relationships" xmlns:p="http://schemas.openxmlformats.org/presentationml/2006/main">
-  <p:cSld>
-    <p:spTree>
-      <p:nvGrpSpPr>
-        <p:cNvPr id="1" name=""/>
-        <p:cNvGrpSpPr/>
-        <p:nvPr/>
-      </p:nvGrpSpPr>
-      <p:grpSpPr>
-        <a:xfrm>
-          <a:off x="0" y="0"/>
-          <a:ext cx="0" cy="0"/>
-          <a:chOff x="0" y="0"/>
-          <a:chExt cx="0" cy="0"/>
-        </a:xfrm>
-      </p:grpSpPr>
-      <p:sp>
-        <p:nvSpPr>
-          <p:cNvPr id="2" name="Title 1"/>
-          <p:cNvSpPr>
-            <a:spLocks noGrp="1"/>
-          </p:cNvSpPr>
-          <p:nvPr>
-            <p:ph type="title"/>
-          </p:nvPr>
-        </p:nvSpPr>
-        <p:spPr/>
-        <p:txBody>
-          <a:bodyPr/>
-          <a:lstStyle/>
-          <a:p>
-            <a:r>
-              <a:rPr lang="nl-NL" dirty="0" smtClean="0"/>
-              <a:t>Goal</a:t>
-            </a:r>
-            <a:endParaRPr lang="nl-NL" dirty="0"/>
-          </a:p>
-        </p:txBody>
-      </p:sp>
-      <p:sp>
-        <p:nvSpPr>
-          <p:cNvPr id="3" name="Content Placeholder 2"/>
-          <p:cNvSpPr>
-            <a:spLocks noGrp="1"/>
-          </p:cNvSpPr>
-          <p:nvPr>
-            <p:ph idx="1"/>
-          </p:nvPr>
-        </p:nvSpPr>
-        <p:spPr/>
-        <p:txBody>
-          <a:bodyPr/>
-          <a:lstStyle/>
-          <a:p>
-            <a:pPr>
-              <a:buFont typeface="Wingdings" panose="05000000000000000000" pitchFamily="2" charset="2"/>
-              <a:buChar char="§"/>
-            </a:pPr>
-            <a:r>
-              <a:rPr lang="nl-NL" dirty="0" smtClean="0"/>
-              <a:t> Determining cognitive load from GSR data</a:t>
-            </a:r>
-          </a:p>
-          <a:p>
-            <a:pPr>
-              <a:buFont typeface="Wingdings" panose="05000000000000000000" pitchFamily="2" charset="2"/>
-              <a:buChar char="§"/>
-            </a:pPr>
-            <a:endParaRPr lang="nl-NL" dirty="0" smtClean="0"/>
-          </a:p>
-          <a:p>
-            <a:pPr marL="0" indent="0">
-              <a:buNone/>
-            </a:pPr>
-            <a:r>
-              <a:rPr lang="nl-NL" b="1" dirty="0" smtClean="0"/>
-              <a:t>Method</a:t>
-            </a:r>
-            <a:endParaRPr lang="nl-NL" b="1" dirty="0"/>
-          </a:p>
-          <a:p>
-            <a:pPr>
-              <a:buFont typeface="Wingdings" panose="05000000000000000000" pitchFamily="2" charset="2"/>
-              <a:buChar char="§"/>
-            </a:pPr>
-            <a:r>
-              <a:rPr lang="nl-NL" dirty="0" smtClean="0"/>
-              <a:t> Measure </a:t>
-            </a:r>
-            <a:r>
-              <a:rPr lang="nl-NL" dirty="0" smtClean="0"/>
-              <a:t>GSR data using tasks with varying difficulty</a:t>
-            </a:r>
-          </a:p>
-          <a:p>
-            <a:pPr>
-              <a:buFont typeface="Wingdings" panose="05000000000000000000" pitchFamily="2" charset="2"/>
-              <a:buChar char="§"/>
-            </a:pPr>
-            <a:r>
-              <a:rPr lang="nl-NL" dirty="0" smtClean="0"/>
-              <a:t> Classify task difficulty from features of the GSR data</a:t>
-            </a:r>
-          </a:p>
-        </p:txBody>
-      </p:sp>
-    </p:spTree>
-    <p:extLst>
-      <p:ext uri="{BB962C8B-B14F-4D97-AF65-F5344CB8AC3E}">
-        <p14:creationId xmlns:p14="http://schemas.microsoft.com/office/powerpoint/2010/main" val="880611061"/>
-      </p:ext>
-    </p:extLst>
-  </p:cSld>
-  <p:clrMapOvr>
-    <a:masterClrMapping/>
-  </p:clrMapOvr>
+  <mc:AlternateContent xmlns:mc="http://schemas.openxmlformats.org/markup-compatibility/2006">
+    <mc:Choice xmlns:p14="http://schemas.microsoft.com/office/powerpoint/2010/main" Requires="p14">
+      <p:transition spd="slow" p14:dur="2000"/>
+    </mc:Choice>
+    <mc:Fallback>
+      <p:transition spd="slow"/>
+    </mc:Fallback>
+  </mc:AlternateContent>
   <p:timing>
     <p:tnLst>
       <p:par>
